--- a/Entrega/22.99 TP2 G1.pptx
+++ b/Entrega/22.99 TP2 G1.pptx
@@ -5,19 +5,24 @@
     <p:sldMasterId id="2147483648" r:id="rId4"/>
   </p:sldMasterIdLst>
   <p:notesMasterIdLst>
-    <p:notesMasterId r:id="rId15"/>
+    <p:notesMasterId r:id="rId20"/>
   </p:notesMasterIdLst>
   <p:sldIdLst>
     <p:sldId id="257" r:id="rId5"/>
     <p:sldId id="260" r:id="rId6"/>
     <p:sldId id="282" r:id="rId7"/>
     <p:sldId id="283" r:id="rId8"/>
-    <p:sldId id="286" r:id="rId9"/>
-    <p:sldId id="287" r:id="rId10"/>
-    <p:sldId id="290" r:id="rId11"/>
-    <p:sldId id="291" r:id="rId12"/>
-    <p:sldId id="292" r:id="rId13"/>
-    <p:sldId id="281" r:id="rId14"/>
+    <p:sldId id="293" r:id="rId9"/>
+    <p:sldId id="286" r:id="rId10"/>
+    <p:sldId id="287" r:id="rId11"/>
+    <p:sldId id="290" r:id="rId12"/>
+    <p:sldId id="291" r:id="rId13"/>
+    <p:sldId id="292" r:id="rId14"/>
+    <p:sldId id="298" r:id="rId15"/>
+    <p:sldId id="295" r:id="rId16"/>
+    <p:sldId id="299" r:id="rId17"/>
+    <p:sldId id="297" r:id="rId18"/>
+    <p:sldId id="281" r:id="rId19"/>
   </p:sldIdLst>
   <p:sldSz cx="12192000" cy="6858000"/>
   <p:notesSz cx="6858000" cy="9144000"/>
@@ -116,6 +121,11 @@
       </a:defRPr>
     </a:lvl9pPr>
   </p:defaultTextStyle>
+  <p:extLst>
+    <p:ext uri="{EFAFB233-063F-42B5-8137-9DF3F51BA10A}">
+      <p15:sldGuideLst xmlns:p15="http://schemas.microsoft.com/office/powerpoint/2012/main"/>
+    </p:ext>
+  </p:extLst>
 </p:presentation>
 </file>
 
@@ -14381,6 +14391,2458 @@
           <p:cNvPr id="2" name="Title 1">
             <a:extLst>
               <a:ext uri="{FF2B5EF4-FFF2-40B4-BE49-F238E27FC236}">
+                <a16:creationId xmlns:a16="http://schemas.microsoft.com/office/drawing/2014/main" id="{EE53C0F5-865E-4C2C-911C-CDD7FC3C1C8C}"/>
+              </a:ext>
+            </a:extLst>
+          </p:cNvPr>
+          <p:cNvSpPr>
+            <a:spLocks noGrp="1"/>
+          </p:cNvSpPr>
+          <p:nvPr>
+            <p:ph type="title"/>
+          </p:nvPr>
+        </p:nvSpPr>
+        <p:spPr/>
+        <p:txBody>
+          <a:bodyPr/>
+          <a:lstStyle/>
+          <a:p>
+            <a:r>
+              <a:rPr lang="en-US" dirty="0"/>
+              <a:t>I</a:t>
+            </a:r>
+            <a:r>
+              <a:rPr lang="en-US" baseline="30000" dirty="0"/>
+              <a:t>2</a:t>
+            </a:r>
+            <a:r>
+              <a:rPr lang="en-US" dirty="0"/>
+              <a:t>C</a:t>
+            </a:r>
+            <a:br>
+              <a:rPr lang="en-US" dirty="0"/>
+            </a:br>
+            <a:r>
+              <a:rPr lang="en-US" sz="2000" dirty="0"/>
+              <a:t>Inter-Integrated Circuit</a:t>
+            </a:r>
+            <a:endParaRPr lang="en-US" dirty="0"/>
+          </a:p>
+        </p:txBody>
+      </p:sp>
+      <p:sp>
+        <p:nvSpPr>
+          <p:cNvPr id="3" name="Content Placeholder 2">
+            <a:extLst>
+              <a:ext uri="{FF2B5EF4-FFF2-40B4-BE49-F238E27FC236}">
+                <a16:creationId xmlns:a16="http://schemas.microsoft.com/office/drawing/2014/main" id="{1503E593-EDE4-412E-B586-07D974ACE4C4}"/>
+              </a:ext>
+            </a:extLst>
+          </p:cNvPr>
+          <p:cNvSpPr>
+            <a:spLocks noGrp="1"/>
+          </p:cNvSpPr>
+          <p:nvPr>
+            <p:ph idx="1"/>
+          </p:nvPr>
+        </p:nvSpPr>
+        <p:spPr/>
+        <p:txBody>
+          <a:bodyPr/>
+          <a:lstStyle/>
+          <a:p>
+            <a:endParaRPr lang="en-US" dirty="0"/>
+          </a:p>
+        </p:txBody>
+      </p:sp>
+      <p:sp>
+        <p:nvSpPr>
+          <p:cNvPr id="4" name="Footer Placeholder 3">
+            <a:extLst>
+              <a:ext uri="{FF2B5EF4-FFF2-40B4-BE49-F238E27FC236}">
+                <a16:creationId xmlns:a16="http://schemas.microsoft.com/office/drawing/2014/main" id="{4CA5DDE4-E1A5-4A33-BE84-4C8C6DBF5B47}"/>
+              </a:ext>
+            </a:extLst>
+          </p:cNvPr>
+          <p:cNvSpPr>
+            <a:spLocks noGrp="1"/>
+          </p:cNvSpPr>
+          <p:nvPr>
+            <p:ph type="ftr" sz="quarter" idx="11"/>
+          </p:nvPr>
+        </p:nvSpPr>
+        <p:spPr/>
+        <p:txBody>
+          <a:bodyPr/>
+          <a:lstStyle/>
+          <a:p>
+            <a:r>
+              <a:rPr lang="pt-BR"/>
+              <a:t>Laboratorio de microprocesadores – TP2 - Grupo 1</a:t>
+            </a:r>
+            <a:endParaRPr lang="en-US" dirty="0"/>
+          </a:p>
+        </p:txBody>
+      </p:sp>
+      <p:sp>
+        <p:nvSpPr>
+          <p:cNvPr id="5" name="Slide Number Placeholder 4">
+            <a:extLst>
+              <a:ext uri="{FF2B5EF4-FFF2-40B4-BE49-F238E27FC236}">
+                <a16:creationId xmlns:a16="http://schemas.microsoft.com/office/drawing/2014/main" id="{324E6700-3DB5-4C4F-959F-86C647E6FD7A}"/>
+              </a:ext>
+            </a:extLst>
+          </p:cNvPr>
+          <p:cNvSpPr>
+            <a:spLocks noGrp="1"/>
+          </p:cNvSpPr>
+          <p:nvPr>
+            <p:ph type="sldNum" sz="quarter" idx="12"/>
+          </p:nvPr>
+        </p:nvSpPr>
+        <p:spPr/>
+        <p:txBody>
+          <a:bodyPr/>
+          <a:lstStyle/>
+          <a:p>
+            <a:fld id="{D57F1E4F-1CFF-5643-939E-217C01CDF565}" type="slidenum">
+              <a:rPr lang="en-US" smtClean="0"/>
+              <a:pPr/>
+              <a:t>10</a:t>
+            </a:fld>
+            <a:endParaRPr lang="en-US" dirty="0"/>
+          </a:p>
+        </p:txBody>
+      </p:sp>
+    </p:spTree>
+    <p:extLst>
+      <p:ext uri="{BB962C8B-B14F-4D97-AF65-F5344CB8AC3E}">
+        <p14:creationId xmlns:p14="http://schemas.microsoft.com/office/powerpoint/2010/main" val="1869453064"/>
+      </p:ext>
+    </p:extLst>
+  </p:cSld>
+  <p:clrMapOvr>
+    <a:masterClrMapping/>
+  </p:clrMapOvr>
+</p:sld>
+</file>
+
+<file path=ppt/slides/slide11.xml><?xml version="1.0" encoding="utf-8"?>
+<p:sld xmlns:a="http://schemas.openxmlformats.org/drawingml/2006/main" xmlns:r="http://schemas.openxmlformats.org/officeDocument/2006/relationships" xmlns:p="http://schemas.openxmlformats.org/presentationml/2006/main">
+  <p:cSld>
+    <p:bg>
+      <p:bgPr>
+        <a:solidFill>
+          <a:schemeClr val="bg1"/>
+        </a:solidFill>
+        <a:effectLst/>
+      </p:bgPr>
+    </p:bg>
+    <p:spTree>
+      <p:nvGrpSpPr>
+        <p:cNvPr id="1" name=""/>
+        <p:cNvGrpSpPr/>
+        <p:nvPr/>
+      </p:nvGrpSpPr>
+      <p:grpSpPr>
+        <a:xfrm>
+          <a:off x="0" y="0"/>
+          <a:ext cx="0" cy="0"/>
+          <a:chOff x="0" y="0"/>
+          <a:chExt cx="0" cy="0"/>
+        </a:xfrm>
+      </p:grpSpPr>
+      <p:grpSp>
+        <p:nvGrpSpPr>
+          <p:cNvPr id="16" name="Group 15">
+            <a:extLst>
+              <a:ext uri="{FF2B5EF4-FFF2-40B4-BE49-F238E27FC236}">
+                <a16:creationId xmlns:a16="http://schemas.microsoft.com/office/drawing/2014/main" id="{B4DE830A-B531-4A3B-96F6-0ECE88B08555}"/>
+              </a:ext>
+              <a:ext uri="{C183D7F6-B498-43B3-948B-1728B52AA6E4}">
+                <adec:decorative xmlns:adec="http://schemas.microsoft.com/office/drawing/2017/decorative" val="1"/>
+              </a:ext>
+            </a:extLst>
+          </p:cNvPr>
+          <p:cNvGrpSpPr>
+            <a:grpSpLocks noGrp="1" noUngrp="1" noRot="1" noChangeAspect="1" noMove="1" noResize="1"/>
+          </p:cNvGrpSpPr>
+          <p:nvPr>
+            <p:extLst>
+              <p:ext uri="{386F3935-93C4-4BCD-93E2-E3B085C9AB24}">
+                <p16:designElem xmlns:p16="http://schemas.microsoft.com/office/powerpoint/2015/main" val="1"/>
+              </p:ext>
+            </p:extLst>
+          </p:nvPr>
+        </p:nvGrpSpPr>
+        <p:grpSpPr>
+          <a:xfrm>
+            <a:off x="0" y="-8467"/>
+            <a:ext cx="12192000" cy="6866467"/>
+            <a:chOff x="0" y="-8467"/>
+            <a:chExt cx="12192000" cy="6866467"/>
+          </a:xfrm>
+        </p:grpSpPr>
+        <p:cxnSp>
+          <p:nvCxnSpPr>
+            <p:cNvPr id="17" name="Straight Connector 16">
+              <a:extLst>
+                <a:ext uri="{FF2B5EF4-FFF2-40B4-BE49-F238E27FC236}">
+                  <a16:creationId xmlns:a16="http://schemas.microsoft.com/office/drawing/2014/main" id="{2813DF2C-461A-4A8F-9679-A172790D1F3A}"/>
+                </a:ext>
+                <a:ext uri="{C183D7F6-B498-43B3-948B-1728B52AA6E4}">
+                  <adec:decorative xmlns:adec="http://schemas.microsoft.com/office/drawing/2017/decorative" val="1"/>
+                </a:ext>
+              </a:extLst>
+            </p:cNvPr>
+            <p:cNvCxnSpPr/>
+            <p:nvPr>
+              <p:extLst>
+                <p:ext uri="{386F3935-93C4-4BCD-93E2-E3B085C9AB24}">
+                  <p16:designElem xmlns:p16="http://schemas.microsoft.com/office/powerpoint/2015/main" val="1"/>
+                </p:ext>
+              </p:extLst>
+            </p:nvPr>
+          </p:nvCxnSpPr>
+          <p:spPr>
+            <a:xfrm>
+              <a:off x="9371012" y="0"/>
+              <a:ext cx="1219200" cy="6858000"/>
+            </a:xfrm>
+            <a:prstGeom prst="line">
+              <a:avLst/>
+            </a:prstGeom>
+            <a:ln w="9525">
+              <a:solidFill>
+                <a:schemeClr val="bg1">
+                  <a:lumMod val="75000"/>
+                </a:schemeClr>
+              </a:solidFill>
+            </a:ln>
+          </p:spPr>
+          <p:style>
+            <a:lnRef idx="2">
+              <a:schemeClr val="accent1"/>
+            </a:lnRef>
+            <a:fillRef idx="0">
+              <a:schemeClr val="accent1"/>
+            </a:fillRef>
+            <a:effectRef idx="1">
+              <a:schemeClr val="accent1"/>
+            </a:effectRef>
+            <a:fontRef idx="minor">
+              <a:schemeClr val="tx1"/>
+            </a:fontRef>
+          </p:style>
+        </p:cxnSp>
+        <p:cxnSp>
+          <p:nvCxnSpPr>
+            <p:cNvPr id="18" name="Straight Connector 17">
+              <a:extLst>
+                <a:ext uri="{FF2B5EF4-FFF2-40B4-BE49-F238E27FC236}">
+                  <a16:creationId xmlns:a16="http://schemas.microsoft.com/office/drawing/2014/main" id="{54CD3A85-C039-4249-86E4-1EB9318B5495}"/>
+                </a:ext>
+                <a:ext uri="{C183D7F6-B498-43B3-948B-1728B52AA6E4}">
+                  <adec:decorative xmlns:adec="http://schemas.microsoft.com/office/drawing/2017/decorative" val="1"/>
+                </a:ext>
+              </a:extLst>
+            </p:cNvPr>
+            <p:cNvCxnSpPr/>
+            <p:nvPr>
+              <p:extLst>
+                <p:ext uri="{386F3935-93C4-4BCD-93E2-E3B085C9AB24}">
+                  <p16:designElem xmlns:p16="http://schemas.microsoft.com/office/powerpoint/2015/main" val="1"/>
+                </p:ext>
+              </p:extLst>
+            </p:nvPr>
+          </p:nvCxnSpPr>
+          <p:spPr>
+            <a:xfrm flipH="1">
+              <a:off x="7425267" y="3681413"/>
+              <a:ext cx="4763558" cy="3176587"/>
+            </a:xfrm>
+            <a:prstGeom prst="line">
+              <a:avLst/>
+            </a:prstGeom>
+            <a:ln w="9525">
+              <a:solidFill>
+                <a:schemeClr val="bg1">
+                  <a:lumMod val="85000"/>
+                </a:schemeClr>
+              </a:solidFill>
+            </a:ln>
+          </p:spPr>
+          <p:style>
+            <a:lnRef idx="2">
+              <a:schemeClr val="accent1"/>
+            </a:lnRef>
+            <a:fillRef idx="0">
+              <a:schemeClr val="accent1"/>
+            </a:fillRef>
+            <a:effectRef idx="1">
+              <a:schemeClr val="accent1"/>
+            </a:effectRef>
+            <a:fontRef idx="minor">
+              <a:schemeClr val="tx1"/>
+            </a:fontRef>
+          </p:style>
+        </p:cxnSp>
+        <p:sp>
+          <p:nvSpPr>
+            <p:cNvPr id="19" name="Rectangle 23">
+              <a:extLst>
+                <a:ext uri="{FF2B5EF4-FFF2-40B4-BE49-F238E27FC236}">
+                  <a16:creationId xmlns:a16="http://schemas.microsoft.com/office/drawing/2014/main" id="{887EA6D2-2883-42C2-993D-094CA6D65DA3}"/>
+                </a:ext>
+                <a:ext uri="{C183D7F6-B498-43B3-948B-1728B52AA6E4}">
+                  <adec:decorative xmlns:adec="http://schemas.microsoft.com/office/drawing/2017/decorative" val="1"/>
+                </a:ext>
+              </a:extLst>
+            </p:cNvPr>
+            <p:cNvSpPr/>
+            <p:nvPr>
+              <p:extLst>
+                <p:ext uri="{386F3935-93C4-4BCD-93E2-E3B085C9AB24}">
+                  <p16:designElem xmlns:p16="http://schemas.microsoft.com/office/powerpoint/2015/main" val="1"/>
+                </p:ext>
+              </p:extLst>
+            </p:nvPr>
+          </p:nvSpPr>
+          <p:spPr>
+            <a:xfrm>
+              <a:off x="9181476" y="-8467"/>
+              <a:ext cx="3007349" cy="6866467"/>
+            </a:xfrm>
+            <a:custGeom>
+              <a:avLst/>
+              <a:gdLst/>
+              <a:ahLst/>
+              <a:cxnLst/>
+              <a:rect l="l" t="t" r="r" b="b"/>
+              <a:pathLst>
+                <a:path w="3007349" h="6866467">
+                  <a:moveTo>
+                    <a:pt x="2045532" y="0"/>
+                  </a:moveTo>
+                  <a:lnTo>
+                    <a:pt x="3007349" y="0"/>
+                  </a:lnTo>
+                  <a:lnTo>
+                    <a:pt x="3007349" y="6866467"/>
+                  </a:lnTo>
+                  <a:lnTo>
+                    <a:pt x="0" y="6866467"/>
+                  </a:lnTo>
+                  <a:lnTo>
+                    <a:pt x="2045532" y="0"/>
+                  </a:lnTo>
+                  <a:close/>
+                </a:path>
+              </a:pathLst>
+            </a:custGeom>
+            <a:solidFill>
+              <a:schemeClr val="accent1">
+                <a:alpha val="30000"/>
+              </a:schemeClr>
+            </a:solidFill>
+            <a:ln>
+              <a:noFill/>
+            </a:ln>
+            <a:effectLst/>
+          </p:spPr>
+          <p:style>
+            <a:lnRef idx="1">
+              <a:schemeClr val="accent1"/>
+            </a:lnRef>
+            <a:fillRef idx="3">
+              <a:schemeClr val="accent1"/>
+            </a:fillRef>
+            <a:effectRef idx="2">
+              <a:schemeClr val="accent1"/>
+            </a:effectRef>
+            <a:fontRef idx="minor">
+              <a:schemeClr val="lt1"/>
+            </a:fontRef>
+          </p:style>
+        </p:sp>
+        <p:sp>
+          <p:nvSpPr>
+            <p:cNvPr id="20" name="Rectangle 25">
+              <a:extLst>
+                <a:ext uri="{FF2B5EF4-FFF2-40B4-BE49-F238E27FC236}">
+                  <a16:creationId xmlns:a16="http://schemas.microsoft.com/office/drawing/2014/main" id="{3B895046-636F-4D1B-ACA4-29AA0CB3329F}"/>
+                </a:ext>
+                <a:ext uri="{C183D7F6-B498-43B3-948B-1728B52AA6E4}">
+                  <adec:decorative xmlns:adec="http://schemas.microsoft.com/office/drawing/2017/decorative" val="1"/>
+                </a:ext>
+              </a:extLst>
+            </p:cNvPr>
+            <p:cNvSpPr/>
+            <p:nvPr>
+              <p:extLst>
+                <p:ext uri="{386F3935-93C4-4BCD-93E2-E3B085C9AB24}">
+                  <p16:designElem xmlns:p16="http://schemas.microsoft.com/office/powerpoint/2015/main" val="1"/>
+                </p:ext>
+              </p:extLst>
+            </p:nvPr>
+          </p:nvSpPr>
+          <p:spPr>
+            <a:xfrm>
+              <a:off x="9603442" y="-8467"/>
+              <a:ext cx="2588558" cy="6866467"/>
+            </a:xfrm>
+            <a:custGeom>
+              <a:avLst/>
+              <a:gdLst/>
+              <a:ahLst/>
+              <a:cxnLst/>
+              <a:rect l="l" t="t" r="r" b="b"/>
+              <a:pathLst>
+                <a:path w="2573311" h="6866467">
+                  <a:moveTo>
+                    <a:pt x="0" y="0"/>
+                  </a:moveTo>
+                  <a:lnTo>
+                    <a:pt x="2573311" y="0"/>
+                  </a:lnTo>
+                  <a:lnTo>
+                    <a:pt x="2573311" y="6866467"/>
+                  </a:lnTo>
+                  <a:lnTo>
+                    <a:pt x="1202336" y="6866467"/>
+                  </a:lnTo>
+                  <a:lnTo>
+                    <a:pt x="0" y="0"/>
+                  </a:lnTo>
+                  <a:close/>
+                </a:path>
+              </a:pathLst>
+            </a:custGeom>
+            <a:solidFill>
+              <a:schemeClr val="accent1">
+                <a:alpha val="20000"/>
+              </a:schemeClr>
+            </a:solidFill>
+            <a:ln>
+              <a:noFill/>
+            </a:ln>
+            <a:effectLst/>
+          </p:spPr>
+          <p:style>
+            <a:lnRef idx="1">
+              <a:schemeClr val="accent1"/>
+            </a:lnRef>
+            <a:fillRef idx="3">
+              <a:schemeClr val="accent1"/>
+            </a:fillRef>
+            <a:effectRef idx="2">
+              <a:schemeClr val="accent1"/>
+            </a:effectRef>
+            <a:fontRef idx="minor">
+              <a:schemeClr val="lt1"/>
+            </a:fontRef>
+          </p:style>
+        </p:sp>
+        <p:sp>
+          <p:nvSpPr>
+            <p:cNvPr id="21" name="Isosceles Triangle 20">
+              <a:extLst>
+                <a:ext uri="{FF2B5EF4-FFF2-40B4-BE49-F238E27FC236}">
+                  <a16:creationId xmlns:a16="http://schemas.microsoft.com/office/drawing/2014/main" id="{C6B0CDE3-E054-4EDD-A43B-F96843D8BF51}"/>
+                </a:ext>
+                <a:ext uri="{C183D7F6-B498-43B3-948B-1728B52AA6E4}">
+                  <adec:decorative xmlns:adec="http://schemas.microsoft.com/office/drawing/2017/decorative" val="1"/>
+                </a:ext>
+              </a:extLst>
+            </p:cNvPr>
+            <p:cNvSpPr/>
+            <p:nvPr>
+              <p:extLst>
+                <p:ext uri="{386F3935-93C4-4BCD-93E2-E3B085C9AB24}">
+                  <p16:designElem xmlns:p16="http://schemas.microsoft.com/office/powerpoint/2015/main" val="1"/>
+                </p:ext>
+              </p:extLst>
+            </p:nvPr>
+          </p:nvSpPr>
+          <p:spPr>
+            <a:xfrm>
+              <a:off x="8932333" y="3048000"/>
+              <a:ext cx="3259667" cy="3810000"/>
+            </a:xfrm>
+            <a:prstGeom prst="triangle">
+              <a:avLst>
+                <a:gd name="adj" fmla="val 100000"/>
+              </a:avLst>
+            </a:prstGeom>
+            <a:solidFill>
+              <a:schemeClr val="accent2">
+                <a:alpha val="72000"/>
+              </a:schemeClr>
+            </a:solidFill>
+            <a:ln>
+              <a:noFill/>
+            </a:ln>
+            <a:effectLst/>
+          </p:spPr>
+          <p:style>
+            <a:lnRef idx="1">
+              <a:schemeClr val="accent1"/>
+            </a:lnRef>
+            <a:fillRef idx="3">
+              <a:schemeClr val="accent1"/>
+            </a:fillRef>
+            <a:effectRef idx="2">
+              <a:schemeClr val="accent1"/>
+            </a:effectRef>
+            <a:fontRef idx="minor">
+              <a:schemeClr val="lt1"/>
+            </a:fontRef>
+          </p:style>
+        </p:sp>
+        <p:sp>
+          <p:nvSpPr>
+            <p:cNvPr id="22" name="Rectangle 27">
+              <a:extLst>
+                <a:ext uri="{FF2B5EF4-FFF2-40B4-BE49-F238E27FC236}">
+                  <a16:creationId xmlns:a16="http://schemas.microsoft.com/office/drawing/2014/main" id="{3B66B1A2-F145-4C9B-85CC-4BF30D58CBC5}"/>
+                </a:ext>
+                <a:ext uri="{C183D7F6-B498-43B3-948B-1728B52AA6E4}">
+                  <adec:decorative xmlns:adec="http://schemas.microsoft.com/office/drawing/2017/decorative" val="1"/>
+                </a:ext>
+              </a:extLst>
+            </p:cNvPr>
+            <p:cNvSpPr/>
+            <p:nvPr>
+              <p:extLst>
+                <p:ext uri="{386F3935-93C4-4BCD-93E2-E3B085C9AB24}">
+                  <p16:designElem xmlns:p16="http://schemas.microsoft.com/office/powerpoint/2015/main" val="1"/>
+                </p:ext>
+              </p:extLst>
+            </p:nvPr>
+          </p:nvSpPr>
+          <p:spPr>
+            <a:xfrm>
+              <a:off x="9334500" y="-8467"/>
+              <a:ext cx="2854326" cy="6866467"/>
+            </a:xfrm>
+            <a:custGeom>
+              <a:avLst/>
+              <a:gdLst/>
+              <a:ahLst/>
+              <a:cxnLst/>
+              <a:rect l="l" t="t" r="r" b="b"/>
+              <a:pathLst>
+                <a:path w="2858013" h="6866467">
+                  <a:moveTo>
+                    <a:pt x="0" y="0"/>
+                  </a:moveTo>
+                  <a:lnTo>
+                    <a:pt x="2858013" y="0"/>
+                  </a:lnTo>
+                  <a:lnTo>
+                    <a:pt x="2858013" y="6866467"/>
+                  </a:lnTo>
+                  <a:lnTo>
+                    <a:pt x="2473942" y="6866467"/>
+                  </a:lnTo>
+                  <a:lnTo>
+                    <a:pt x="0" y="0"/>
+                  </a:lnTo>
+                  <a:close/>
+                </a:path>
+              </a:pathLst>
+            </a:custGeom>
+            <a:solidFill>
+              <a:schemeClr val="accent2">
+                <a:lumMod val="75000"/>
+                <a:alpha val="70000"/>
+              </a:schemeClr>
+            </a:solidFill>
+            <a:ln>
+              <a:noFill/>
+            </a:ln>
+            <a:effectLst/>
+          </p:spPr>
+          <p:style>
+            <a:lnRef idx="1">
+              <a:schemeClr val="accent1"/>
+            </a:lnRef>
+            <a:fillRef idx="3">
+              <a:schemeClr val="accent1"/>
+            </a:fillRef>
+            <a:effectRef idx="2">
+              <a:schemeClr val="accent1"/>
+            </a:effectRef>
+            <a:fontRef idx="minor">
+              <a:schemeClr val="lt1"/>
+            </a:fontRef>
+          </p:style>
+        </p:sp>
+        <p:sp>
+          <p:nvSpPr>
+            <p:cNvPr id="23" name="Rectangle 28">
+              <a:extLst>
+                <a:ext uri="{FF2B5EF4-FFF2-40B4-BE49-F238E27FC236}">
+                  <a16:creationId xmlns:a16="http://schemas.microsoft.com/office/drawing/2014/main" id="{5D4FC972-94B3-4035-8D31-E668C132B411}"/>
+                </a:ext>
+                <a:ext uri="{C183D7F6-B498-43B3-948B-1728B52AA6E4}">
+                  <adec:decorative xmlns:adec="http://schemas.microsoft.com/office/drawing/2017/decorative" val="1"/>
+                </a:ext>
+              </a:extLst>
+            </p:cNvPr>
+            <p:cNvSpPr/>
+            <p:nvPr>
+              <p:extLst>
+                <p:ext uri="{386F3935-93C4-4BCD-93E2-E3B085C9AB24}">
+                  <p16:designElem xmlns:p16="http://schemas.microsoft.com/office/powerpoint/2015/main" val="1"/>
+                </p:ext>
+              </p:extLst>
+            </p:nvPr>
+          </p:nvSpPr>
+          <p:spPr>
+            <a:xfrm>
+              <a:off x="10898730" y="-8467"/>
+              <a:ext cx="1290094" cy="6866467"/>
+            </a:xfrm>
+            <a:custGeom>
+              <a:avLst/>
+              <a:gdLst/>
+              <a:ahLst/>
+              <a:cxnLst/>
+              <a:rect l="l" t="t" r="r" b="b"/>
+              <a:pathLst>
+                <a:path w="1290094" h="6858000">
+                  <a:moveTo>
+                    <a:pt x="1019735" y="0"/>
+                  </a:moveTo>
+                  <a:lnTo>
+                    <a:pt x="1290094" y="0"/>
+                  </a:lnTo>
+                  <a:lnTo>
+                    <a:pt x="1290094" y="6858000"/>
+                  </a:lnTo>
+                  <a:lnTo>
+                    <a:pt x="0" y="6858000"/>
+                  </a:lnTo>
+                  <a:lnTo>
+                    <a:pt x="1019735" y="0"/>
+                  </a:lnTo>
+                  <a:close/>
+                </a:path>
+              </a:pathLst>
+            </a:custGeom>
+            <a:solidFill>
+              <a:schemeClr val="accent1">
+                <a:lumMod val="60000"/>
+                <a:lumOff val="40000"/>
+                <a:alpha val="70000"/>
+              </a:schemeClr>
+            </a:solidFill>
+            <a:ln>
+              <a:noFill/>
+            </a:ln>
+            <a:effectLst/>
+          </p:spPr>
+          <p:style>
+            <a:lnRef idx="1">
+              <a:schemeClr val="accent1"/>
+            </a:lnRef>
+            <a:fillRef idx="3">
+              <a:schemeClr val="accent1"/>
+            </a:fillRef>
+            <a:effectRef idx="2">
+              <a:schemeClr val="accent1"/>
+            </a:effectRef>
+            <a:fontRef idx="minor">
+              <a:schemeClr val="lt1"/>
+            </a:fontRef>
+          </p:style>
+        </p:sp>
+        <p:sp>
+          <p:nvSpPr>
+            <p:cNvPr id="24" name="Rectangle 29">
+              <a:extLst>
+                <a:ext uri="{FF2B5EF4-FFF2-40B4-BE49-F238E27FC236}">
+                  <a16:creationId xmlns:a16="http://schemas.microsoft.com/office/drawing/2014/main" id="{374B9941-AFBE-4A77-A50E-B6EA04A746AE}"/>
+                </a:ext>
+                <a:ext uri="{C183D7F6-B498-43B3-948B-1728B52AA6E4}">
+                  <adec:decorative xmlns:adec="http://schemas.microsoft.com/office/drawing/2017/decorative" val="1"/>
+                </a:ext>
+              </a:extLst>
+            </p:cNvPr>
+            <p:cNvSpPr/>
+            <p:nvPr>
+              <p:extLst>
+                <p:ext uri="{386F3935-93C4-4BCD-93E2-E3B085C9AB24}">
+                  <p16:designElem xmlns:p16="http://schemas.microsoft.com/office/powerpoint/2015/main" val="1"/>
+                </p:ext>
+              </p:extLst>
+            </p:nvPr>
+          </p:nvSpPr>
+          <p:spPr>
+            <a:xfrm>
+              <a:off x="10938999" y="-8467"/>
+              <a:ext cx="1249825" cy="6866467"/>
+            </a:xfrm>
+            <a:custGeom>
+              <a:avLst/>
+              <a:gdLst/>
+              <a:ahLst/>
+              <a:cxnLst/>
+              <a:rect l="l" t="t" r="r" b="b"/>
+              <a:pathLst>
+                <a:path w="1249825" h="6858000">
+                  <a:moveTo>
+                    <a:pt x="0" y="0"/>
+                  </a:moveTo>
+                  <a:lnTo>
+                    <a:pt x="1249825" y="0"/>
+                  </a:lnTo>
+                  <a:lnTo>
+                    <a:pt x="1249825" y="6858000"/>
+                  </a:lnTo>
+                  <a:lnTo>
+                    <a:pt x="1109382" y="6858000"/>
+                  </a:lnTo>
+                  <a:lnTo>
+                    <a:pt x="0" y="0"/>
+                  </a:lnTo>
+                  <a:close/>
+                </a:path>
+              </a:pathLst>
+            </a:custGeom>
+            <a:solidFill>
+              <a:schemeClr val="accent1">
+                <a:alpha val="65000"/>
+              </a:schemeClr>
+            </a:solidFill>
+            <a:ln>
+              <a:noFill/>
+            </a:ln>
+            <a:effectLst/>
+          </p:spPr>
+          <p:style>
+            <a:lnRef idx="1">
+              <a:schemeClr val="accent1"/>
+            </a:lnRef>
+            <a:fillRef idx="3">
+              <a:schemeClr val="accent1"/>
+            </a:fillRef>
+            <a:effectRef idx="2">
+              <a:schemeClr val="accent1"/>
+            </a:effectRef>
+            <a:fontRef idx="minor">
+              <a:schemeClr val="lt1"/>
+            </a:fontRef>
+          </p:style>
+        </p:sp>
+        <p:sp>
+          <p:nvSpPr>
+            <p:cNvPr id="25" name="Isosceles Triangle 24">
+              <a:extLst>
+                <a:ext uri="{FF2B5EF4-FFF2-40B4-BE49-F238E27FC236}">
+                  <a16:creationId xmlns:a16="http://schemas.microsoft.com/office/drawing/2014/main" id="{27A982C5-2C38-4CE9-BC18-94697AD657FB}"/>
+                </a:ext>
+                <a:ext uri="{C183D7F6-B498-43B3-948B-1728B52AA6E4}">
+                  <adec:decorative xmlns:adec="http://schemas.microsoft.com/office/drawing/2017/decorative" val="1"/>
+                </a:ext>
+              </a:extLst>
+            </p:cNvPr>
+            <p:cNvSpPr/>
+            <p:nvPr>
+              <p:extLst>
+                <p:ext uri="{386F3935-93C4-4BCD-93E2-E3B085C9AB24}">
+                  <p16:designElem xmlns:p16="http://schemas.microsoft.com/office/powerpoint/2015/main" val="1"/>
+                </p:ext>
+              </p:extLst>
+            </p:nvPr>
+          </p:nvSpPr>
+          <p:spPr>
+            <a:xfrm>
+              <a:off x="10371666" y="3589867"/>
+              <a:ext cx="1817159" cy="3268133"/>
+            </a:xfrm>
+            <a:prstGeom prst="triangle">
+              <a:avLst>
+                <a:gd name="adj" fmla="val 100000"/>
+              </a:avLst>
+            </a:prstGeom>
+            <a:solidFill>
+              <a:schemeClr val="accent1">
+                <a:alpha val="80000"/>
+              </a:schemeClr>
+            </a:solidFill>
+            <a:ln>
+              <a:noFill/>
+            </a:ln>
+            <a:effectLst/>
+          </p:spPr>
+          <p:style>
+            <a:lnRef idx="1">
+              <a:schemeClr val="accent1"/>
+            </a:lnRef>
+            <a:fillRef idx="3">
+              <a:schemeClr val="accent1"/>
+            </a:fillRef>
+            <a:effectRef idx="2">
+              <a:schemeClr val="accent1"/>
+            </a:effectRef>
+            <a:fontRef idx="minor">
+              <a:schemeClr val="lt1"/>
+            </a:fontRef>
+          </p:style>
+        </p:sp>
+        <p:sp>
+          <p:nvSpPr>
+            <p:cNvPr id="26" name="Isosceles Triangle 25">
+              <a:extLst>
+                <a:ext uri="{FF2B5EF4-FFF2-40B4-BE49-F238E27FC236}">
+                  <a16:creationId xmlns:a16="http://schemas.microsoft.com/office/drawing/2014/main" id="{0060D8D1-7BB1-498F-AFBB-ADAC130A9E90}"/>
+                </a:ext>
+                <a:ext uri="{C183D7F6-B498-43B3-948B-1728B52AA6E4}">
+                  <adec:decorative xmlns:adec="http://schemas.microsoft.com/office/drawing/2017/decorative" val="1"/>
+                </a:ext>
+              </a:extLst>
+            </p:cNvPr>
+            <p:cNvSpPr/>
+            <p:nvPr>
+              <p:extLst>
+                <p:ext uri="{386F3935-93C4-4BCD-93E2-E3B085C9AB24}">
+                  <p16:designElem xmlns:p16="http://schemas.microsoft.com/office/powerpoint/2015/main" val="1"/>
+                </p:ext>
+              </p:extLst>
+            </p:nvPr>
+          </p:nvSpPr>
+          <p:spPr>
+            <a:xfrm rot="10800000">
+              <a:off x="0" y="0"/>
+              <a:ext cx="842596" cy="5666154"/>
+            </a:xfrm>
+            <a:prstGeom prst="triangle">
+              <a:avLst>
+                <a:gd name="adj" fmla="val 100000"/>
+              </a:avLst>
+            </a:prstGeom>
+            <a:solidFill>
+              <a:schemeClr val="accent1">
+                <a:alpha val="85000"/>
+              </a:schemeClr>
+            </a:solidFill>
+            <a:ln>
+              <a:noFill/>
+            </a:ln>
+            <a:effectLst/>
+          </p:spPr>
+          <p:style>
+            <a:lnRef idx="1">
+              <a:schemeClr val="accent1"/>
+            </a:lnRef>
+            <a:fillRef idx="3">
+              <a:schemeClr val="accent1"/>
+            </a:fillRef>
+            <a:effectRef idx="2">
+              <a:schemeClr val="accent1"/>
+            </a:effectRef>
+            <a:fontRef idx="minor">
+              <a:schemeClr val="lt1"/>
+            </a:fontRef>
+          </p:style>
+        </p:sp>
+      </p:grpSp>
+      <p:sp>
+        <p:nvSpPr>
+          <p:cNvPr id="6" name="Title 5">
+            <a:extLst>
+              <a:ext uri="{FF2B5EF4-FFF2-40B4-BE49-F238E27FC236}">
+                <a16:creationId xmlns:a16="http://schemas.microsoft.com/office/drawing/2014/main" id="{A2A3E831-EEDF-4C0D-8DDF-15F914822AE6}"/>
+              </a:ext>
+            </a:extLst>
+          </p:cNvPr>
+          <p:cNvSpPr>
+            <a:spLocks noGrp="1"/>
+          </p:cNvSpPr>
+          <p:nvPr>
+            <p:ph type="title"/>
+          </p:nvPr>
+        </p:nvSpPr>
+        <p:spPr>
+          <a:xfrm>
+            <a:off x="4974337" y="1265314"/>
+            <a:ext cx="4299666" cy="3249131"/>
+          </a:xfrm>
+        </p:spPr>
+        <p:txBody>
+          <a:bodyPr vert="horz" lIns="91440" tIns="45720" rIns="91440" bIns="45720" rtlCol="0" anchor="b">
+            <a:normAutofit/>
+          </a:bodyPr>
+          <a:lstStyle/>
+          <a:p>
+            <a:r>
+              <a:rPr lang="en-US" sz="5400" kern="1200" dirty="0">
+                <a:solidFill>
+                  <a:schemeClr val="accent1"/>
+                </a:solidFill>
+                <a:latin typeface="+mj-lt"/>
+                <a:ea typeface="+mj-ea"/>
+                <a:cs typeface="+mj-cs"/>
+              </a:rPr>
+              <a:t>Mediciones</a:t>
+            </a:r>
+          </a:p>
+        </p:txBody>
+      </p:sp>
+      <p:sp>
+        <p:nvSpPr>
+          <p:cNvPr id="7" name="Text Placeholder 6">
+            <a:extLst>
+              <a:ext uri="{FF2B5EF4-FFF2-40B4-BE49-F238E27FC236}">
+                <a16:creationId xmlns:a16="http://schemas.microsoft.com/office/drawing/2014/main" id="{06229C16-B398-4B36-B7F1-E535402421A2}"/>
+              </a:ext>
+            </a:extLst>
+          </p:cNvPr>
+          <p:cNvSpPr>
+            <a:spLocks noGrp="1"/>
+          </p:cNvSpPr>
+          <p:nvPr>
+            <p:ph type="body" idx="1"/>
+          </p:nvPr>
+        </p:nvSpPr>
+        <p:spPr>
+          <a:xfrm>
+            <a:off x="4974336" y="4514446"/>
+            <a:ext cx="4299666" cy="871042"/>
+          </a:xfrm>
+        </p:spPr>
+        <p:txBody>
+          <a:bodyPr vert="horz" lIns="91440" tIns="45720" rIns="91440" bIns="45720" rtlCol="0" anchor="t">
+            <a:normAutofit/>
+          </a:bodyPr>
+          <a:lstStyle/>
+          <a:p>
+            <a:r>
+              <a:rPr lang="en-US" sz="1800"/>
+              <a:t>Tiempo de interrupciones</a:t>
+            </a:r>
+            <a:endParaRPr lang="en-US" sz="1800" dirty="0"/>
+          </a:p>
+        </p:txBody>
+      </p:sp>
+      <p:sp>
+        <p:nvSpPr>
+          <p:cNvPr id="28" name="Isosceles Triangle 27">
+            <a:extLst>
+              <a:ext uri="{FF2B5EF4-FFF2-40B4-BE49-F238E27FC236}">
+                <a16:creationId xmlns:a16="http://schemas.microsoft.com/office/drawing/2014/main" id="{5A7802B6-FF37-40CF-A7E2-6F2A0D9A91EF}"/>
+              </a:ext>
+              <a:ext uri="{C183D7F6-B498-43B3-948B-1728B52AA6E4}">
+                <adec:decorative xmlns:adec="http://schemas.microsoft.com/office/drawing/2017/decorative" val="1"/>
+              </a:ext>
+            </a:extLst>
+          </p:cNvPr>
+          <p:cNvSpPr>
+            <a:spLocks noGrp="1" noRot="1" noChangeAspect="1" noMove="1" noResize="1" noEditPoints="1" noAdjustHandles="1" noChangeArrowheads="1" noChangeShapeType="1" noTextEdit="1"/>
+          </p:cNvSpPr>
+          <p:nvPr>
+            <p:extLst>
+              <p:ext uri="{386F3935-93C4-4BCD-93E2-E3B085C9AB24}">
+                <p16:designElem xmlns:p16="http://schemas.microsoft.com/office/powerpoint/2015/main" val="1"/>
+              </p:ext>
+            </p:extLst>
+          </p:nvPr>
+        </p:nvSpPr>
+        <p:spPr>
+          <a:xfrm rot="10800000">
+            <a:off x="3174" y="12700"/>
+            <a:ext cx="842596" cy="5666154"/>
+          </a:xfrm>
+          <a:prstGeom prst="triangle">
+            <a:avLst>
+              <a:gd name="adj" fmla="val 100000"/>
+            </a:avLst>
+          </a:prstGeom>
+          <a:solidFill>
+            <a:schemeClr val="accent1">
+              <a:alpha val="85000"/>
+            </a:schemeClr>
+          </a:solidFill>
+          <a:ln>
+            <a:noFill/>
+          </a:ln>
+          <a:effectLst/>
+        </p:spPr>
+        <p:style>
+          <a:lnRef idx="1">
+            <a:schemeClr val="accent1"/>
+          </a:lnRef>
+          <a:fillRef idx="3">
+            <a:schemeClr val="accent1"/>
+          </a:fillRef>
+          <a:effectRef idx="2">
+            <a:schemeClr val="accent1"/>
+          </a:effectRef>
+          <a:fontRef idx="minor">
+            <a:schemeClr val="lt1"/>
+          </a:fontRef>
+        </p:style>
+      </p:sp>
+      <p:pic>
+        <p:nvPicPr>
+          <p:cNvPr id="11" name="Gráfico 104" descr="Stopwatch">
+            <a:extLst>
+              <a:ext uri="{FF2B5EF4-FFF2-40B4-BE49-F238E27FC236}">
+                <a16:creationId xmlns:a16="http://schemas.microsoft.com/office/drawing/2014/main" id="{50AF35E9-ACFB-4CB0-B30F-1E1604EE1A58}"/>
+              </a:ext>
+            </a:extLst>
+          </p:cNvPr>
+          <p:cNvPicPr>
+            <a:picLocks noChangeAspect="1"/>
+          </p:cNvPicPr>
+          <p:nvPr/>
+        </p:nvPicPr>
+        <p:blipFill>
+          <a:blip r:embed="rId2">
+            <a:extLst>
+              <a:ext uri="{28A0092B-C50C-407E-A947-70E740481C1C}">
+                <a14:useLocalDpi xmlns:a14="http://schemas.microsoft.com/office/drawing/2010/main" val="0"/>
+              </a:ext>
+              <a:ext uri="{96DAC541-7B7A-43D3-8B79-37D633B846F1}">
+                <asvg:svgBlip xmlns:asvg="http://schemas.microsoft.com/office/drawing/2016/SVG/main" r:embed="rId3"/>
+              </a:ext>
+            </a:extLst>
+          </a:blip>
+          <a:stretch>
+            <a:fillRect/>
+          </a:stretch>
+        </p:blipFill>
+        <p:spPr>
+          <a:xfrm>
+            <a:off x="888604" y="1550139"/>
+            <a:ext cx="3765692" cy="3765692"/>
+          </a:xfrm>
+          <a:prstGeom prst="rect">
+            <a:avLst/>
+          </a:prstGeom>
+        </p:spPr>
+      </p:pic>
+      <p:sp>
+        <p:nvSpPr>
+          <p:cNvPr id="4" name="Footer Placeholder 3">
+            <a:extLst>
+              <a:ext uri="{FF2B5EF4-FFF2-40B4-BE49-F238E27FC236}">
+                <a16:creationId xmlns:a16="http://schemas.microsoft.com/office/drawing/2014/main" id="{403C45C4-0F5D-4F7E-B702-041F8D03D3AC}"/>
+              </a:ext>
+            </a:extLst>
+          </p:cNvPr>
+          <p:cNvSpPr>
+            <a:spLocks noGrp="1"/>
+          </p:cNvSpPr>
+          <p:nvPr>
+            <p:ph type="ftr" sz="quarter" idx="11"/>
+          </p:nvPr>
+        </p:nvSpPr>
+        <p:spPr>
+          <a:xfrm>
+            <a:off x="677334" y="6041362"/>
+            <a:ext cx="6297612" cy="365125"/>
+          </a:xfrm>
+        </p:spPr>
+        <p:txBody>
+          <a:bodyPr vert="horz" lIns="91440" tIns="45720" rIns="91440" bIns="45720" rtlCol="0" anchor="ctr">
+            <a:normAutofit/>
+          </a:bodyPr>
+          <a:lstStyle/>
+          <a:p>
+            <a:pPr defTabSz="914400">
+              <a:spcAft>
+                <a:spcPts val="600"/>
+              </a:spcAft>
+            </a:pPr>
+            <a:r>
+              <a:rPr lang="en-US" kern="1200">
+                <a:solidFill>
+                  <a:schemeClr val="tx1">
+                    <a:tint val="75000"/>
+                  </a:schemeClr>
+                </a:solidFill>
+                <a:latin typeface="+mn-lt"/>
+                <a:ea typeface="+mn-ea"/>
+                <a:cs typeface="+mn-cs"/>
+              </a:rPr>
+              <a:t>Laboratorio de microprocesadores </a:t>
+            </a:r>
+            <a:r>
+              <a:rPr lang="en-US" kern="1200" dirty="0">
+                <a:solidFill>
+                  <a:schemeClr val="tx1">
+                    <a:tint val="75000"/>
+                  </a:schemeClr>
+                </a:solidFill>
+                <a:latin typeface="+mn-lt"/>
+                <a:ea typeface="+mn-ea"/>
+                <a:cs typeface="+mn-cs"/>
+              </a:rPr>
+              <a:t>– TP2 - Grupo 1</a:t>
+            </a:r>
+          </a:p>
+        </p:txBody>
+      </p:sp>
+      <p:sp>
+        <p:nvSpPr>
+          <p:cNvPr id="5" name="Slide Number Placeholder 4">
+            <a:extLst>
+              <a:ext uri="{FF2B5EF4-FFF2-40B4-BE49-F238E27FC236}">
+                <a16:creationId xmlns:a16="http://schemas.microsoft.com/office/drawing/2014/main" id="{A14EDFBB-4EB5-4A2A-9BE3-578A92F33A4D}"/>
+              </a:ext>
+            </a:extLst>
+          </p:cNvPr>
+          <p:cNvSpPr>
+            <a:spLocks noGrp="1"/>
+          </p:cNvSpPr>
+          <p:nvPr>
+            <p:ph type="sldNum" sz="quarter" idx="12"/>
+          </p:nvPr>
+        </p:nvSpPr>
+        <p:spPr>
+          <a:xfrm>
+            <a:off x="8590663" y="6041362"/>
+            <a:ext cx="683339" cy="365125"/>
+          </a:xfrm>
+        </p:spPr>
+        <p:txBody>
+          <a:bodyPr vert="horz" lIns="91440" tIns="45720" rIns="91440" bIns="45720" rtlCol="0" anchor="ctr">
+            <a:normAutofit/>
+          </a:bodyPr>
+          <a:lstStyle/>
+          <a:p>
+            <a:pPr defTabSz="914400">
+              <a:spcAft>
+                <a:spcPts val="600"/>
+              </a:spcAft>
+            </a:pPr>
+            <a:fld id="{C56C165F-EEF2-41CF-BC2E-932F6DFC370B}" type="slidenum">
+              <a:rPr lang="en-US" smtClean="0"/>
+              <a:pPr defTabSz="914400">
+                <a:spcAft>
+                  <a:spcPts val="600"/>
+                </a:spcAft>
+              </a:pPr>
+              <a:t>11</a:t>
+            </a:fld>
+            <a:endParaRPr lang="en-US"/>
+          </a:p>
+        </p:txBody>
+      </p:sp>
+    </p:spTree>
+    <p:extLst>
+      <p:ext uri="{BB962C8B-B14F-4D97-AF65-F5344CB8AC3E}">
+        <p14:creationId xmlns:p14="http://schemas.microsoft.com/office/powerpoint/2010/main" val="3529191195"/>
+      </p:ext>
+    </p:extLst>
+  </p:cSld>
+  <p:clrMapOvr>
+    <a:masterClrMapping/>
+  </p:clrMapOvr>
+</p:sld>
+</file>
+
+<file path=ppt/slides/slide12.xml><?xml version="1.0" encoding="utf-8"?>
+<p:sld xmlns:a="http://schemas.openxmlformats.org/drawingml/2006/main" xmlns:r="http://schemas.openxmlformats.org/officeDocument/2006/relationships" xmlns:p="http://schemas.openxmlformats.org/presentationml/2006/main">
+  <p:cSld>
+    <p:bg>
+      <p:bgPr>
+        <a:solidFill>
+          <a:schemeClr val="bg1"/>
+        </a:solidFill>
+        <a:effectLst/>
+      </p:bgPr>
+    </p:bg>
+    <p:spTree>
+      <p:nvGrpSpPr>
+        <p:cNvPr id="1" name=""/>
+        <p:cNvGrpSpPr/>
+        <p:nvPr/>
+      </p:nvGrpSpPr>
+      <p:grpSpPr>
+        <a:xfrm>
+          <a:off x="0" y="0"/>
+          <a:ext cx="0" cy="0"/>
+          <a:chOff x="0" y="0"/>
+          <a:chExt cx="0" cy="0"/>
+        </a:xfrm>
+      </p:grpSpPr>
+      <p:grpSp>
+        <p:nvGrpSpPr>
+          <p:cNvPr id="12" name="Group 11">
+            <a:extLst>
+              <a:ext uri="{FF2B5EF4-FFF2-40B4-BE49-F238E27FC236}">
+                <a16:creationId xmlns:a16="http://schemas.microsoft.com/office/drawing/2014/main" id="{B4DE830A-B531-4A3B-96F6-0ECE88B08555}"/>
+              </a:ext>
+              <a:ext uri="{C183D7F6-B498-43B3-948B-1728B52AA6E4}">
+                <adec:decorative xmlns:adec="http://schemas.microsoft.com/office/drawing/2017/decorative" val="1"/>
+              </a:ext>
+            </a:extLst>
+          </p:cNvPr>
+          <p:cNvGrpSpPr>
+            <a:grpSpLocks noGrp="1" noUngrp="1" noRot="1" noChangeAspect="1" noMove="1" noResize="1"/>
+          </p:cNvGrpSpPr>
+          <p:nvPr>
+            <p:extLst>
+              <p:ext uri="{386F3935-93C4-4BCD-93E2-E3B085C9AB24}">
+                <p16:designElem xmlns:p16="http://schemas.microsoft.com/office/powerpoint/2015/main" val="1"/>
+              </p:ext>
+            </p:extLst>
+          </p:nvPr>
+        </p:nvGrpSpPr>
+        <p:grpSpPr>
+          <a:xfrm>
+            <a:off x="0" y="-8467"/>
+            <a:ext cx="12192000" cy="6866467"/>
+            <a:chOff x="0" y="-8467"/>
+            <a:chExt cx="12192000" cy="6866467"/>
+          </a:xfrm>
+        </p:grpSpPr>
+        <p:cxnSp>
+          <p:nvCxnSpPr>
+            <p:cNvPr id="13" name="Straight Connector 12">
+              <a:extLst>
+                <a:ext uri="{FF2B5EF4-FFF2-40B4-BE49-F238E27FC236}">
+                  <a16:creationId xmlns:a16="http://schemas.microsoft.com/office/drawing/2014/main" id="{2813DF2C-461A-4A8F-9679-A172790D1F3A}"/>
+                </a:ext>
+                <a:ext uri="{C183D7F6-B498-43B3-948B-1728B52AA6E4}">
+                  <adec:decorative xmlns:adec="http://schemas.microsoft.com/office/drawing/2017/decorative" val="1"/>
+                </a:ext>
+              </a:extLst>
+            </p:cNvPr>
+            <p:cNvCxnSpPr/>
+            <p:nvPr>
+              <p:extLst>
+                <p:ext uri="{386F3935-93C4-4BCD-93E2-E3B085C9AB24}">
+                  <p16:designElem xmlns:p16="http://schemas.microsoft.com/office/powerpoint/2015/main" val="1"/>
+                </p:ext>
+              </p:extLst>
+            </p:nvPr>
+          </p:nvCxnSpPr>
+          <p:spPr>
+            <a:xfrm>
+              <a:off x="9371012" y="0"/>
+              <a:ext cx="1219200" cy="6858000"/>
+            </a:xfrm>
+            <a:prstGeom prst="line">
+              <a:avLst/>
+            </a:prstGeom>
+            <a:ln w="9525">
+              <a:solidFill>
+                <a:schemeClr val="bg1">
+                  <a:lumMod val="75000"/>
+                </a:schemeClr>
+              </a:solidFill>
+            </a:ln>
+          </p:spPr>
+          <p:style>
+            <a:lnRef idx="2">
+              <a:schemeClr val="accent1"/>
+            </a:lnRef>
+            <a:fillRef idx="0">
+              <a:schemeClr val="accent1"/>
+            </a:fillRef>
+            <a:effectRef idx="1">
+              <a:schemeClr val="accent1"/>
+            </a:effectRef>
+            <a:fontRef idx="minor">
+              <a:schemeClr val="tx1"/>
+            </a:fontRef>
+          </p:style>
+        </p:cxnSp>
+        <p:cxnSp>
+          <p:nvCxnSpPr>
+            <p:cNvPr id="14" name="Straight Connector 13">
+              <a:extLst>
+                <a:ext uri="{FF2B5EF4-FFF2-40B4-BE49-F238E27FC236}">
+                  <a16:creationId xmlns:a16="http://schemas.microsoft.com/office/drawing/2014/main" id="{54CD3A85-C039-4249-86E4-1EB9318B5495}"/>
+                </a:ext>
+                <a:ext uri="{C183D7F6-B498-43B3-948B-1728B52AA6E4}">
+                  <adec:decorative xmlns:adec="http://schemas.microsoft.com/office/drawing/2017/decorative" val="1"/>
+                </a:ext>
+              </a:extLst>
+            </p:cNvPr>
+            <p:cNvCxnSpPr/>
+            <p:nvPr>
+              <p:extLst>
+                <p:ext uri="{386F3935-93C4-4BCD-93E2-E3B085C9AB24}">
+                  <p16:designElem xmlns:p16="http://schemas.microsoft.com/office/powerpoint/2015/main" val="1"/>
+                </p:ext>
+              </p:extLst>
+            </p:nvPr>
+          </p:nvCxnSpPr>
+          <p:spPr>
+            <a:xfrm flipH="1">
+              <a:off x="7425267" y="3681413"/>
+              <a:ext cx="4763558" cy="3176587"/>
+            </a:xfrm>
+            <a:prstGeom prst="line">
+              <a:avLst/>
+            </a:prstGeom>
+            <a:ln w="9525">
+              <a:solidFill>
+                <a:schemeClr val="bg1">
+                  <a:lumMod val="85000"/>
+                </a:schemeClr>
+              </a:solidFill>
+            </a:ln>
+          </p:spPr>
+          <p:style>
+            <a:lnRef idx="2">
+              <a:schemeClr val="accent1"/>
+            </a:lnRef>
+            <a:fillRef idx="0">
+              <a:schemeClr val="accent1"/>
+            </a:fillRef>
+            <a:effectRef idx="1">
+              <a:schemeClr val="accent1"/>
+            </a:effectRef>
+            <a:fontRef idx="minor">
+              <a:schemeClr val="tx1"/>
+            </a:fontRef>
+          </p:style>
+        </p:cxnSp>
+        <p:sp>
+          <p:nvSpPr>
+            <p:cNvPr id="15" name="Rectangle 23">
+              <a:extLst>
+                <a:ext uri="{FF2B5EF4-FFF2-40B4-BE49-F238E27FC236}">
+                  <a16:creationId xmlns:a16="http://schemas.microsoft.com/office/drawing/2014/main" id="{887EA6D2-2883-42C2-993D-094CA6D65DA3}"/>
+                </a:ext>
+                <a:ext uri="{C183D7F6-B498-43B3-948B-1728B52AA6E4}">
+                  <adec:decorative xmlns:adec="http://schemas.microsoft.com/office/drawing/2017/decorative" val="1"/>
+                </a:ext>
+              </a:extLst>
+            </p:cNvPr>
+            <p:cNvSpPr/>
+            <p:nvPr>
+              <p:extLst>
+                <p:ext uri="{386F3935-93C4-4BCD-93E2-E3B085C9AB24}">
+                  <p16:designElem xmlns:p16="http://schemas.microsoft.com/office/powerpoint/2015/main" val="1"/>
+                </p:ext>
+              </p:extLst>
+            </p:nvPr>
+          </p:nvSpPr>
+          <p:spPr>
+            <a:xfrm>
+              <a:off x="9181476" y="-8467"/>
+              <a:ext cx="3007349" cy="6866467"/>
+            </a:xfrm>
+            <a:custGeom>
+              <a:avLst/>
+              <a:gdLst/>
+              <a:ahLst/>
+              <a:cxnLst/>
+              <a:rect l="l" t="t" r="r" b="b"/>
+              <a:pathLst>
+                <a:path w="3007349" h="6866467">
+                  <a:moveTo>
+                    <a:pt x="2045532" y="0"/>
+                  </a:moveTo>
+                  <a:lnTo>
+                    <a:pt x="3007349" y="0"/>
+                  </a:lnTo>
+                  <a:lnTo>
+                    <a:pt x="3007349" y="6866467"/>
+                  </a:lnTo>
+                  <a:lnTo>
+                    <a:pt x="0" y="6866467"/>
+                  </a:lnTo>
+                  <a:lnTo>
+                    <a:pt x="2045532" y="0"/>
+                  </a:lnTo>
+                  <a:close/>
+                </a:path>
+              </a:pathLst>
+            </a:custGeom>
+            <a:solidFill>
+              <a:schemeClr val="accent1">
+                <a:alpha val="30000"/>
+              </a:schemeClr>
+            </a:solidFill>
+            <a:ln>
+              <a:noFill/>
+            </a:ln>
+            <a:effectLst/>
+          </p:spPr>
+          <p:style>
+            <a:lnRef idx="1">
+              <a:schemeClr val="accent1"/>
+            </a:lnRef>
+            <a:fillRef idx="3">
+              <a:schemeClr val="accent1"/>
+            </a:fillRef>
+            <a:effectRef idx="2">
+              <a:schemeClr val="accent1"/>
+            </a:effectRef>
+            <a:fontRef idx="minor">
+              <a:schemeClr val="lt1"/>
+            </a:fontRef>
+          </p:style>
+        </p:sp>
+        <p:sp>
+          <p:nvSpPr>
+            <p:cNvPr id="16" name="Rectangle 25">
+              <a:extLst>
+                <a:ext uri="{FF2B5EF4-FFF2-40B4-BE49-F238E27FC236}">
+                  <a16:creationId xmlns:a16="http://schemas.microsoft.com/office/drawing/2014/main" id="{3B895046-636F-4D1B-ACA4-29AA0CB3329F}"/>
+                </a:ext>
+                <a:ext uri="{C183D7F6-B498-43B3-948B-1728B52AA6E4}">
+                  <adec:decorative xmlns:adec="http://schemas.microsoft.com/office/drawing/2017/decorative" val="1"/>
+                </a:ext>
+              </a:extLst>
+            </p:cNvPr>
+            <p:cNvSpPr/>
+            <p:nvPr>
+              <p:extLst>
+                <p:ext uri="{386F3935-93C4-4BCD-93E2-E3B085C9AB24}">
+                  <p16:designElem xmlns:p16="http://schemas.microsoft.com/office/powerpoint/2015/main" val="1"/>
+                </p:ext>
+              </p:extLst>
+            </p:nvPr>
+          </p:nvSpPr>
+          <p:spPr>
+            <a:xfrm>
+              <a:off x="9603442" y="-8467"/>
+              <a:ext cx="2588558" cy="6866467"/>
+            </a:xfrm>
+            <a:custGeom>
+              <a:avLst/>
+              <a:gdLst/>
+              <a:ahLst/>
+              <a:cxnLst/>
+              <a:rect l="l" t="t" r="r" b="b"/>
+              <a:pathLst>
+                <a:path w="2573311" h="6866467">
+                  <a:moveTo>
+                    <a:pt x="0" y="0"/>
+                  </a:moveTo>
+                  <a:lnTo>
+                    <a:pt x="2573311" y="0"/>
+                  </a:lnTo>
+                  <a:lnTo>
+                    <a:pt x="2573311" y="6866467"/>
+                  </a:lnTo>
+                  <a:lnTo>
+                    <a:pt x="1202336" y="6866467"/>
+                  </a:lnTo>
+                  <a:lnTo>
+                    <a:pt x="0" y="0"/>
+                  </a:lnTo>
+                  <a:close/>
+                </a:path>
+              </a:pathLst>
+            </a:custGeom>
+            <a:solidFill>
+              <a:schemeClr val="accent1">
+                <a:alpha val="20000"/>
+              </a:schemeClr>
+            </a:solidFill>
+            <a:ln>
+              <a:noFill/>
+            </a:ln>
+            <a:effectLst/>
+          </p:spPr>
+          <p:style>
+            <a:lnRef idx="1">
+              <a:schemeClr val="accent1"/>
+            </a:lnRef>
+            <a:fillRef idx="3">
+              <a:schemeClr val="accent1"/>
+            </a:fillRef>
+            <a:effectRef idx="2">
+              <a:schemeClr val="accent1"/>
+            </a:effectRef>
+            <a:fontRef idx="minor">
+              <a:schemeClr val="lt1"/>
+            </a:fontRef>
+          </p:style>
+        </p:sp>
+        <p:sp>
+          <p:nvSpPr>
+            <p:cNvPr id="17" name="Isosceles Triangle 16">
+              <a:extLst>
+                <a:ext uri="{FF2B5EF4-FFF2-40B4-BE49-F238E27FC236}">
+                  <a16:creationId xmlns:a16="http://schemas.microsoft.com/office/drawing/2014/main" id="{C6B0CDE3-E054-4EDD-A43B-F96843D8BF51}"/>
+                </a:ext>
+                <a:ext uri="{C183D7F6-B498-43B3-948B-1728B52AA6E4}">
+                  <adec:decorative xmlns:adec="http://schemas.microsoft.com/office/drawing/2017/decorative" val="1"/>
+                </a:ext>
+              </a:extLst>
+            </p:cNvPr>
+            <p:cNvSpPr/>
+            <p:nvPr>
+              <p:extLst>
+                <p:ext uri="{386F3935-93C4-4BCD-93E2-E3B085C9AB24}">
+                  <p16:designElem xmlns:p16="http://schemas.microsoft.com/office/powerpoint/2015/main" val="1"/>
+                </p:ext>
+              </p:extLst>
+            </p:nvPr>
+          </p:nvSpPr>
+          <p:spPr>
+            <a:xfrm>
+              <a:off x="8932333" y="3048000"/>
+              <a:ext cx="3259667" cy="3810000"/>
+            </a:xfrm>
+            <a:prstGeom prst="triangle">
+              <a:avLst>
+                <a:gd name="adj" fmla="val 100000"/>
+              </a:avLst>
+            </a:prstGeom>
+            <a:solidFill>
+              <a:schemeClr val="accent2">
+                <a:alpha val="72000"/>
+              </a:schemeClr>
+            </a:solidFill>
+            <a:ln>
+              <a:noFill/>
+            </a:ln>
+            <a:effectLst/>
+          </p:spPr>
+          <p:style>
+            <a:lnRef idx="1">
+              <a:schemeClr val="accent1"/>
+            </a:lnRef>
+            <a:fillRef idx="3">
+              <a:schemeClr val="accent1"/>
+            </a:fillRef>
+            <a:effectRef idx="2">
+              <a:schemeClr val="accent1"/>
+            </a:effectRef>
+            <a:fontRef idx="minor">
+              <a:schemeClr val="lt1"/>
+            </a:fontRef>
+          </p:style>
+        </p:sp>
+        <p:sp>
+          <p:nvSpPr>
+            <p:cNvPr id="18" name="Rectangle 27">
+              <a:extLst>
+                <a:ext uri="{FF2B5EF4-FFF2-40B4-BE49-F238E27FC236}">
+                  <a16:creationId xmlns:a16="http://schemas.microsoft.com/office/drawing/2014/main" id="{3B66B1A2-F145-4C9B-85CC-4BF30D58CBC5}"/>
+                </a:ext>
+                <a:ext uri="{C183D7F6-B498-43B3-948B-1728B52AA6E4}">
+                  <adec:decorative xmlns:adec="http://schemas.microsoft.com/office/drawing/2017/decorative" val="1"/>
+                </a:ext>
+              </a:extLst>
+            </p:cNvPr>
+            <p:cNvSpPr/>
+            <p:nvPr>
+              <p:extLst>
+                <p:ext uri="{386F3935-93C4-4BCD-93E2-E3B085C9AB24}">
+                  <p16:designElem xmlns:p16="http://schemas.microsoft.com/office/powerpoint/2015/main" val="1"/>
+                </p:ext>
+              </p:extLst>
+            </p:nvPr>
+          </p:nvSpPr>
+          <p:spPr>
+            <a:xfrm>
+              <a:off x="9334500" y="-8467"/>
+              <a:ext cx="2854326" cy="6866467"/>
+            </a:xfrm>
+            <a:custGeom>
+              <a:avLst/>
+              <a:gdLst/>
+              <a:ahLst/>
+              <a:cxnLst/>
+              <a:rect l="l" t="t" r="r" b="b"/>
+              <a:pathLst>
+                <a:path w="2858013" h="6866467">
+                  <a:moveTo>
+                    <a:pt x="0" y="0"/>
+                  </a:moveTo>
+                  <a:lnTo>
+                    <a:pt x="2858013" y="0"/>
+                  </a:lnTo>
+                  <a:lnTo>
+                    <a:pt x="2858013" y="6866467"/>
+                  </a:lnTo>
+                  <a:lnTo>
+                    <a:pt x="2473942" y="6866467"/>
+                  </a:lnTo>
+                  <a:lnTo>
+                    <a:pt x="0" y="0"/>
+                  </a:lnTo>
+                  <a:close/>
+                </a:path>
+              </a:pathLst>
+            </a:custGeom>
+            <a:solidFill>
+              <a:schemeClr val="accent2">
+                <a:lumMod val="75000"/>
+                <a:alpha val="70000"/>
+              </a:schemeClr>
+            </a:solidFill>
+            <a:ln>
+              <a:noFill/>
+            </a:ln>
+            <a:effectLst/>
+          </p:spPr>
+          <p:style>
+            <a:lnRef idx="1">
+              <a:schemeClr val="accent1"/>
+            </a:lnRef>
+            <a:fillRef idx="3">
+              <a:schemeClr val="accent1"/>
+            </a:fillRef>
+            <a:effectRef idx="2">
+              <a:schemeClr val="accent1"/>
+            </a:effectRef>
+            <a:fontRef idx="minor">
+              <a:schemeClr val="lt1"/>
+            </a:fontRef>
+          </p:style>
+        </p:sp>
+        <p:sp>
+          <p:nvSpPr>
+            <p:cNvPr id="19" name="Rectangle 28">
+              <a:extLst>
+                <a:ext uri="{FF2B5EF4-FFF2-40B4-BE49-F238E27FC236}">
+                  <a16:creationId xmlns:a16="http://schemas.microsoft.com/office/drawing/2014/main" id="{5D4FC972-94B3-4035-8D31-E668C132B411}"/>
+                </a:ext>
+                <a:ext uri="{C183D7F6-B498-43B3-948B-1728B52AA6E4}">
+                  <adec:decorative xmlns:adec="http://schemas.microsoft.com/office/drawing/2017/decorative" val="1"/>
+                </a:ext>
+              </a:extLst>
+            </p:cNvPr>
+            <p:cNvSpPr/>
+            <p:nvPr>
+              <p:extLst>
+                <p:ext uri="{386F3935-93C4-4BCD-93E2-E3B085C9AB24}">
+                  <p16:designElem xmlns:p16="http://schemas.microsoft.com/office/powerpoint/2015/main" val="1"/>
+                </p:ext>
+              </p:extLst>
+            </p:nvPr>
+          </p:nvSpPr>
+          <p:spPr>
+            <a:xfrm>
+              <a:off x="10898730" y="-8467"/>
+              <a:ext cx="1290094" cy="6866467"/>
+            </a:xfrm>
+            <a:custGeom>
+              <a:avLst/>
+              <a:gdLst/>
+              <a:ahLst/>
+              <a:cxnLst/>
+              <a:rect l="l" t="t" r="r" b="b"/>
+              <a:pathLst>
+                <a:path w="1290094" h="6858000">
+                  <a:moveTo>
+                    <a:pt x="1019735" y="0"/>
+                  </a:moveTo>
+                  <a:lnTo>
+                    <a:pt x="1290094" y="0"/>
+                  </a:lnTo>
+                  <a:lnTo>
+                    <a:pt x="1290094" y="6858000"/>
+                  </a:lnTo>
+                  <a:lnTo>
+                    <a:pt x="0" y="6858000"/>
+                  </a:lnTo>
+                  <a:lnTo>
+                    <a:pt x="1019735" y="0"/>
+                  </a:lnTo>
+                  <a:close/>
+                </a:path>
+              </a:pathLst>
+            </a:custGeom>
+            <a:solidFill>
+              <a:schemeClr val="accent1">
+                <a:lumMod val="60000"/>
+                <a:lumOff val="40000"/>
+                <a:alpha val="70000"/>
+              </a:schemeClr>
+            </a:solidFill>
+            <a:ln>
+              <a:noFill/>
+            </a:ln>
+            <a:effectLst/>
+          </p:spPr>
+          <p:style>
+            <a:lnRef idx="1">
+              <a:schemeClr val="accent1"/>
+            </a:lnRef>
+            <a:fillRef idx="3">
+              <a:schemeClr val="accent1"/>
+            </a:fillRef>
+            <a:effectRef idx="2">
+              <a:schemeClr val="accent1"/>
+            </a:effectRef>
+            <a:fontRef idx="minor">
+              <a:schemeClr val="lt1"/>
+            </a:fontRef>
+          </p:style>
+        </p:sp>
+        <p:sp>
+          <p:nvSpPr>
+            <p:cNvPr id="20" name="Rectangle 29">
+              <a:extLst>
+                <a:ext uri="{FF2B5EF4-FFF2-40B4-BE49-F238E27FC236}">
+                  <a16:creationId xmlns:a16="http://schemas.microsoft.com/office/drawing/2014/main" id="{374B9941-AFBE-4A77-A50E-B6EA04A746AE}"/>
+                </a:ext>
+                <a:ext uri="{C183D7F6-B498-43B3-948B-1728B52AA6E4}">
+                  <adec:decorative xmlns:adec="http://schemas.microsoft.com/office/drawing/2017/decorative" val="1"/>
+                </a:ext>
+              </a:extLst>
+            </p:cNvPr>
+            <p:cNvSpPr/>
+            <p:nvPr>
+              <p:extLst>
+                <p:ext uri="{386F3935-93C4-4BCD-93E2-E3B085C9AB24}">
+                  <p16:designElem xmlns:p16="http://schemas.microsoft.com/office/powerpoint/2015/main" val="1"/>
+                </p:ext>
+              </p:extLst>
+            </p:nvPr>
+          </p:nvSpPr>
+          <p:spPr>
+            <a:xfrm>
+              <a:off x="10938999" y="-8467"/>
+              <a:ext cx="1249825" cy="6866467"/>
+            </a:xfrm>
+            <a:custGeom>
+              <a:avLst/>
+              <a:gdLst/>
+              <a:ahLst/>
+              <a:cxnLst/>
+              <a:rect l="l" t="t" r="r" b="b"/>
+              <a:pathLst>
+                <a:path w="1249825" h="6858000">
+                  <a:moveTo>
+                    <a:pt x="0" y="0"/>
+                  </a:moveTo>
+                  <a:lnTo>
+                    <a:pt x="1249825" y="0"/>
+                  </a:lnTo>
+                  <a:lnTo>
+                    <a:pt x="1249825" y="6858000"/>
+                  </a:lnTo>
+                  <a:lnTo>
+                    <a:pt x="1109382" y="6858000"/>
+                  </a:lnTo>
+                  <a:lnTo>
+                    <a:pt x="0" y="0"/>
+                  </a:lnTo>
+                  <a:close/>
+                </a:path>
+              </a:pathLst>
+            </a:custGeom>
+            <a:solidFill>
+              <a:schemeClr val="accent1">
+                <a:alpha val="65000"/>
+              </a:schemeClr>
+            </a:solidFill>
+            <a:ln>
+              <a:noFill/>
+            </a:ln>
+            <a:effectLst/>
+          </p:spPr>
+          <p:style>
+            <a:lnRef idx="1">
+              <a:schemeClr val="accent1"/>
+            </a:lnRef>
+            <a:fillRef idx="3">
+              <a:schemeClr val="accent1"/>
+            </a:fillRef>
+            <a:effectRef idx="2">
+              <a:schemeClr val="accent1"/>
+            </a:effectRef>
+            <a:fontRef idx="minor">
+              <a:schemeClr val="lt1"/>
+            </a:fontRef>
+          </p:style>
+        </p:sp>
+        <p:sp>
+          <p:nvSpPr>
+            <p:cNvPr id="21" name="Isosceles Triangle 20">
+              <a:extLst>
+                <a:ext uri="{FF2B5EF4-FFF2-40B4-BE49-F238E27FC236}">
+                  <a16:creationId xmlns:a16="http://schemas.microsoft.com/office/drawing/2014/main" id="{27A982C5-2C38-4CE9-BC18-94697AD657FB}"/>
+                </a:ext>
+                <a:ext uri="{C183D7F6-B498-43B3-948B-1728B52AA6E4}">
+                  <adec:decorative xmlns:adec="http://schemas.microsoft.com/office/drawing/2017/decorative" val="1"/>
+                </a:ext>
+              </a:extLst>
+            </p:cNvPr>
+            <p:cNvSpPr/>
+            <p:nvPr>
+              <p:extLst>
+                <p:ext uri="{386F3935-93C4-4BCD-93E2-E3B085C9AB24}">
+                  <p16:designElem xmlns:p16="http://schemas.microsoft.com/office/powerpoint/2015/main" val="1"/>
+                </p:ext>
+              </p:extLst>
+            </p:nvPr>
+          </p:nvSpPr>
+          <p:spPr>
+            <a:xfrm>
+              <a:off x="10371666" y="3589867"/>
+              <a:ext cx="1817159" cy="3268133"/>
+            </a:xfrm>
+            <a:prstGeom prst="triangle">
+              <a:avLst>
+                <a:gd name="adj" fmla="val 100000"/>
+              </a:avLst>
+            </a:prstGeom>
+            <a:solidFill>
+              <a:schemeClr val="accent1">
+                <a:alpha val="80000"/>
+              </a:schemeClr>
+            </a:solidFill>
+            <a:ln>
+              <a:noFill/>
+            </a:ln>
+            <a:effectLst/>
+          </p:spPr>
+          <p:style>
+            <a:lnRef idx="1">
+              <a:schemeClr val="accent1"/>
+            </a:lnRef>
+            <a:fillRef idx="3">
+              <a:schemeClr val="accent1"/>
+            </a:fillRef>
+            <a:effectRef idx="2">
+              <a:schemeClr val="accent1"/>
+            </a:effectRef>
+            <a:fontRef idx="minor">
+              <a:schemeClr val="lt1"/>
+            </a:fontRef>
+          </p:style>
+        </p:sp>
+        <p:sp>
+          <p:nvSpPr>
+            <p:cNvPr id="22" name="Isosceles Triangle 21">
+              <a:extLst>
+                <a:ext uri="{FF2B5EF4-FFF2-40B4-BE49-F238E27FC236}">
+                  <a16:creationId xmlns:a16="http://schemas.microsoft.com/office/drawing/2014/main" id="{0060D8D1-7BB1-498F-AFBB-ADAC130A9E90}"/>
+                </a:ext>
+                <a:ext uri="{C183D7F6-B498-43B3-948B-1728B52AA6E4}">
+                  <adec:decorative xmlns:adec="http://schemas.microsoft.com/office/drawing/2017/decorative" val="1"/>
+                </a:ext>
+              </a:extLst>
+            </p:cNvPr>
+            <p:cNvSpPr/>
+            <p:nvPr>
+              <p:extLst>
+                <p:ext uri="{386F3935-93C4-4BCD-93E2-E3B085C9AB24}">
+                  <p16:designElem xmlns:p16="http://schemas.microsoft.com/office/powerpoint/2015/main" val="1"/>
+                </p:ext>
+              </p:extLst>
+            </p:nvPr>
+          </p:nvSpPr>
+          <p:spPr>
+            <a:xfrm rot="10800000">
+              <a:off x="0" y="0"/>
+              <a:ext cx="842596" cy="5666154"/>
+            </a:xfrm>
+            <a:prstGeom prst="triangle">
+              <a:avLst>
+                <a:gd name="adj" fmla="val 100000"/>
+              </a:avLst>
+            </a:prstGeom>
+            <a:solidFill>
+              <a:schemeClr val="accent1">
+                <a:alpha val="85000"/>
+              </a:schemeClr>
+            </a:solidFill>
+            <a:ln>
+              <a:noFill/>
+            </a:ln>
+            <a:effectLst/>
+          </p:spPr>
+          <p:style>
+            <a:lnRef idx="1">
+              <a:schemeClr val="accent1"/>
+            </a:lnRef>
+            <a:fillRef idx="3">
+              <a:schemeClr val="accent1"/>
+            </a:fillRef>
+            <a:effectRef idx="2">
+              <a:schemeClr val="accent1"/>
+            </a:effectRef>
+            <a:fontRef idx="minor">
+              <a:schemeClr val="lt1"/>
+            </a:fontRef>
+          </p:style>
+        </p:sp>
+      </p:grpSp>
+      <p:sp>
+        <p:nvSpPr>
+          <p:cNvPr id="2" name="Title 1">
+            <a:extLst>
+              <a:ext uri="{FF2B5EF4-FFF2-40B4-BE49-F238E27FC236}">
+                <a16:creationId xmlns:a16="http://schemas.microsoft.com/office/drawing/2014/main" id="{77E87617-43D4-4B06-8B2C-D4C8ADF4C082}"/>
+              </a:ext>
+            </a:extLst>
+          </p:cNvPr>
+          <p:cNvSpPr>
+            <a:spLocks noGrp="1"/>
+          </p:cNvSpPr>
+          <p:nvPr>
+            <p:ph type="title"/>
+          </p:nvPr>
+        </p:nvSpPr>
+        <p:spPr>
+          <a:xfrm>
+            <a:off x="985969" y="4553712"/>
+            <a:ext cx="8288032" cy="1096316"/>
+          </a:xfrm>
+        </p:spPr>
+        <p:txBody>
+          <a:bodyPr vert="horz" lIns="91440" tIns="45720" rIns="91440" bIns="45720" rtlCol="0" anchor="b">
+            <a:normAutofit/>
+          </a:bodyPr>
+          <a:lstStyle/>
+          <a:p>
+            <a:pPr algn="ctr"/>
+            <a:r>
+              <a:rPr lang="en-US" sz="4800" kern="1200">
+                <a:solidFill>
+                  <a:schemeClr val="accent1"/>
+                </a:solidFill>
+                <a:latin typeface="+mj-lt"/>
+                <a:ea typeface="+mj-ea"/>
+                <a:cs typeface="+mj-cs"/>
+              </a:rPr>
+              <a:t>Interrupciones</a:t>
+            </a:r>
+          </a:p>
+        </p:txBody>
+      </p:sp>
+      <p:pic>
+        <p:nvPicPr>
+          <p:cNvPr id="7" name="Content Placeholder 6">
+            <a:extLst>
+              <a:ext uri="{FF2B5EF4-FFF2-40B4-BE49-F238E27FC236}">
+                <a16:creationId xmlns:a16="http://schemas.microsoft.com/office/drawing/2014/main" id="{D611B28B-B999-4EC8-9994-E575C4DEDC58}"/>
+              </a:ext>
+            </a:extLst>
+          </p:cNvPr>
+          <p:cNvPicPr>
+            <a:picLocks noGrp="1" noChangeAspect="1"/>
+          </p:cNvPicPr>
+          <p:nvPr>
+            <p:ph idx="1"/>
+          </p:nvPr>
+        </p:nvPicPr>
+        <p:blipFill>
+          <a:blip r:embed="rId2"/>
+          <a:stretch/>
+        </p:blipFill>
+        <p:spPr>
+          <a:xfrm>
+            <a:off x="985968" y="3218388"/>
+            <a:ext cx="8288033" cy="1015283"/>
+          </a:xfrm>
+          <a:prstGeom prst="rect">
+            <a:avLst/>
+          </a:prstGeom>
+          <a:ln w="38100" cap="sq">
+            <a:solidFill>
+              <a:srgbClr val="92D050"/>
+            </a:solidFill>
+            <a:prstDash val="solid"/>
+            <a:miter lim="800000"/>
+          </a:ln>
+          <a:effectLst>
+            <a:outerShdw blurRad="50800" dist="38100" dir="2700000" algn="tl" rotWithShape="0">
+              <a:srgbClr val="000000">
+                <a:alpha val="43000"/>
+              </a:srgbClr>
+            </a:outerShdw>
+          </a:effectLst>
+        </p:spPr>
+      </p:pic>
+      <p:sp>
+        <p:nvSpPr>
+          <p:cNvPr id="4" name="Footer Placeholder 3">
+            <a:extLst>
+              <a:ext uri="{FF2B5EF4-FFF2-40B4-BE49-F238E27FC236}">
+                <a16:creationId xmlns:a16="http://schemas.microsoft.com/office/drawing/2014/main" id="{A77B035F-6AAF-4C5A-9585-2D0F0203A69C}"/>
+              </a:ext>
+            </a:extLst>
+          </p:cNvPr>
+          <p:cNvSpPr>
+            <a:spLocks noGrp="1"/>
+          </p:cNvSpPr>
+          <p:nvPr>
+            <p:ph type="ftr" sz="quarter" idx="11"/>
+          </p:nvPr>
+        </p:nvSpPr>
+        <p:spPr>
+          <a:xfrm>
+            <a:off x="677334" y="6352651"/>
+            <a:ext cx="6297612" cy="365125"/>
+          </a:xfrm>
+        </p:spPr>
+        <p:txBody>
+          <a:bodyPr vert="horz" lIns="91440" tIns="45720" rIns="91440" bIns="45720" rtlCol="0" anchor="ctr">
+            <a:normAutofit/>
+          </a:bodyPr>
+          <a:lstStyle/>
+          <a:p>
+            <a:pPr defTabSz="914400">
+              <a:spcAft>
+                <a:spcPts val="600"/>
+              </a:spcAft>
+            </a:pPr>
+            <a:r>
+              <a:rPr lang="en-US" kern="1200">
+                <a:solidFill>
+                  <a:schemeClr val="tx1">
+                    <a:tint val="75000"/>
+                  </a:schemeClr>
+                </a:solidFill>
+                <a:latin typeface="+mn-lt"/>
+                <a:ea typeface="+mn-ea"/>
+                <a:cs typeface="+mn-cs"/>
+              </a:rPr>
+              <a:t>Laboratorio de microprocesadores – TP2 - Grupo 1</a:t>
+            </a:r>
+          </a:p>
+        </p:txBody>
+      </p:sp>
+      <p:sp>
+        <p:nvSpPr>
+          <p:cNvPr id="5" name="Slide Number Placeholder 4">
+            <a:extLst>
+              <a:ext uri="{FF2B5EF4-FFF2-40B4-BE49-F238E27FC236}">
+                <a16:creationId xmlns:a16="http://schemas.microsoft.com/office/drawing/2014/main" id="{2CD7EB24-B1F4-4D9F-A2F2-B672B217C490}"/>
+              </a:ext>
+            </a:extLst>
+          </p:cNvPr>
+          <p:cNvSpPr>
+            <a:spLocks noGrp="1"/>
+          </p:cNvSpPr>
+          <p:nvPr>
+            <p:ph type="sldNum" sz="quarter" idx="12"/>
+          </p:nvPr>
+        </p:nvSpPr>
+        <p:spPr>
+          <a:xfrm>
+            <a:off x="8542023" y="6352651"/>
+            <a:ext cx="683339" cy="365125"/>
+          </a:xfrm>
+        </p:spPr>
+        <p:txBody>
+          <a:bodyPr vert="horz" lIns="91440" tIns="45720" rIns="91440" bIns="45720" rtlCol="0" anchor="ctr">
+            <a:normAutofit/>
+          </a:bodyPr>
+          <a:lstStyle/>
+          <a:p>
+            <a:pPr defTabSz="914400">
+              <a:spcAft>
+                <a:spcPts val="600"/>
+              </a:spcAft>
+            </a:pPr>
+            <a:fld id="{D57F1E4F-1CFF-5643-939E-217C01CDF565}" type="slidenum">
+              <a:rPr lang="en-US" smtClean="0"/>
+              <a:pPr defTabSz="914400">
+                <a:spcAft>
+                  <a:spcPts val="600"/>
+                </a:spcAft>
+              </a:pPr>
+              <a:t>12</a:t>
+            </a:fld>
+            <a:endParaRPr lang="en-US"/>
+          </a:p>
+        </p:txBody>
+      </p:sp>
+    </p:spTree>
+    <p:extLst>
+      <p:ext uri="{BB962C8B-B14F-4D97-AF65-F5344CB8AC3E}">
+        <p14:creationId xmlns:p14="http://schemas.microsoft.com/office/powerpoint/2010/main" val="1127833076"/>
+      </p:ext>
+    </p:extLst>
+  </p:cSld>
+  <p:clrMapOvr>
+    <a:masterClrMapping/>
+  </p:clrMapOvr>
+</p:sld>
+</file>
+
+<file path=ppt/slides/slide13.xml><?xml version="1.0" encoding="utf-8"?>
+<p:sld xmlns:a="http://schemas.openxmlformats.org/drawingml/2006/main" xmlns:r="http://schemas.openxmlformats.org/officeDocument/2006/relationships" xmlns:p="http://schemas.openxmlformats.org/presentationml/2006/main">
+  <p:cSld>
+    <p:spTree>
+      <p:nvGrpSpPr>
+        <p:cNvPr id="1" name=""/>
+        <p:cNvGrpSpPr/>
+        <p:nvPr/>
+      </p:nvGrpSpPr>
+      <p:grpSpPr>
+        <a:xfrm>
+          <a:off x="0" y="0"/>
+          <a:ext cx="0" cy="0"/>
+          <a:chOff x="0" y="0"/>
+          <a:chExt cx="0" cy="0"/>
+        </a:xfrm>
+      </p:grpSpPr>
+      <p:sp>
+        <p:nvSpPr>
+          <p:cNvPr id="2" name="Title 1">
+            <a:extLst>
+              <a:ext uri="{FF2B5EF4-FFF2-40B4-BE49-F238E27FC236}">
+                <a16:creationId xmlns:a16="http://schemas.microsoft.com/office/drawing/2014/main" id="{3ADBAB7C-C03F-4C03-B3F2-432F7731088B}"/>
+              </a:ext>
+            </a:extLst>
+          </p:cNvPr>
+          <p:cNvSpPr>
+            <a:spLocks noGrp="1"/>
+          </p:cNvSpPr>
+          <p:nvPr>
+            <p:ph type="title"/>
+          </p:nvPr>
+        </p:nvSpPr>
+        <p:spPr/>
+        <p:txBody>
+          <a:bodyPr/>
+          <a:lstStyle/>
+          <a:p>
+            <a:r>
+              <a:rPr lang="es-ES" dirty="0"/>
+              <a:t>I</a:t>
+            </a:r>
+            <a:r>
+              <a:rPr lang="es-ES" baseline="30000" dirty="0"/>
+              <a:t>2</a:t>
+            </a:r>
+            <a:r>
+              <a:rPr lang="es-ES" dirty="0"/>
+              <a:t>C y </a:t>
+            </a:r>
+            <a:r>
+              <a:rPr lang="es-ES" dirty="0" err="1"/>
+              <a:t>SysTick</a:t>
+            </a:r>
+            <a:endParaRPr lang="en-US" dirty="0"/>
+          </a:p>
+        </p:txBody>
+      </p:sp>
+      <p:pic>
+        <p:nvPicPr>
+          <p:cNvPr id="8" name="Content Placeholder 7" descr="A screenshot of a cell phone&#10;&#10;Description automatically generated">
+            <a:extLst>
+              <a:ext uri="{FF2B5EF4-FFF2-40B4-BE49-F238E27FC236}">
+                <a16:creationId xmlns:a16="http://schemas.microsoft.com/office/drawing/2014/main" id="{02383BE4-C7CE-47AB-85E7-2B8882D73173}"/>
+              </a:ext>
+            </a:extLst>
+          </p:cNvPr>
+          <p:cNvPicPr>
+            <a:picLocks noGrp="1" noChangeAspect="1"/>
+          </p:cNvPicPr>
+          <p:nvPr>
+            <p:ph sz="half" idx="1"/>
+          </p:nvPr>
+        </p:nvPicPr>
+        <p:blipFill>
+          <a:blip r:embed="rId2"/>
+          <a:stretch>
+            <a:fillRect/>
+          </a:stretch>
+        </p:blipFill>
+        <p:spPr>
+          <a:xfrm>
+            <a:off x="677863" y="3776225"/>
+            <a:ext cx="4183062" cy="650163"/>
+          </a:xfrm>
+        </p:spPr>
+      </p:pic>
+      <p:sp>
+        <p:nvSpPr>
+          <p:cNvPr id="4" name="Content Placeholder 3">
+            <a:extLst>
+              <a:ext uri="{FF2B5EF4-FFF2-40B4-BE49-F238E27FC236}">
+                <a16:creationId xmlns:a16="http://schemas.microsoft.com/office/drawing/2014/main" id="{8F516AD1-E2D8-4DDB-80A3-B8779D146336}"/>
+              </a:ext>
+            </a:extLst>
+          </p:cNvPr>
+          <p:cNvSpPr>
+            <a:spLocks noGrp="1"/>
+          </p:cNvSpPr>
+          <p:nvPr>
+            <p:ph sz="half" idx="2"/>
+          </p:nvPr>
+        </p:nvSpPr>
+        <p:spPr/>
+        <p:txBody>
+          <a:bodyPr/>
+          <a:lstStyle/>
+          <a:p>
+            <a:endParaRPr lang="en-US"/>
+          </a:p>
+        </p:txBody>
+      </p:sp>
+      <p:sp>
+        <p:nvSpPr>
+          <p:cNvPr id="5" name="Footer Placeholder 4">
+            <a:extLst>
+              <a:ext uri="{FF2B5EF4-FFF2-40B4-BE49-F238E27FC236}">
+                <a16:creationId xmlns:a16="http://schemas.microsoft.com/office/drawing/2014/main" id="{4D667C34-EAC1-4A7B-87E5-61EBE2433F4E}"/>
+              </a:ext>
+            </a:extLst>
+          </p:cNvPr>
+          <p:cNvSpPr>
+            <a:spLocks noGrp="1"/>
+          </p:cNvSpPr>
+          <p:nvPr>
+            <p:ph type="ftr" sz="quarter" idx="11"/>
+          </p:nvPr>
+        </p:nvSpPr>
+        <p:spPr/>
+        <p:txBody>
+          <a:bodyPr/>
+          <a:lstStyle/>
+          <a:p>
+            <a:r>
+              <a:rPr lang="pt-BR"/>
+              <a:t>Laboratorio de microprocesadores – TP2 - Grupo 1</a:t>
+            </a:r>
+            <a:endParaRPr lang="en-US" dirty="0"/>
+          </a:p>
+        </p:txBody>
+      </p:sp>
+      <p:sp>
+        <p:nvSpPr>
+          <p:cNvPr id="6" name="Slide Number Placeholder 5">
+            <a:extLst>
+              <a:ext uri="{FF2B5EF4-FFF2-40B4-BE49-F238E27FC236}">
+                <a16:creationId xmlns:a16="http://schemas.microsoft.com/office/drawing/2014/main" id="{A0331C05-2444-4115-AA59-FBE7A91A3239}"/>
+              </a:ext>
+            </a:extLst>
+          </p:cNvPr>
+          <p:cNvSpPr>
+            <a:spLocks noGrp="1"/>
+          </p:cNvSpPr>
+          <p:nvPr>
+            <p:ph type="sldNum" sz="quarter" idx="12"/>
+          </p:nvPr>
+        </p:nvSpPr>
+        <p:spPr/>
+        <p:txBody>
+          <a:bodyPr/>
+          <a:lstStyle/>
+          <a:p>
+            <a:fld id="{6FF9F0C5-380F-41C2-899A-BAC0F0927E16}" type="slidenum">
+              <a:rPr lang="en-US" smtClean="0"/>
+              <a:t>13</a:t>
+            </a:fld>
+            <a:endParaRPr lang="en-US" dirty="0"/>
+          </a:p>
+        </p:txBody>
+      </p:sp>
+    </p:spTree>
+    <p:extLst>
+      <p:ext uri="{BB962C8B-B14F-4D97-AF65-F5344CB8AC3E}">
+        <p14:creationId xmlns:p14="http://schemas.microsoft.com/office/powerpoint/2010/main" val="3804399631"/>
+      </p:ext>
+    </p:extLst>
+  </p:cSld>
+  <p:clrMapOvr>
+    <a:masterClrMapping/>
+  </p:clrMapOvr>
+</p:sld>
+</file>
+
+<file path=ppt/slides/slide14.xml><?xml version="1.0" encoding="utf-8"?>
+<p:sld xmlns:a="http://schemas.openxmlformats.org/drawingml/2006/main" xmlns:r="http://schemas.openxmlformats.org/officeDocument/2006/relationships" xmlns:p="http://schemas.openxmlformats.org/presentationml/2006/main">
+  <p:cSld>
+    <p:spTree>
+      <p:nvGrpSpPr>
+        <p:cNvPr id="1" name=""/>
+        <p:cNvGrpSpPr/>
+        <p:nvPr/>
+      </p:nvGrpSpPr>
+      <p:grpSpPr>
+        <a:xfrm>
+          <a:off x="0" y="0"/>
+          <a:ext cx="0" cy="0"/>
+          <a:chOff x="0" y="0"/>
+          <a:chExt cx="0" cy="0"/>
+        </a:xfrm>
+      </p:grpSpPr>
+      <p:sp>
+        <p:nvSpPr>
+          <p:cNvPr id="2" name="Title 1">
+            <a:extLst>
+              <a:ext uri="{FF2B5EF4-FFF2-40B4-BE49-F238E27FC236}">
+                <a16:creationId xmlns:a16="http://schemas.microsoft.com/office/drawing/2014/main" id="{AFED35C2-5E4B-4CE6-AB6C-B28CA445E527}"/>
+              </a:ext>
+            </a:extLst>
+          </p:cNvPr>
+          <p:cNvSpPr>
+            <a:spLocks noGrp="1"/>
+          </p:cNvSpPr>
+          <p:nvPr>
+            <p:ph type="title"/>
+          </p:nvPr>
+        </p:nvSpPr>
+        <p:spPr/>
+        <p:txBody>
+          <a:bodyPr/>
+          <a:lstStyle/>
+          <a:p>
+            <a:endParaRPr lang="en-US"/>
+          </a:p>
+        </p:txBody>
+      </p:sp>
+      <p:sp>
+        <p:nvSpPr>
+          <p:cNvPr id="4" name="Footer Placeholder 3">
+            <a:extLst>
+              <a:ext uri="{FF2B5EF4-FFF2-40B4-BE49-F238E27FC236}">
+                <a16:creationId xmlns:a16="http://schemas.microsoft.com/office/drawing/2014/main" id="{CCA630FE-6C3A-4A7A-9241-C2684A14A3D7}"/>
+              </a:ext>
+            </a:extLst>
+          </p:cNvPr>
+          <p:cNvSpPr>
+            <a:spLocks noGrp="1"/>
+          </p:cNvSpPr>
+          <p:nvPr>
+            <p:ph type="ftr" sz="quarter" idx="11"/>
+          </p:nvPr>
+        </p:nvSpPr>
+        <p:spPr/>
+        <p:txBody>
+          <a:bodyPr/>
+          <a:lstStyle/>
+          <a:p>
+            <a:r>
+              <a:rPr lang="pt-BR"/>
+              <a:t>Laboratorio de microprocesadores – TP2 - Grupo 1</a:t>
+            </a:r>
+            <a:endParaRPr lang="en-US" dirty="0"/>
+          </a:p>
+        </p:txBody>
+      </p:sp>
+      <p:sp>
+        <p:nvSpPr>
+          <p:cNvPr id="5" name="Slide Number Placeholder 4">
+            <a:extLst>
+              <a:ext uri="{FF2B5EF4-FFF2-40B4-BE49-F238E27FC236}">
+                <a16:creationId xmlns:a16="http://schemas.microsoft.com/office/drawing/2014/main" id="{1F661FA8-C0B9-41B9-A547-C5208573010C}"/>
+              </a:ext>
+            </a:extLst>
+          </p:cNvPr>
+          <p:cNvSpPr>
+            <a:spLocks noGrp="1"/>
+          </p:cNvSpPr>
+          <p:nvPr>
+            <p:ph type="sldNum" sz="quarter" idx="12"/>
+          </p:nvPr>
+        </p:nvSpPr>
+        <p:spPr/>
+        <p:txBody>
+          <a:bodyPr/>
+          <a:lstStyle/>
+          <a:p>
+            <a:fld id="{D57F1E4F-1CFF-5643-939E-217C01CDF565}" type="slidenum">
+              <a:rPr lang="en-US" smtClean="0"/>
+              <a:pPr/>
+              <a:t>14</a:t>
+            </a:fld>
+            <a:endParaRPr lang="en-US" dirty="0"/>
+          </a:p>
+        </p:txBody>
+      </p:sp>
+      <p:pic>
+        <p:nvPicPr>
+          <p:cNvPr id="6" name="Content Placeholder 6" descr="A picture containing screenshot&#10;&#10;Description automatically generated">
+            <a:extLst>
+              <a:ext uri="{FF2B5EF4-FFF2-40B4-BE49-F238E27FC236}">
+                <a16:creationId xmlns:a16="http://schemas.microsoft.com/office/drawing/2014/main" id="{E47C4F8F-620B-4727-8106-9314AE796768}"/>
+              </a:ext>
+            </a:extLst>
+          </p:cNvPr>
+          <p:cNvPicPr>
+            <a:picLocks noChangeAspect="1"/>
+          </p:cNvPicPr>
+          <p:nvPr/>
+        </p:nvPicPr>
+        <p:blipFill>
+          <a:blip r:embed="rId2"/>
+          <a:stretch>
+            <a:fillRect/>
+          </a:stretch>
+        </p:blipFill>
+        <p:spPr>
+          <a:xfrm>
+            <a:off x="1235869" y="1905920"/>
+            <a:ext cx="8596312" cy="2289762"/>
+          </a:xfrm>
+          <a:prstGeom prst="rect">
+            <a:avLst/>
+          </a:prstGeom>
+        </p:spPr>
+      </p:pic>
+      <p:pic>
+        <p:nvPicPr>
+          <p:cNvPr id="7" name="Content Placeholder 6" descr="A screenshot of a cell phone&#10;&#10;Description automatically generated">
+            <a:extLst>
+              <a:ext uri="{FF2B5EF4-FFF2-40B4-BE49-F238E27FC236}">
+                <a16:creationId xmlns:a16="http://schemas.microsoft.com/office/drawing/2014/main" id="{BD94F62C-DAB3-4B15-8B79-D104C253AF4B}"/>
+              </a:ext>
+            </a:extLst>
+          </p:cNvPr>
+          <p:cNvPicPr>
+            <a:picLocks noGrp="1" noChangeAspect="1"/>
+          </p:cNvPicPr>
+          <p:nvPr>
+            <p:ph idx="1"/>
+          </p:nvPr>
+        </p:nvPicPr>
+        <p:blipFill>
+          <a:blip r:embed="rId3"/>
+          <a:stretch>
+            <a:fillRect/>
+          </a:stretch>
+        </p:blipFill>
+        <p:spPr>
+          <a:xfrm>
+            <a:off x="1363663" y="4421767"/>
+            <a:ext cx="8596312" cy="1619595"/>
+          </a:xfrm>
+          <a:prstGeom prst="rect">
+            <a:avLst/>
+          </a:prstGeom>
+        </p:spPr>
+      </p:pic>
+    </p:spTree>
+    <p:extLst>
+      <p:ext uri="{BB962C8B-B14F-4D97-AF65-F5344CB8AC3E}">
+        <p14:creationId xmlns:p14="http://schemas.microsoft.com/office/powerpoint/2010/main" val="760554956"/>
+      </p:ext>
+    </p:extLst>
+  </p:cSld>
+  <p:clrMapOvr>
+    <a:masterClrMapping/>
+  </p:clrMapOvr>
+</p:sld>
+</file>
+
+<file path=ppt/slides/slide15.xml><?xml version="1.0" encoding="utf-8"?>
+<p:sld xmlns:a="http://schemas.openxmlformats.org/drawingml/2006/main" xmlns:r="http://schemas.openxmlformats.org/officeDocument/2006/relationships" xmlns:p="http://schemas.openxmlformats.org/presentationml/2006/main">
+  <p:cSld>
+    <p:spTree>
+      <p:nvGrpSpPr>
+        <p:cNvPr id="1" name=""/>
+        <p:cNvGrpSpPr/>
+        <p:nvPr/>
+      </p:nvGrpSpPr>
+      <p:grpSpPr>
+        <a:xfrm>
+          <a:off x="0" y="0"/>
+          <a:ext cx="0" cy="0"/>
+          <a:chOff x="0" y="0"/>
+          <a:chExt cx="0" cy="0"/>
+        </a:xfrm>
+      </p:grpSpPr>
+      <p:sp>
+        <p:nvSpPr>
+          <p:cNvPr id="2" name="Title 1">
+            <a:extLst>
+              <a:ext uri="{FF2B5EF4-FFF2-40B4-BE49-F238E27FC236}">
                 <a16:creationId xmlns:a16="http://schemas.microsoft.com/office/drawing/2014/main" id="{C5C1662A-C68A-4CC0-BAF8-1260B4F261A7}"/>
               </a:ext>
             </a:extLst>
@@ -14507,7 +16969,7 @@
                   <a:spcPts val="600"/>
                 </a:spcAft>
               </a:pPr>
-              <a:t>10</a:t>
+              <a:t>15</a:t>
             </a:fld>
             <a:endParaRPr lang="en-US"/>
           </a:p>
@@ -15168,6 +17630,1641 @@
 <file path=ppt/slides/slide5.xml><?xml version="1.0" encoding="utf-8"?>
 <p:sld xmlns:a="http://schemas.openxmlformats.org/drawingml/2006/main" xmlns:r="http://schemas.openxmlformats.org/officeDocument/2006/relationships" xmlns:p="http://schemas.openxmlformats.org/presentationml/2006/main">
   <p:cSld>
+    <p:bg>
+      <p:bgPr>
+        <a:solidFill>
+          <a:schemeClr val="bg1"/>
+        </a:solidFill>
+        <a:effectLst/>
+      </p:bgPr>
+    </p:bg>
+    <p:spTree>
+      <p:nvGrpSpPr>
+        <p:cNvPr id="1" name=""/>
+        <p:cNvGrpSpPr/>
+        <p:nvPr/>
+      </p:nvGrpSpPr>
+      <p:grpSpPr>
+        <a:xfrm>
+          <a:off x="0" y="0"/>
+          <a:ext cx="0" cy="0"/>
+          <a:chOff x="0" y="0"/>
+          <a:chExt cx="0" cy="0"/>
+        </a:xfrm>
+      </p:grpSpPr>
+      <p:grpSp>
+        <p:nvGrpSpPr>
+          <p:cNvPr id="52" name="Group 51">
+            <a:extLst>
+              <a:ext uri="{FF2B5EF4-FFF2-40B4-BE49-F238E27FC236}">
+                <a16:creationId xmlns:a16="http://schemas.microsoft.com/office/drawing/2014/main" id="{DDE8DE2B-61C1-46D5-BEB8-521321C182C4}"/>
+              </a:ext>
+              <a:ext uri="{C183D7F6-B498-43B3-948B-1728B52AA6E4}">
+                <adec:decorative xmlns:adec="http://schemas.microsoft.com/office/drawing/2017/decorative" val="1"/>
+              </a:ext>
+            </a:extLst>
+          </p:cNvPr>
+          <p:cNvGrpSpPr>
+            <a:grpSpLocks noGrp="1" noUngrp="1" noRot="1" noChangeAspect="1" noMove="1" noResize="1"/>
+          </p:cNvGrpSpPr>
+          <p:nvPr>
+            <p:extLst>
+              <p:ext uri="{386F3935-93C4-4BCD-93E2-E3B085C9AB24}">
+                <p16:designElem xmlns:p16="http://schemas.microsoft.com/office/powerpoint/2015/main" val="1"/>
+              </p:ext>
+            </p:extLst>
+          </p:nvPr>
+        </p:nvGrpSpPr>
+        <p:grpSpPr>
+          <a:xfrm>
+            <a:off x="0" y="-8467"/>
+            <a:ext cx="12192000" cy="6866467"/>
+            <a:chOff x="0" y="-8467"/>
+            <a:chExt cx="12192000" cy="6866467"/>
+          </a:xfrm>
+        </p:grpSpPr>
+        <p:cxnSp>
+          <p:nvCxnSpPr>
+            <p:cNvPr id="53" name="Straight Connector 52">
+              <a:extLst>
+                <a:ext uri="{FF2B5EF4-FFF2-40B4-BE49-F238E27FC236}">
+                  <a16:creationId xmlns:a16="http://schemas.microsoft.com/office/drawing/2014/main" id="{E012C92A-B902-4B69-BDCF-CCA3021FCB47}"/>
+                </a:ext>
+                <a:ext uri="{C183D7F6-B498-43B3-948B-1728B52AA6E4}">
+                  <adec:decorative xmlns:adec="http://schemas.microsoft.com/office/drawing/2017/decorative" val="1"/>
+                </a:ext>
+              </a:extLst>
+            </p:cNvPr>
+            <p:cNvCxnSpPr/>
+            <p:nvPr>
+              <p:extLst>
+                <p:ext uri="{386F3935-93C4-4BCD-93E2-E3B085C9AB24}">
+                  <p16:designElem xmlns:p16="http://schemas.microsoft.com/office/powerpoint/2015/main" val="1"/>
+                </p:ext>
+              </p:extLst>
+            </p:nvPr>
+          </p:nvCxnSpPr>
+          <p:spPr>
+            <a:xfrm>
+              <a:off x="9371012" y="0"/>
+              <a:ext cx="1219200" cy="6858000"/>
+            </a:xfrm>
+            <a:prstGeom prst="line">
+              <a:avLst/>
+            </a:prstGeom>
+            <a:ln w="9525">
+              <a:solidFill>
+                <a:schemeClr val="bg1">
+                  <a:lumMod val="75000"/>
+                </a:schemeClr>
+              </a:solidFill>
+            </a:ln>
+          </p:spPr>
+          <p:style>
+            <a:lnRef idx="2">
+              <a:schemeClr val="accent1"/>
+            </a:lnRef>
+            <a:fillRef idx="0">
+              <a:schemeClr val="accent1"/>
+            </a:fillRef>
+            <a:effectRef idx="1">
+              <a:schemeClr val="accent1"/>
+            </a:effectRef>
+            <a:fontRef idx="minor">
+              <a:schemeClr val="tx1"/>
+            </a:fontRef>
+          </p:style>
+        </p:cxnSp>
+        <p:cxnSp>
+          <p:nvCxnSpPr>
+            <p:cNvPr id="54" name="Straight Connector 53">
+              <a:extLst>
+                <a:ext uri="{FF2B5EF4-FFF2-40B4-BE49-F238E27FC236}">
+                  <a16:creationId xmlns:a16="http://schemas.microsoft.com/office/drawing/2014/main" id="{A2BDBC14-42A0-4182-BFBA-0751F6350CB3}"/>
+                </a:ext>
+                <a:ext uri="{C183D7F6-B498-43B3-948B-1728B52AA6E4}">
+                  <adec:decorative xmlns:adec="http://schemas.microsoft.com/office/drawing/2017/decorative" val="1"/>
+                </a:ext>
+              </a:extLst>
+            </p:cNvPr>
+            <p:cNvCxnSpPr/>
+            <p:nvPr>
+              <p:extLst>
+                <p:ext uri="{386F3935-93C4-4BCD-93E2-E3B085C9AB24}">
+                  <p16:designElem xmlns:p16="http://schemas.microsoft.com/office/powerpoint/2015/main" val="1"/>
+                </p:ext>
+              </p:extLst>
+            </p:nvPr>
+          </p:nvCxnSpPr>
+          <p:spPr>
+            <a:xfrm flipH="1">
+              <a:off x="7425267" y="3681413"/>
+              <a:ext cx="4763558" cy="3176587"/>
+            </a:xfrm>
+            <a:prstGeom prst="line">
+              <a:avLst/>
+            </a:prstGeom>
+            <a:ln w="9525">
+              <a:solidFill>
+                <a:schemeClr val="bg1">
+                  <a:lumMod val="85000"/>
+                </a:schemeClr>
+              </a:solidFill>
+            </a:ln>
+          </p:spPr>
+          <p:style>
+            <a:lnRef idx="2">
+              <a:schemeClr val="accent1"/>
+            </a:lnRef>
+            <a:fillRef idx="0">
+              <a:schemeClr val="accent1"/>
+            </a:fillRef>
+            <a:effectRef idx="1">
+              <a:schemeClr val="accent1"/>
+            </a:effectRef>
+            <a:fontRef idx="minor">
+              <a:schemeClr val="tx1"/>
+            </a:fontRef>
+          </p:style>
+        </p:cxnSp>
+        <p:sp>
+          <p:nvSpPr>
+            <p:cNvPr id="55" name="Rectangle 23">
+              <a:extLst>
+                <a:ext uri="{FF2B5EF4-FFF2-40B4-BE49-F238E27FC236}">
+                  <a16:creationId xmlns:a16="http://schemas.microsoft.com/office/drawing/2014/main" id="{902DC474-5BCC-4188-ACDC-AD63E6B187EC}"/>
+                </a:ext>
+                <a:ext uri="{C183D7F6-B498-43B3-948B-1728B52AA6E4}">
+                  <adec:decorative xmlns:adec="http://schemas.microsoft.com/office/drawing/2017/decorative" val="1"/>
+                </a:ext>
+              </a:extLst>
+            </p:cNvPr>
+            <p:cNvSpPr/>
+            <p:nvPr>
+              <p:extLst>
+                <p:ext uri="{386F3935-93C4-4BCD-93E2-E3B085C9AB24}">
+                  <p16:designElem xmlns:p16="http://schemas.microsoft.com/office/powerpoint/2015/main" val="1"/>
+                </p:ext>
+              </p:extLst>
+            </p:nvPr>
+          </p:nvSpPr>
+          <p:spPr>
+            <a:xfrm>
+              <a:off x="9181476" y="-8467"/>
+              <a:ext cx="3007349" cy="6866467"/>
+            </a:xfrm>
+            <a:custGeom>
+              <a:avLst/>
+              <a:gdLst/>
+              <a:ahLst/>
+              <a:cxnLst/>
+              <a:rect l="l" t="t" r="r" b="b"/>
+              <a:pathLst>
+                <a:path w="3007349" h="6866467">
+                  <a:moveTo>
+                    <a:pt x="2045532" y="0"/>
+                  </a:moveTo>
+                  <a:lnTo>
+                    <a:pt x="3007349" y="0"/>
+                  </a:lnTo>
+                  <a:lnTo>
+                    <a:pt x="3007349" y="6866467"/>
+                  </a:lnTo>
+                  <a:lnTo>
+                    <a:pt x="0" y="6866467"/>
+                  </a:lnTo>
+                  <a:lnTo>
+                    <a:pt x="2045532" y="0"/>
+                  </a:lnTo>
+                  <a:close/>
+                </a:path>
+              </a:pathLst>
+            </a:custGeom>
+            <a:solidFill>
+              <a:schemeClr val="accent1">
+                <a:alpha val="30000"/>
+              </a:schemeClr>
+            </a:solidFill>
+            <a:ln>
+              <a:noFill/>
+            </a:ln>
+            <a:effectLst/>
+          </p:spPr>
+          <p:style>
+            <a:lnRef idx="1">
+              <a:schemeClr val="accent1"/>
+            </a:lnRef>
+            <a:fillRef idx="3">
+              <a:schemeClr val="accent1"/>
+            </a:fillRef>
+            <a:effectRef idx="2">
+              <a:schemeClr val="accent1"/>
+            </a:effectRef>
+            <a:fontRef idx="minor">
+              <a:schemeClr val="lt1"/>
+            </a:fontRef>
+          </p:style>
+        </p:sp>
+        <p:sp>
+          <p:nvSpPr>
+            <p:cNvPr id="56" name="Rectangle 25">
+              <a:extLst>
+                <a:ext uri="{FF2B5EF4-FFF2-40B4-BE49-F238E27FC236}">
+                  <a16:creationId xmlns:a16="http://schemas.microsoft.com/office/drawing/2014/main" id="{7B427019-8592-4032-931B-4F27104C9DE2}"/>
+                </a:ext>
+                <a:ext uri="{C183D7F6-B498-43B3-948B-1728B52AA6E4}">
+                  <adec:decorative xmlns:adec="http://schemas.microsoft.com/office/drawing/2017/decorative" val="1"/>
+                </a:ext>
+              </a:extLst>
+            </p:cNvPr>
+            <p:cNvSpPr/>
+            <p:nvPr>
+              <p:extLst>
+                <p:ext uri="{386F3935-93C4-4BCD-93E2-E3B085C9AB24}">
+                  <p16:designElem xmlns:p16="http://schemas.microsoft.com/office/powerpoint/2015/main" val="1"/>
+                </p:ext>
+              </p:extLst>
+            </p:nvPr>
+          </p:nvSpPr>
+          <p:spPr>
+            <a:xfrm>
+              <a:off x="9603442" y="-8467"/>
+              <a:ext cx="2588558" cy="6866467"/>
+            </a:xfrm>
+            <a:custGeom>
+              <a:avLst/>
+              <a:gdLst/>
+              <a:ahLst/>
+              <a:cxnLst/>
+              <a:rect l="l" t="t" r="r" b="b"/>
+              <a:pathLst>
+                <a:path w="2573311" h="6866467">
+                  <a:moveTo>
+                    <a:pt x="0" y="0"/>
+                  </a:moveTo>
+                  <a:lnTo>
+                    <a:pt x="2573311" y="0"/>
+                  </a:lnTo>
+                  <a:lnTo>
+                    <a:pt x="2573311" y="6866467"/>
+                  </a:lnTo>
+                  <a:lnTo>
+                    <a:pt x="1202336" y="6866467"/>
+                  </a:lnTo>
+                  <a:lnTo>
+                    <a:pt x="0" y="0"/>
+                  </a:lnTo>
+                  <a:close/>
+                </a:path>
+              </a:pathLst>
+            </a:custGeom>
+            <a:solidFill>
+              <a:schemeClr val="accent1">
+                <a:alpha val="20000"/>
+              </a:schemeClr>
+            </a:solidFill>
+            <a:ln>
+              <a:noFill/>
+            </a:ln>
+            <a:effectLst/>
+          </p:spPr>
+          <p:style>
+            <a:lnRef idx="1">
+              <a:schemeClr val="accent1"/>
+            </a:lnRef>
+            <a:fillRef idx="3">
+              <a:schemeClr val="accent1"/>
+            </a:fillRef>
+            <a:effectRef idx="2">
+              <a:schemeClr val="accent1"/>
+            </a:effectRef>
+            <a:fontRef idx="minor">
+              <a:schemeClr val="lt1"/>
+            </a:fontRef>
+          </p:style>
+        </p:sp>
+        <p:sp>
+          <p:nvSpPr>
+            <p:cNvPr id="57" name="Isosceles Triangle 56">
+              <a:extLst>
+                <a:ext uri="{FF2B5EF4-FFF2-40B4-BE49-F238E27FC236}">
+                  <a16:creationId xmlns:a16="http://schemas.microsoft.com/office/drawing/2014/main" id="{1D6E2CEA-A5BB-4CF7-B907-AE4DBF6748EB}"/>
+                </a:ext>
+                <a:ext uri="{C183D7F6-B498-43B3-948B-1728B52AA6E4}">
+                  <adec:decorative xmlns:adec="http://schemas.microsoft.com/office/drawing/2017/decorative" val="1"/>
+                </a:ext>
+              </a:extLst>
+            </p:cNvPr>
+            <p:cNvSpPr/>
+            <p:nvPr>
+              <p:extLst>
+                <p:ext uri="{386F3935-93C4-4BCD-93E2-E3B085C9AB24}">
+                  <p16:designElem xmlns:p16="http://schemas.microsoft.com/office/powerpoint/2015/main" val="1"/>
+                </p:ext>
+              </p:extLst>
+            </p:nvPr>
+          </p:nvSpPr>
+          <p:spPr>
+            <a:xfrm>
+              <a:off x="8932333" y="3048000"/>
+              <a:ext cx="3259667" cy="3810000"/>
+            </a:xfrm>
+            <a:prstGeom prst="triangle">
+              <a:avLst>
+                <a:gd name="adj" fmla="val 100000"/>
+              </a:avLst>
+            </a:prstGeom>
+            <a:solidFill>
+              <a:schemeClr val="accent2">
+                <a:alpha val="72000"/>
+              </a:schemeClr>
+            </a:solidFill>
+            <a:ln>
+              <a:noFill/>
+            </a:ln>
+            <a:effectLst/>
+          </p:spPr>
+          <p:style>
+            <a:lnRef idx="1">
+              <a:schemeClr val="accent1"/>
+            </a:lnRef>
+            <a:fillRef idx="3">
+              <a:schemeClr val="accent1"/>
+            </a:fillRef>
+            <a:effectRef idx="2">
+              <a:schemeClr val="accent1"/>
+            </a:effectRef>
+            <a:fontRef idx="minor">
+              <a:schemeClr val="lt1"/>
+            </a:fontRef>
+          </p:style>
+        </p:sp>
+        <p:sp>
+          <p:nvSpPr>
+            <p:cNvPr id="58" name="Rectangle 27">
+              <a:extLst>
+                <a:ext uri="{FF2B5EF4-FFF2-40B4-BE49-F238E27FC236}">
+                  <a16:creationId xmlns:a16="http://schemas.microsoft.com/office/drawing/2014/main" id="{78D09D5A-29CC-4B32-9CE1-72E607558A6C}"/>
+                </a:ext>
+                <a:ext uri="{C183D7F6-B498-43B3-948B-1728B52AA6E4}">
+                  <adec:decorative xmlns:adec="http://schemas.microsoft.com/office/drawing/2017/decorative" val="1"/>
+                </a:ext>
+              </a:extLst>
+            </p:cNvPr>
+            <p:cNvSpPr/>
+            <p:nvPr>
+              <p:extLst>
+                <p:ext uri="{386F3935-93C4-4BCD-93E2-E3B085C9AB24}">
+                  <p16:designElem xmlns:p16="http://schemas.microsoft.com/office/powerpoint/2015/main" val="1"/>
+                </p:ext>
+              </p:extLst>
+            </p:nvPr>
+          </p:nvSpPr>
+          <p:spPr>
+            <a:xfrm>
+              <a:off x="9334500" y="-8467"/>
+              <a:ext cx="2854326" cy="6866467"/>
+            </a:xfrm>
+            <a:custGeom>
+              <a:avLst/>
+              <a:gdLst/>
+              <a:ahLst/>
+              <a:cxnLst/>
+              <a:rect l="l" t="t" r="r" b="b"/>
+              <a:pathLst>
+                <a:path w="2858013" h="6866467">
+                  <a:moveTo>
+                    <a:pt x="0" y="0"/>
+                  </a:moveTo>
+                  <a:lnTo>
+                    <a:pt x="2858013" y="0"/>
+                  </a:lnTo>
+                  <a:lnTo>
+                    <a:pt x="2858013" y="6866467"/>
+                  </a:lnTo>
+                  <a:lnTo>
+                    <a:pt x="2473942" y="6866467"/>
+                  </a:lnTo>
+                  <a:lnTo>
+                    <a:pt x="0" y="0"/>
+                  </a:lnTo>
+                  <a:close/>
+                </a:path>
+              </a:pathLst>
+            </a:custGeom>
+            <a:solidFill>
+              <a:schemeClr val="accent2">
+                <a:lumMod val="75000"/>
+                <a:alpha val="70000"/>
+              </a:schemeClr>
+            </a:solidFill>
+            <a:ln>
+              <a:noFill/>
+            </a:ln>
+            <a:effectLst/>
+          </p:spPr>
+          <p:style>
+            <a:lnRef idx="1">
+              <a:schemeClr val="accent1"/>
+            </a:lnRef>
+            <a:fillRef idx="3">
+              <a:schemeClr val="accent1"/>
+            </a:fillRef>
+            <a:effectRef idx="2">
+              <a:schemeClr val="accent1"/>
+            </a:effectRef>
+            <a:fontRef idx="minor">
+              <a:schemeClr val="lt1"/>
+            </a:fontRef>
+          </p:style>
+        </p:sp>
+        <p:sp>
+          <p:nvSpPr>
+            <p:cNvPr id="59" name="Rectangle 28">
+              <a:extLst>
+                <a:ext uri="{FF2B5EF4-FFF2-40B4-BE49-F238E27FC236}">
+                  <a16:creationId xmlns:a16="http://schemas.microsoft.com/office/drawing/2014/main" id="{6DF3A3FC-950B-40B0-923D-0F0BC1A54204}"/>
+                </a:ext>
+                <a:ext uri="{C183D7F6-B498-43B3-948B-1728B52AA6E4}">
+                  <adec:decorative xmlns:adec="http://schemas.microsoft.com/office/drawing/2017/decorative" val="1"/>
+                </a:ext>
+              </a:extLst>
+            </p:cNvPr>
+            <p:cNvSpPr/>
+            <p:nvPr>
+              <p:extLst>
+                <p:ext uri="{386F3935-93C4-4BCD-93E2-E3B085C9AB24}">
+                  <p16:designElem xmlns:p16="http://schemas.microsoft.com/office/powerpoint/2015/main" val="1"/>
+                </p:ext>
+              </p:extLst>
+            </p:nvPr>
+          </p:nvSpPr>
+          <p:spPr>
+            <a:xfrm>
+              <a:off x="10898730" y="-8467"/>
+              <a:ext cx="1290094" cy="6866467"/>
+            </a:xfrm>
+            <a:custGeom>
+              <a:avLst/>
+              <a:gdLst/>
+              <a:ahLst/>
+              <a:cxnLst/>
+              <a:rect l="l" t="t" r="r" b="b"/>
+              <a:pathLst>
+                <a:path w="1290094" h="6858000">
+                  <a:moveTo>
+                    <a:pt x="1019735" y="0"/>
+                  </a:moveTo>
+                  <a:lnTo>
+                    <a:pt x="1290094" y="0"/>
+                  </a:lnTo>
+                  <a:lnTo>
+                    <a:pt x="1290094" y="6858000"/>
+                  </a:lnTo>
+                  <a:lnTo>
+                    <a:pt x="0" y="6858000"/>
+                  </a:lnTo>
+                  <a:lnTo>
+                    <a:pt x="1019735" y="0"/>
+                  </a:lnTo>
+                  <a:close/>
+                </a:path>
+              </a:pathLst>
+            </a:custGeom>
+            <a:solidFill>
+              <a:schemeClr val="accent1">
+                <a:lumMod val="60000"/>
+                <a:lumOff val="40000"/>
+                <a:alpha val="70000"/>
+              </a:schemeClr>
+            </a:solidFill>
+            <a:ln>
+              <a:noFill/>
+            </a:ln>
+            <a:effectLst/>
+          </p:spPr>
+          <p:style>
+            <a:lnRef idx="1">
+              <a:schemeClr val="accent1"/>
+            </a:lnRef>
+            <a:fillRef idx="3">
+              <a:schemeClr val="accent1"/>
+            </a:fillRef>
+            <a:effectRef idx="2">
+              <a:schemeClr val="accent1"/>
+            </a:effectRef>
+            <a:fontRef idx="minor">
+              <a:schemeClr val="lt1"/>
+            </a:fontRef>
+          </p:style>
+        </p:sp>
+        <p:sp>
+          <p:nvSpPr>
+            <p:cNvPr id="60" name="Rectangle 29">
+              <a:extLst>
+                <a:ext uri="{FF2B5EF4-FFF2-40B4-BE49-F238E27FC236}">
+                  <a16:creationId xmlns:a16="http://schemas.microsoft.com/office/drawing/2014/main" id="{BCA0F2E1-CD3D-4521-9CCB-41A5CC6C543E}"/>
+                </a:ext>
+                <a:ext uri="{C183D7F6-B498-43B3-948B-1728B52AA6E4}">
+                  <adec:decorative xmlns:adec="http://schemas.microsoft.com/office/drawing/2017/decorative" val="1"/>
+                </a:ext>
+              </a:extLst>
+            </p:cNvPr>
+            <p:cNvSpPr/>
+            <p:nvPr>
+              <p:extLst>
+                <p:ext uri="{386F3935-93C4-4BCD-93E2-E3B085C9AB24}">
+                  <p16:designElem xmlns:p16="http://schemas.microsoft.com/office/powerpoint/2015/main" val="1"/>
+                </p:ext>
+              </p:extLst>
+            </p:nvPr>
+          </p:nvSpPr>
+          <p:spPr>
+            <a:xfrm>
+              <a:off x="10938999" y="-8467"/>
+              <a:ext cx="1249825" cy="6866467"/>
+            </a:xfrm>
+            <a:custGeom>
+              <a:avLst/>
+              <a:gdLst/>
+              <a:ahLst/>
+              <a:cxnLst/>
+              <a:rect l="l" t="t" r="r" b="b"/>
+              <a:pathLst>
+                <a:path w="1249825" h="6858000">
+                  <a:moveTo>
+                    <a:pt x="0" y="0"/>
+                  </a:moveTo>
+                  <a:lnTo>
+                    <a:pt x="1249825" y="0"/>
+                  </a:lnTo>
+                  <a:lnTo>
+                    <a:pt x="1249825" y="6858000"/>
+                  </a:lnTo>
+                  <a:lnTo>
+                    <a:pt x="1109382" y="6858000"/>
+                  </a:lnTo>
+                  <a:lnTo>
+                    <a:pt x="0" y="0"/>
+                  </a:lnTo>
+                  <a:close/>
+                </a:path>
+              </a:pathLst>
+            </a:custGeom>
+            <a:solidFill>
+              <a:schemeClr val="accent1">
+                <a:alpha val="65000"/>
+              </a:schemeClr>
+            </a:solidFill>
+            <a:ln>
+              <a:noFill/>
+            </a:ln>
+            <a:effectLst/>
+          </p:spPr>
+          <p:style>
+            <a:lnRef idx="1">
+              <a:schemeClr val="accent1"/>
+            </a:lnRef>
+            <a:fillRef idx="3">
+              <a:schemeClr val="accent1"/>
+            </a:fillRef>
+            <a:effectRef idx="2">
+              <a:schemeClr val="accent1"/>
+            </a:effectRef>
+            <a:fontRef idx="minor">
+              <a:schemeClr val="lt1"/>
+            </a:fontRef>
+          </p:style>
+        </p:sp>
+        <p:sp>
+          <p:nvSpPr>
+            <p:cNvPr id="61" name="Isosceles Triangle 60">
+              <a:extLst>
+                <a:ext uri="{FF2B5EF4-FFF2-40B4-BE49-F238E27FC236}">
+                  <a16:creationId xmlns:a16="http://schemas.microsoft.com/office/drawing/2014/main" id="{9BA4F16A-21DC-462A-AD37-0A93C8B79E1E}"/>
+                </a:ext>
+                <a:ext uri="{C183D7F6-B498-43B3-948B-1728B52AA6E4}">
+                  <adec:decorative xmlns:adec="http://schemas.microsoft.com/office/drawing/2017/decorative" val="1"/>
+                </a:ext>
+              </a:extLst>
+            </p:cNvPr>
+            <p:cNvSpPr/>
+            <p:nvPr>
+              <p:extLst>
+                <p:ext uri="{386F3935-93C4-4BCD-93E2-E3B085C9AB24}">
+                  <p16:designElem xmlns:p16="http://schemas.microsoft.com/office/powerpoint/2015/main" val="1"/>
+                </p:ext>
+              </p:extLst>
+            </p:nvPr>
+          </p:nvSpPr>
+          <p:spPr>
+            <a:xfrm>
+              <a:off x="10371666" y="3589867"/>
+              <a:ext cx="1817159" cy="3268133"/>
+            </a:xfrm>
+            <a:prstGeom prst="triangle">
+              <a:avLst>
+                <a:gd name="adj" fmla="val 100000"/>
+              </a:avLst>
+            </a:prstGeom>
+            <a:solidFill>
+              <a:schemeClr val="accent1">
+                <a:alpha val="80000"/>
+              </a:schemeClr>
+            </a:solidFill>
+            <a:ln>
+              <a:noFill/>
+            </a:ln>
+            <a:effectLst/>
+          </p:spPr>
+          <p:style>
+            <a:lnRef idx="1">
+              <a:schemeClr val="accent1"/>
+            </a:lnRef>
+            <a:fillRef idx="3">
+              <a:schemeClr val="accent1"/>
+            </a:fillRef>
+            <a:effectRef idx="2">
+              <a:schemeClr val="accent1"/>
+            </a:effectRef>
+            <a:fontRef idx="minor">
+              <a:schemeClr val="lt1"/>
+            </a:fontRef>
+          </p:style>
+        </p:sp>
+        <p:sp>
+          <p:nvSpPr>
+            <p:cNvPr id="62" name="Isosceles Triangle 61">
+              <a:extLst>
+                <a:ext uri="{FF2B5EF4-FFF2-40B4-BE49-F238E27FC236}">
+                  <a16:creationId xmlns:a16="http://schemas.microsoft.com/office/drawing/2014/main" id="{FB75EBDD-038D-4572-A372-114938295706}"/>
+                </a:ext>
+                <a:ext uri="{C183D7F6-B498-43B3-948B-1728B52AA6E4}">
+                  <adec:decorative xmlns:adec="http://schemas.microsoft.com/office/drawing/2017/decorative" val="1"/>
+                </a:ext>
+              </a:extLst>
+            </p:cNvPr>
+            <p:cNvSpPr/>
+            <p:nvPr>
+              <p:extLst>
+                <p:ext uri="{386F3935-93C4-4BCD-93E2-E3B085C9AB24}">
+                  <p16:designElem xmlns:p16="http://schemas.microsoft.com/office/powerpoint/2015/main" val="1"/>
+                </p:ext>
+              </p:extLst>
+            </p:nvPr>
+          </p:nvSpPr>
+          <p:spPr>
+            <a:xfrm>
+              <a:off x="0" y="4013200"/>
+              <a:ext cx="448733" cy="2844800"/>
+            </a:xfrm>
+            <a:prstGeom prst="triangle">
+              <a:avLst>
+                <a:gd name="adj" fmla="val 0"/>
+              </a:avLst>
+            </a:prstGeom>
+            <a:solidFill>
+              <a:schemeClr val="accent1">
+                <a:alpha val="85000"/>
+              </a:schemeClr>
+            </a:solidFill>
+            <a:ln>
+              <a:noFill/>
+            </a:ln>
+            <a:effectLst/>
+          </p:spPr>
+          <p:style>
+            <a:lnRef idx="1">
+              <a:schemeClr val="accent1"/>
+            </a:lnRef>
+            <a:fillRef idx="3">
+              <a:schemeClr val="accent1"/>
+            </a:fillRef>
+            <a:effectRef idx="2">
+              <a:schemeClr val="accent1"/>
+            </a:effectRef>
+            <a:fontRef idx="minor">
+              <a:schemeClr val="lt1"/>
+            </a:fontRef>
+          </p:style>
+        </p:sp>
+      </p:grpSp>
+      <p:sp>
+        <p:nvSpPr>
+          <p:cNvPr id="64" name="Rectangle 63">
+            <a:extLst>
+              <a:ext uri="{FF2B5EF4-FFF2-40B4-BE49-F238E27FC236}">
+                <a16:creationId xmlns:a16="http://schemas.microsoft.com/office/drawing/2014/main" id="{21029ED5-F105-4DD2-99C8-1E4422817978}"/>
+              </a:ext>
+              <a:ext uri="{C183D7F6-B498-43B3-948B-1728B52AA6E4}">
+                <adec:decorative xmlns:adec="http://schemas.microsoft.com/office/drawing/2017/decorative" val="1"/>
+              </a:ext>
+            </a:extLst>
+          </p:cNvPr>
+          <p:cNvSpPr>
+            <a:spLocks noGrp="1" noRot="1" noChangeAspect="1" noMove="1" noResize="1" noEditPoints="1" noAdjustHandles="1" noChangeArrowheads="1" noChangeShapeType="1" noTextEdit="1"/>
+          </p:cNvSpPr>
+          <p:nvPr>
+            <p:extLst>
+              <p:ext uri="{386F3935-93C4-4BCD-93E2-E3B085C9AB24}">
+                <p16:designElem xmlns:p16="http://schemas.microsoft.com/office/powerpoint/2015/main" val="1"/>
+              </p:ext>
+            </p:extLst>
+          </p:nvPr>
+        </p:nvSpPr>
+        <p:spPr>
+          <a:xfrm>
+            <a:off x="0" y="0"/>
+            <a:ext cx="12192000" cy="6858000"/>
+          </a:xfrm>
+          <a:prstGeom prst="rect">
+            <a:avLst/>
+          </a:prstGeom>
+          <a:ln>
+            <a:noFill/>
+          </a:ln>
+        </p:spPr>
+        <p:style>
+          <a:lnRef idx="2">
+            <a:schemeClr val="accent1">
+              <a:shade val="50000"/>
+            </a:schemeClr>
+          </a:lnRef>
+          <a:fillRef idx="1">
+            <a:schemeClr val="accent1"/>
+          </a:fillRef>
+          <a:effectRef idx="0">
+            <a:schemeClr val="accent1"/>
+          </a:effectRef>
+          <a:fontRef idx="minor">
+            <a:schemeClr val="lt1"/>
+          </a:fontRef>
+        </p:style>
+        <p:txBody>
+          <a:bodyPr rtlCol="0" anchor="ctr"/>
+          <a:lstStyle/>
+          <a:p>
+            <a:pPr algn="ctr"/>
+            <a:endParaRPr lang="en-US"/>
+          </a:p>
+        </p:txBody>
+      </p:sp>
+      <p:grpSp>
+        <p:nvGrpSpPr>
+          <p:cNvPr id="66" name="Group 65">
+            <a:extLst>
+              <a:ext uri="{FF2B5EF4-FFF2-40B4-BE49-F238E27FC236}">
+                <a16:creationId xmlns:a16="http://schemas.microsoft.com/office/drawing/2014/main" id="{2D621E68-BF28-4A1C-B1A2-4E55E139E79A}"/>
+              </a:ext>
+              <a:ext uri="{C183D7F6-B498-43B3-948B-1728B52AA6E4}">
+                <adec:decorative xmlns:adec="http://schemas.microsoft.com/office/drawing/2017/decorative" val="1"/>
+              </a:ext>
+            </a:extLst>
+          </p:cNvPr>
+          <p:cNvGrpSpPr>
+            <a:grpSpLocks noGrp="1" noUngrp="1" noRot="1" noChangeAspect="1" noMove="1" noResize="1"/>
+          </p:cNvGrpSpPr>
+          <p:nvPr>
+            <p:extLst>
+              <p:ext uri="{386F3935-93C4-4BCD-93E2-E3B085C9AB24}">
+                <p16:designElem xmlns:p16="http://schemas.microsoft.com/office/powerpoint/2015/main" val="1"/>
+              </p:ext>
+            </p:extLst>
+          </p:nvPr>
+        </p:nvGrpSpPr>
+        <p:grpSpPr>
+          <a:xfrm>
+            <a:off x="0" y="-8467"/>
+            <a:ext cx="12192000" cy="6866467"/>
+            <a:chOff x="0" y="-8467"/>
+            <a:chExt cx="12192000" cy="6866467"/>
+          </a:xfrm>
+        </p:grpSpPr>
+        <p:cxnSp>
+          <p:nvCxnSpPr>
+            <p:cNvPr id="67" name="Straight Connector 66">
+              <a:extLst>
+                <a:ext uri="{FF2B5EF4-FFF2-40B4-BE49-F238E27FC236}">
+                  <a16:creationId xmlns:a16="http://schemas.microsoft.com/office/drawing/2014/main" id="{BE8BBE4D-F0DF-49B9-B75A-99DAC53ACA77}"/>
+                </a:ext>
+                <a:ext uri="{C183D7F6-B498-43B3-948B-1728B52AA6E4}">
+                  <adec:decorative xmlns:adec="http://schemas.microsoft.com/office/drawing/2017/decorative" val="1"/>
+                </a:ext>
+              </a:extLst>
+            </p:cNvPr>
+            <p:cNvCxnSpPr/>
+            <p:nvPr>
+              <p:extLst>
+                <p:ext uri="{386F3935-93C4-4BCD-93E2-E3B085C9AB24}">
+                  <p16:designElem xmlns:p16="http://schemas.microsoft.com/office/powerpoint/2015/main" val="1"/>
+                </p:ext>
+              </p:extLst>
+            </p:nvPr>
+          </p:nvCxnSpPr>
+          <p:spPr>
+            <a:xfrm flipH="1">
+              <a:off x="7425267" y="3681413"/>
+              <a:ext cx="4763558" cy="3176587"/>
+            </a:xfrm>
+            <a:prstGeom prst="line">
+              <a:avLst/>
+            </a:prstGeom>
+            <a:ln w="9525">
+              <a:solidFill>
+                <a:schemeClr val="bg1">
+                  <a:lumMod val="85000"/>
+                </a:schemeClr>
+              </a:solidFill>
+            </a:ln>
+          </p:spPr>
+          <p:style>
+            <a:lnRef idx="2">
+              <a:schemeClr val="accent1"/>
+            </a:lnRef>
+            <a:fillRef idx="0">
+              <a:schemeClr val="accent1"/>
+            </a:fillRef>
+            <a:effectRef idx="1">
+              <a:schemeClr val="accent1"/>
+            </a:effectRef>
+            <a:fontRef idx="minor">
+              <a:schemeClr val="tx1"/>
+            </a:fontRef>
+          </p:style>
+        </p:cxnSp>
+        <p:sp>
+          <p:nvSpPr>
+            <p:cNvPr id="68" name="Rectangle 23">
+              <a:extLst>
+                <a:ext uri="{FF2B5EF4-FFF2-40B4-BE49-F238E27FC236}">
+                  <a16:creationId xmlns:a16="http://schemas.microsoft.com/office/drawing/2014/main" id="{E0F07DDC-34A6-46A1-9DE9-2BBE2931A55B}"/>
+                </a:ext>
+                <a:ext uri="{C183D7F6-B498-43B3-948B-1728B52AA6E4}">
+                  <adec:decorative xmlns:adec="http://schemas.microsoft.com/office/drawing/2017/decorative" val="1"/>
+                </a:ext>
+              </a:extLst>
+            </p:cNvPr>
+            <p:cNvSpPr/>
+            <p:nvPr>
+              <p:extLst>
+                <p:ext uri="{386F3935-93C4-4BCD-93E2-E3B085C9AB24}">
+                  <p16:designElem xmlns:p16="http://schemas.microsoft.com/office/powerpoint/2015/main" val="1"/>
+                </p:ext>
+              </p:extLst>
+            </p:nvPr>
+          </p:nvSpPr>
+          <p:spPr>
+            <a:xfrm>
+              <a:off x="9181476" y="-8467"/>
+              <a:ext cx="3007349" cy="6866467"/>
+            </a:xfrm>
+            <a:custGeom>
+              <a:avLst/>
+              <a:gdLst/>
+              <a:ahLst/>
+              <a:cxnLst/>
+              <a:rect l="l" t="t" r="r" b="b"/>
+              <a:pathLst>
+                <a:path w="3007349" h="6866467">
+                  <a:moveTo>
+                    <a:pt x="2045532" y="0"/>
+                  </a:moveTo>
+                  <a:lnTo>
+                    <a:pt x="3007349" y="0"/>
+                  </a:lnTo>
+                  <a:lnTo>
+                    <a:pt x="3007349" y="6866467"/>
+                  </a:lnTo>
+                  <a:lnTo>
+                    <a:pt x="0" y="6866467"/>
+                  </a:lnTo>
+                  <a:lnTo>
+                    <a:pt x="2045532" y="0"/>
+                  </a:lnTo>
+                  <a:close/>
+                </a:path>
+              </a:pathLst>
+            </a:custGeom>
+            <a:solidFill>
+              <a:schemeClr val="accent1">
+                <a:alpha val="30000"/>
+              </a:schemeClr>
+            </a:solidFill>
+            <a:ln>
+              <a:noFill/>
+            </a:ln>
+            <a:effectLst/>
+          </p:spPr>
+          <p:style>
+            <a:lnRef idx="1">
+              <a:schemeClr val="accent1"/>
+            </a:lnRef>
+            <a:fillRef idx="3">
+              <a:schemeClr val="accent1"/>
+            </a:fillRef>
+            <a:effectRef idx="2">
+              <a:schemeClr val="accent1"/>
+            </a:effectRef>
+            <a:fontRef idx="minor">
+              <a:schemeClr val="lt1"/>
+            </a:fontRef>
+          </p:style>
+        </p:sp>
+        <p:sp>
+          <p:nvSpPr>
+            <p:cNvPr id="69" name="Rectangle 25">
+              <a:extLst>
+                <a:ext uri="{FF2B5EF4-FFF2-40B4-BE49-F238E27FC236}">
+                  <a16:creationId xmlns:a16="http://schemas.microsoft.com/office/drawing/2014/main" id="{2CEB2BF9-B8DB-45B9-86EA-D197B5B1AEFF}"/>
+                </a:ext>
+                <a:ext uri="{C183D7F6-B498-43B3-948B-1728B52AA6E4}">
+                  <adec:decorative xmlns:adec="http://schemas.microsoft.com/office/drawing/2017/decorative" val="1"/>
+                </a:ext>
+              </a:extLst>
+            </p:cNvPr>
+            <p:cNvSpPr/>
+            <p:nvPr>
+              <p:extLst>
+                <p:ext uri="{386F3935-93C4-4BCD-93E2-E3B085C9AB24}">
+                  <p16:designElem xmlns:p16="http://schemas.microsoft.com/office/powerpoint/2015/main" val="1"/>
+                </p:ext>
+              </p:extLst>
+            </p:nvPr>
+          </p:nvSpPr>
+          <p:spPr>
+            <a:xfrm>
+              <a:off x="9603442" y="-8467"/>
+              <a:ext cx="2588558" cy="6866467"/>
+            </a:xfrm>
+            <a:custGeom>
+              <a:avLst/>
+              <a:gdLst/>
+              <a:ahLst/>
+              <a:cxnLst/>
+              <a:rect l="l" t="t" r="r" b="b"/>
+              <a:pathLst>
+                <a:path w="2573311" h="6866467">
+                  <a:moveTo>
+                    <a:pt x="0" y="0"/>
+                  </a:moveTo>
+                  <a:lnTo>
+                    <a:pt x="2573311" y="0"/>
+                  </a:lnTo>
+                  <a:lnTo>
+                    <a:pt x="2573311" y="6866467"/>
+                  </a:lnTo>
+                  <a:lnTo>
+                    <a:pt x="1202336" y="6866467"/>
+                  </a:lnTo>
+                  <a:lnTo>
+                    <a:pt x="0" y="0"/>
+                  </a:lnTo>
+                  <a:close/>
+                </a:path>
+              </a:pathLst>
+            </a:custGeom>
+            <a:solidFill>
+              <a:schemeClr val="accent1">
+                <a:alpha val="20000"/>
+              </a:schemeClr>
+            </a:solidFill>
+            <a:ln>
+              <a:noFill/>
+            </a:ln>
+            <a:effectLst/>
+          </p:spPr>
+          <p:style>
+            <a:lnRef idx="1">
+              <a:schemeClr val="accent1"/>
+            </a:lnRef>
+            <a:fillRef idx="3">
+              <a:schemeClr val="accent1"/>
+            </a:fillRef>
+            <a:effectRef idx="2">
+              <a:schemeClr val="accent1"/>
+            </a:effectRef>
+            <a:fontRef idx="minor">
+              <a:schemeClr val="lt1"/>
+            </a:fontRef>
+          </p:style>
+        </p:sp>
+        <p:sp>
+          <p:nvSpPr>
+            <p:cNvPr id="70" name="Isosceles Triangle 69">
+              <a:extLst>
+                <a:ext uri="{FF2B5EF4-FFF2-40B4-BE49-F238E27FC236}">
+                  <a16:creationId xmlns:a16="http://schemas.microsoft.com/office/drawing/2014/main" id="{08B5BB34-3801-4E70-A981-FE007635E11D}"/>
+                </a:ext>
+                <a:ext uri="{C183D7F6-B498-43B3-948B-1728B52AA6E4}">
+                  <adec:decorative xmlns:adec="http://schemas.microsoft.com/office/drawing/2017/decorative" val="1"/>
+                </a:ext>
+              </a:extLst>
+            </p:cNvPr>
+            <p:cNvSpPr/>
+            <p:nvPr>
+              <p:extLst>
+                <p:ext uri="{386F3935-93C4-4BCD-93E2-E3B085C9AB24}">
+                  <p16:designElem xmlns:p16="http://schemas.microsoft.com/office/powerpoint/2015/main" val="1"/>
+                </p:ext>
+              </p:extLst>
+            </p:nvPr>
+          </p:nvSpPr>
+          <p:spPr>
+            <a:xfrm>
+              <a:off x="8932333" y="3048000"/>
+              <a:ext cx="3259667" cy="3810000"/>
+            </a:xfrm>
+            <a:prstGeom prst="triangle">
+              <a:avLst>
+                <a:gd name="adj" fmla="val 100000"/>
+              </a:avLst>
+            </a:prstGeom>
+            <a:solidFill>
+              <a:schemeClr val="accent2">
+                <a:alpha val="72000"/>
+              </a:schemeClr>
+            </a:solidFill>
+            <a:ln>
+              <a:noFill/>
+            </a:ln>
+            <a:effectLst/>
+          </p:spPr>
+          <p:style>
+            <a:lnRef idx="1">
+              <a:schemeClr val="accent1"/>
+            </a:lnRef>
+            <a:fillRef idx="3">
+              <a:schemeClr val="accent1"/>
+            </a:fillRef>
+            <a:effectRef idx="2">
+              <a:schemeClr val="accent1"/>
+            </a:effectRef>
+            <a:fontRef idx="minor">
+              <a:schemeClr val="lt1"/>
+            </a:fontRef>
+          </p:style>
+        </p:sp>
+        <p:sp>
+          <p:nvSpPr>
+            <p:cNvPr id="71" name="Rectangle 27">
+              <a:extLst>
+                <a:ext uri="{FF2B5EF4-FFF2-40B4-BE49-F238E27FC236}">
+                  <a16:creationId xmlns:a16="http://schemas.microsoft.com/office/drawing/2014/main" id="{38432A75-2CEB-463C-A8F2-ABB50A79F444}"/>
+                </a:ext>
+                <a:ext uri="{C183D7F6-B498-43B3-948B-1728B52AA6E4}">
+                  <adec:decorative xmlns:adec="http://schemas.microsoft.com/office/drawing/2017/decorative" val="1"/>
+                </a:ext>
+              </a:extLst>
+            </p:cNvPr>
+            <p:cNvSpPr/>
+            <p:nvPr>
+              <p:extLst>
+                <p:ext uri="{386F3935-93C4-4BCD-93E2-E3B085C9AB24}">
+                  <p16:designElem xmlns:p16="http://schemas.microsoft.com/office/powerpoint/2015/main" val="1"/>
+                </p:ext>
+              </p:extLst>
+            </p:nvPr>
+          </p:nvSpPr>
+          <p:spPr>
+            <a:xfrm>
+              <a:off x="9334500" y="-8467"/>
+              <a:ext cx="2854326" cy="6866467"/>
+            </a:xfrm>
+            <a:custGeom>
+              <a:avLst/>
+              <a:gdLst/>
+              <a:ahLst/>
+              <a:cxnLst/>
+              <a:rect l="l" t="t" r="r" b="b"/>
+              <a:pathLst>
+                <a:path w="2858013" h="6866467">
+                  <a:moveTo>
+                    <a:pt x="0" y="0"/>
+                  </a:moveTo>
+                  <a:lnTo>
+                    <a:pt x="2858013" y="0"/>
+                  </a:lnTo>
+                  <a:lnTo>
+                    <a:pt x="2858013" y="6866467"/>
+                  </a:lnTo>
+                  <a:lnTo>
+                    <a:pt x="2473942" y="6866467"/>
+                  </a:lnTo>
+                  <a:lnTo>
+                    <a:pt x="0" y="0"/>
+                  </a:lnTo>
+                  <a:close/>
+                </a:path>
+              </a:pathLst>
+            </a:custGeom>
+            <a:solidFill>
+              <a:schemeClr val="accent2">
+                <a:lumMod val="75000"/>
+                <a:alpha val="70000"/>
+              </a:schemeClr>
+            </a:solidFill>
+            <a:ln>
+              <a:noFill/>
+            </a:ln>
+            <a:effectLst/>
+          </p:spPr>
+          <p:style>
+            <a:lnRef idx="1">
+              <a:schemeClr val="accent1"/>
+            </a:lnRef>
+            <a:fillRef idx="3">
+              <a:schemeClr val="accent1"/>
+            </a:fillRef>
+            <a:effectRef idx="2">
+              <a:schemeClr val="accent1"/>
+            </a:effectRef>
+            <a:fontRef idx="minor">
+              <a:schemeClr val="lt1"/>
+            </a:fontRef>
+          </p:style>
+        </p:sp>
+        <p:sp>
+          <p:nvSpPr>
+            <p:cNvPr id="72" name="Rectangle 28">
+              <a:extLst>
+                <a:ext uri="{FF2B5EF4-FFF2-40B4-BE49-F238E27FC236}">
+                  <a16:creationId xmlns:a16="http://schemas.microsoft.com/office/drawing/2014/main" id="{E7E850B8-C050-4597-8BEB-113FEC9A27C9}"/>
+                </a:ext>
+                <a:ext uri="{C183D7F6-B498-43B3-948B-1728B52AA6E4}">
+                  <adec:decorative xmlns:adec="http://schemas.microsoft.com/office/drawing/2017/decorative" val="1"/>
+                </a:ext>
+              </a:extLst>
+            </p:cNvPr>
+            <p:cNvSpPr/>
+            <p:nvPr>
+              <p:extLst>
+                <p:ext uri="{386F3935-93C4-4BCD-93E2-E3B085C9AB24}">
+                  <p16:designElem xmlns:p16="http://schemas.microsoft.com/office/powerpoint/2015/main" val="1"/>
+                </p:ext>
+              </p:extLst>
+            </p:nvPr>
+          </p:nvSpPr>
+          <p:spPr>
+            <a:xfrm>
+              <a:off x="10898730" y="-8467"/>
+              <a:ext cx="1290094" cy="6866467"/>
+            </a:xfrm>
+            <a:custGeom>
+              <a:avLst/>
+              <a:gdLst/>
+              <a:ahLst/>
+              <a:cxnLst/>
+              <a:rect l="l" t="t" r="r" b="b"/>
+              <a:pathLst>
+                <a:path w="1290094" h="6858000">
+                  <a:moveTo>
+                    <a:pt x="1019735" y="0"/>
+                  </a:moveTo>
+                  <a:lnTo>
+                    <a:pt x="1290094" y="0"/>
+                  </a:lnTo>
+                  <a:lnTo>
+                    <a:pt x="1290094" y="6858000"/>
+                  </a:lnTo>
+                  <a:lnTo>
+                    <a:pt x="0" y="6858000"/>
+                  </a:lnTo>
+                  <a:lnTo>
+                    <a:pt x="1019735" y="0"/>
+                  </a:lnTo>
+                  <a:close/>
+                </a:path>
+              </a:pathLst>
+            </a:custGeom>
+            <a:solidFill>
+              <a:schemeClr val="accent1">
+                <a:lumMod val="60000"/>
+                <a:lumOff val="40000"/>
+                <a:alpha val="70000"/>
+              </a:schemeClr>
+            </a:solidFill>
+            <a:ln>
+              <a:noFill/>
+            </a:ln>
+            <a:effectLst/>
+          </p:spPr>
+          <p:style>
+            <a:lnRef idx="1">
+              <a:schemeClr val="accent1"/>
+            </a:lnRef>
+            <a:fillRef idx="3">
+              <a:schemeClr val="accent1"/>
+            </a:fillRef>
+            <a:effectRef idx="2">
+              <a:schemeClr val="accent1"/>
+            </a:effectRef>
+            <a:fontRef idx="minor">
+              <a:schemeClr val="lt1"/>
+            </a:fontRef>
+          </p:style>
+        </p:sp>
+        <p:sp>
+          <p:nvSpPr>
+            <p:cNvPr id="73" name="Rectangle 29">
+              <a:extLst>
+                <a:ext uri="{FF2B5EF4-FFF2-40B4-BE49-F238E27FC236}">
+                  <a16:creationId xmlns:a16="http://schemas.microsoft.com/office/drawing/2014/main" id="{24ACC798-9CEC-4B6F-A8DD-F8E6FCCCF164}"/>
+                </a:ext>
+                <a:ext uri="{C183D7F6-B498-43B3-948B-1728B52AA6E4}">
+                  <adec:decorative xmlns:adec="http://schemas.microsoft.com/office/drawing/2017/decorative" val="1"/>
+                </a:ext>
+              </a:extLst>
+            </p:cNvPr>
+            <p:cNvSpPr/>
+            <p:nvPr>
+              <p:extLst>
+                <p:ext uri="{386F3935-93C4-4BCD-93E2-E3B085C9AB24}">
+                  <p16:designElem xmlns:p16="http://schemas.microsoft.com/office/powerpoint/2015/main" val="1"/>
+                </p:ext>
+              </p:extLst>
+            </p:nvPr>
+          </p:nvSpPr>
+          <p:spPr>
+            <a:xfrm>
+              <a:off x="10938999" y="-8467"/>
+              <a:ext cx="1249825" cy="6866467"/>
+            </a:xfrm>
+            <a:custGeom>
+              <a:avLst/>
+              <a:gdLst/>
+              <a:ahLst/>
+              <a:cxnLst/>
+              <a:rect l="l" t="t" r="r" b="b"/>
+              <a:pathLst>
+                <a:path w="1249825" h="6858000">
+                  <a:moveTo>
+                    <a:pt x="0" y="0"/>
+                  </a:moveTo>
+                  <a:lnTo>
+                    <a:pt x="1249825" y="0"/>
+                  </a:lnTo>
+                  <a:lnTo>
+                    <a:pt x="1249825" y="6858000"/>
+                  </a:lnTo>
+                  <a:lnTo>
+                    <a:pt x="1109382" y="6858000"/>
+                  </a:lnTo>
+                  <a:lnTo>
+                    <a:pt x="0" y="0"/>
+                  </a:lnTo>
+                  <a:close/>
+                </a:path>
+              </a:pathLst>
+            </a:custGeom>
+            <a:solidFill>
+              <a:schemeClr val="accent1">
+                <a:alpha val="65000"/>
+              </a:schemeClr>
+            </a:solidFill>
+            <a:ln>
+              <a:noFill/>
+            </a:ln>
+            <a:effectLst/>
+          </p:spPr>
+          <p:style>
+            <a:lnRef idx="1">
+              <a:schemeClr val="accent1"/>
+            </a:lnRef>
+            <a:fillRef idx="3">
+              <a:schemeClr val="accent1"/>
+            </a:fillRef>
+            <a:effectRef idx="2">
+              <a:schemeClr val="accent1"/>
+            </a:effectRef>
+            <a:fontRef idx="minor">
+              <a:schemeClr val="lt1"/>
+            </a:fontRef>
+          </p:style>
+        </p:sp>
+        <p:sp>
+          <p:nvSpPr>
+            <p:cNvPr id="74" name="Isosceles Triangle 73">
+              <a:extLst>
+                <a:ext uri="{FF2B5EF4-FFF2-40B4-BE49-F238E27FC236}">
+                  <a16:creationId xmlns:a16="http://schemas.microsoft.com/office/drawing/2014/main" id="{1D58A8C6-1294-4CD9-89BC-F1E981A524AA}"/>
+                </a:ext>
+                <a:ext uri="{C183D7F6-B498-43B3-948B-1728B52AA6E4}">
+                  <adec:decorative xmlns:adec="http://schemas.microsoft.com/office/drawing/2017/decorative" val="1"/>
+                </a:ext>
+              </a:extLst>
+            </p:cNvPr>
+            <p:cNvSpPr/>
+            <p:nvPr>
+              <p:extLst>
+                <p:ext uri="{386F3935-93C4-4BCD-93E2-E3B085C9AB24}">
+                  <p16:designElem xmlns:p16="http://schemas.microsoft.com/office/powerpoint/2015/main" val="1"/>
+                </p:ext>
+              </p:extLst>
+            </p:nvPr>
+          </p:nvSpPr>
+          <p:spPr>
+            <a:xfrm>
+              <a:off x="10371666" y="3589867"/>
+              <a:ext cx="1817159" cy="3268133"/>
+            </a:xfrm>
+            <a:prstGeom prst="triangle">
+              <a:avLst>
+                <a:gd name="adj" fmla="val 100000"/>
+              </a:avLst>
+            </a:prstGeom>
+            <a:solidFill>
+              <a:schemeClr val="accent1">
+                <a:alpha val="80000"/>
+              </a:schemeClr>
+            </a:solidFill>
+            <a:ln>
+              <a:noFill/>
+            </a:ln>
+            <a:effectLst/>
+          </p:spPr>
+          <p:style>
+            <a:lnRef idx="1">
+              <a:schemeClr val="accent1"/>
+            </a:lnRef>
+            <a:fillRef idx="3">
+              <a:schemeClr val="accent1"/>
+            </a:fillRef>
+            <a:effectRef idx="2">
+              <a:schemeClr val="accent1"/>
+            </a:effectRef>
+            <a:fontRef idx="minor">
+              <a:schemeClr val="lt1"/>
+            </a:fontRef>
+          </p:style>
+        </p:sp>
+        <p:sp>
+          <p:nvSpPr>
+            <p:cNvPr id="75" name="Isosceles Triangle 74">
+              <a:extLst>
+                <a:ext uri="{FF2B5EF4-FFF2-40B4-BE49-F238E27FC236}">
+                  <a16:creationId xmlns:a16="http://schemas.microsoft.com/office/drawing/2014/main" id="{F32F2ED6-6143-46C4-A641-72D42732B6FA}"/>
+                </a:ext>
+                <a:ext uri="{C183D7F6-B498-43B3-948B-1728B52AA6E4}">
+                  <adec:decorative xmlns:adec="http://schemas.microsoft.com/office/drawing/2017/decorative" val="1"/>
+                </a:ext>
+              </a:extLst>
+            </p:cNvPr>
+            <p:cNvSpPr/>
+            <p:nvPr>
+              <p:extLst>
+                <p:ext uri="{386F3935-93C4-4BCD-93E2-E3B085C9AB24}">
+                  <p16:designElem xmlns:p16="http://schemas.microsoft.com/office/powerpoint/2015/main" val="1"/>
+                </p:ext>
+              </p:extLst>
+            </p:nvPr>
+          </p:nvSpPr>
+          <p:spPr>
+            <a:xfrm>
+              <a:off x="0" y="4013200"/>
+              <a:ext cx="448733" cy="2844800"/>
+            </a:xfrm>
+            <a:prstGeom prst="triangle">
+              <a:avLst>
+                <a:gd name="adj" fmla="val 0"/>
+              </a:avLst>
+            </a:prstGeom>
+            <a:solidFill>
+              <a:schemeClr val="accent1">
+                <a:alpha val="85000"/>
+              </a:schemeClr>
+            </a:solidFill>
+            <a:ln>
+              <a:noFill/>
+            </a:ln>
+            <a:effectLst/>
+          </p:spPr>
+          <p:style>
+            <a:lnRef idx="1">
+              <a:schemeClr val="accent1"/>
+            </a:lnRef>
+            <a:fillRef idx="3">
+              <a:schemeClr val="accent1"/>
+            </a:fillRef>
+            <a:effectRef idx="2">
+              <a:schemeClr val="accent1"/>
+            </a:effectRef>
+            <a:fontRef idx="minor">
+              <a:schemeClr val="lt1"/>
+            </a:fontRef>
+          </p:style>
+        </p:sp>
+      </p:grpSp>
+      <p:sp>
+        <p:nvSpPr>
+          <p:cNvPr id="77" name="Rectangle 76">
+            <a:extLst>
+              <a:ext uri="{FF2B5EF4-FFF2-40B4-BE49-F238E27FC236}">
+                <a16:creationId xmlns:a16="http://schemas.microsoft.com/office/drawing/2014/main" id="{5C9652B3-A450-4ED6-8FBF-F536BA60B4D8}"/>
+              </a:ext>
+              <a:ext uri="{C183D7F6-B498-43B3-948B-1728B52AA6E4}">
+                <adec:decorative xmlns:adec="http://schemas.microsoft.com/office/drawing/2017/decorative" val="1"/>
+              </a:ext>
+            </a:extLst>
+          </p:cNvPr>
+          <p:cNvSpPr>
+            <a:spLocks noGrp="1" noRot="1" noChangeAspect="1" noMove="1" noResize="1" noEditPoints="1" noAdjustHandles="1" noChangeArrowheads="1" noChangeShapeType="1" noTextEdit="1"/>
+          </p:cNvSpPr>
+          <p:nvPr>
+            <p:extLst>
+              <p:ext uri="{386F3935-93C4-4BCD-93E2-E3B085C9AB24}">
+                <p16:designElem xmlns:p16="http://schemas.microsoft.com/office/powerpoint/2015/main" val="1"/>
+              </p:ext>
+            </p:extLst>
+          </p:nvPr>
+        </p:nvSpPr>
+        <p:spPr>
+          <a:xfrm>
+            <a:off x="477012" y="480060"/>
+            <a:ext cx="11237976" cy="5897880"/>
+          </a:xfrm>
+          <a:prstGeom prst="rect">
+            <a:avLst/>
+          </a:prstGeom>
+          <a:solidFill>
+            <a:srgbClr val="FFFFFF"/>
+          </a:solidFill>
+          <a:ln w="22225">
+            <a:solidFill>
+              <a:srgbClr val="FFFFFF"/>
+            </a:solidFill>
+          </a:ln>
+        </p:spPr>
+        <p:style>
+          <a:lnRef idx="2">
+            <a:schemeClr val="accent1">
+              <a:shade val="50000"/>
+            </a:schemeClr>
+          </a:lnRef>
+          <a:fillRef idx="1">
+            <a:schemeClr val="accent1"/>
+          </a:fillRef>
+          <a:effectRef idx="0">
+            <a:schemeClr val="accent1"/>
+          </a:effectRef>
+          <a:fontRef idx="minor">
+            <a:schemeClr val="lt1"/>
+          </a:fontRef>
+        </p:style>
+        <p:txBody>
+          <a:bodyPr rtlCol="0" anchor="ctr"/>
+          <a:lstStyle/>
+          <a:p>
+            <a:pPr algn="ctr"/>
+            <a:endParaRPr lang="en-US"/>
+          </a:p>
+        </p:txBody>
+      </p:sp>
+      <p:pic>
+        <p:nvPicPr>
+          <p:cNvPr id="12" name="Picture 11" descr="A screenshot of a cell phone&#10;&#10;Description automatically generated">
+            <a:extLst>
+              <a:ext uri="{FF2B5EF4-FFF2-40B4-BE49-F238E27FC236}">
+                <a16:creationId xmlns:a16="http://schemas.microsoft.com/office/drawing/2014/main" id="{6EF7B89A-503F-4AFD-8CD0-EE7E9EE409A2}"/>
+              </a:ext>
+            </a:extLst>
+          </p:cNvPr>
+          <p:cNvPicPr>
+            <a:picLocks noChangeAspect="1"/>
+          </p:cNvPicPr>
+          <p:nvPr/>
+        </p:nvPicPr>
+        <p:blipFill rotWithShape="1">
+          <a:blip r:embed="rId2"/>
+          <a:srcRect r="862"/>
+          <a:stretch/>
+        </p:blipFill>
+        <p:spPr>
+          <a:xfrm>
+            <a:off x="568452" y="571500"/>
+            <a:ext cx="11055096" cy="5715000"/>
+          </a:xfrm>
+          <a:prstGeom prst="rect">
+            <a:avLst/>
+          </a:prstGeom>
+        </p:spPr>
+      </p:pic>
+      <p:sp>
+        <p:nvSpPr>
+          <p:cNvPr id="5" name="Footer Placeholder 4">
+            <a:extLst>
+              <a:ext uri="{FF2B5EF4-FFF2-40B4-BE49-F238E27FC236}">
+                <a16:creationId xmlns:a16="http://schemas.microsoft.com/office/drawing/2014/main" id="{57B160DD-9979-4CE1-A315-2DC2700A3EF6}"/>
+              </a:ext>
+            </a:extLst>
+          </p:cNvPr>
+          <p:cNvSpPr>
+            <a:spLocks noGrp="1"/>
+          </p:cNvSpPr>
+          <p:nvPr>
+            <p:ph type="ftr" sz="quarter" idx="11"/>
+          </p:nvPr>
+        </p:nvSpPr>
+        <p:spPr>
+          <a:xfrm>
+            <a:off x="677333" y="6420107"/>
+            <a:ext cx="5142441" cy="365125"/>
+          </a:xfrm>
+        </p:spPr>
+        <p:txBody>
+          <a:bodyPr vert="horz" lIns="91440" tIns="45720" rIns="91440" bIns="45720" rtlCol="0" anchor="ctr">
+            <a:normAutofit/>
+          </a:bodyPr>
+          <a:lstStyle/>
+          <a:p>
+            <a:pPr>
+              <a:spcAft>
+                <a:spcPts val="600"/>
+              </a:spcAft>
+            </a:pPr>
+            <a:r>
+              <a:rPr lang="en-US" kern="1200">
+                <a:solidFill>
+                  <a:srgbClr val="FFFFFF"/>
+                </a:solidFill>
+                <a:latin typeface="+mn-lt"/>
+                <a:ea typeface="+mn-ea"/>
+                <a:cs typeface="+mn-cs"/>
+              </a:rPr>
+              <a:t>Laboratorio de microprocesadores – TP2 - Grupo 1</a:t>
+            </a:r>
+          </a:p>
+        </p:txBody>
+      </p:sp>
+      <p:sp>
+        <p:nvSpPr>
+          <p:cNvPr id="6" name="Slide Number Placeholder 5">
+            <a:extLst>
+              <a:ext uri="{FF2B5EF4-FFF2-40B4-BE49-F238E27FC236}">
+                <a16:creationId xmlns:a16="http://schemas.microsoft.com/office/drawing/2014/main" id="{243DD011-34B4-4D73-A05F-C30B6CBDF121}"/>
+              </a:ext>
+            </a:extLst>
+          </p:cNvPr>
+          <p:cNvSpPr>
+            <a:spLocks noGrp="1"/>
+          </p:cNvSpPr>
+          <p:nvPr>
+            <p:ph type="sldNum" sz="quarter" idx="12"/>
+          </p:nvPr>
+        </p:nvSpPr>
+        <p:spPr>
+          <a:xfrm>
+            <a:off x="10860438" y="6420107"/>
+            <a:ext cx="683339" cy="365125"/>
+          </a:xfrm>
+        </p:spPr>
+        <p:txBody>
+          <a:bodyPr vert="horz" lIns="91440" tIns="45720" rIns="91440" bIns="45720" rtlCol="0" anchor="ctr">
+            <a:normAutofit/>
+          </a:bodyPr>
+          <a:lstStyle/>
+          <a:p>
+            <a:pPr>
+              <a:spcAft>
+                <a:spcPts val="600"/>
+              </a:spcAft>
+            </a:pPr>
+            <a:fld id="{D57F1E4F-1CFF-5643-939E-217C01CDF565}" type="slidenum">
+              <a:rPr lang="en-US">
+                <a:solidFill>
+                  <a:srgbClr val="FFFFFF"/>
+                </a:solidFill>
+              </a:rPr>
+              <a:pPr>
+                <a:spcAft>
+                  <a:spcPts val="600"/>
+                </a:spcAft>
+              </a:pPr>
+              <a:t>5</a:t>
+            </a:fld>
+            <a:endParaRPr lang="en-US">
+              <a:solidFill>
+                <a:srgbClr val="FFFFFF"/>
+              </a:solidFill>
+            </a:endParaRPr>
+          </a:p>
+        </p:txBody>
+      </p:sp>
+    </p:spTree>
+    <p:extLst>
+      <p:ext uri="{BB962C8B-B14F-4D97-AF65-F5344CB8AC3E}">
+        <p14:creationId xmlns:p14="http://schemas.microsoft.com/office/powerpoint/2010/main" val="2208133727"/>
+      </p:ext>
+    </p:extLst>
+  </p:cSld>
+  <p:clrMapOvr>
+    <a:masterClrMapping/>
+  </p:clrMapOvr>
+</p:sld>
+</file>
+
+<file path=ppt/slides/slide6.xml><?xml version="1.0" encoding="utf-8"?>
+<p:sld xmlns:a="http://schemas.openxmlformats.org/drawingml/2006/main" xmlns:r="http://schemas.openxmlformats.org/officeDocument/2006/relationships" xmlns:p="http://schemas.openxmlformats.org/presentationml/2006/main">
+  <p:cSld>
     <p:spTree>
       <p:nvGrpSpPr>
         <p:cNvPr id="1" name=""/>
@@ -15502,7 +19599,7 @@
                 <a:tabLst/>
                 <a:defRPr/>
               </a:pPr>
-              <a:t>5</a:t>
+              <a:t>6</a:t>
             </a:fld>
             <a:endParaRPr kumimoji="0" lang="en-US" sz="900" b="0" i="0" u="none" strike="noStrike" kern="1200" cap="none" spc="0" normalizeH="0" baseline="0" noProof="0">
               <a:ln>
@@ -15569,264 +19666,6 @@
 </p:sld>
 </file>
 
-<file path=ppt/slides/slide6.xml><?xml version="1.0" encoding="utf-8"?>
-<p:sld xmlns:a="http://schemas.openxmlformats.org/drawingml/2006/main" xmlns:r="http://schemas.openxmlformats.org/officeDocument/2006/relationships" xmlns:p="http://schemas.openxmlformats.org/presentationml/2006/main">
-  <p:cSld>
-    <p:spTree>
-      <p:nvGrpSpPr>
-        <p:cNvPr id="1" name=""/>
-        <p:cNvGrpSpPr/>
-        <p:nvPr/>
-      </p:nvGrpSpPr>
-      <p:grpSpPr>
-        <a:xfrm>
-          <a:off x="0" y="0"/>
-          <a:ext cx="0" cy="0"/>
-          <a:chOff x="0" y="0"/>
-          <a:chExt cx="0" cy="0"/>
-        </a:xfrm>
-      </p:grpSpPr>
-      <p:sp>
-        <p:nvSpPr>
-          <p:cNvPr id="2" name="Title 1">
-            <a:extLst>
-              <a:ext uri="{FF2B5EF4-FFF2-40B4-BE49-F238E27FC236}">
-                <a16:creationId xmlns:a16="http://schemas.microsoft.com/office/drawing/2014/main" id="{EE53C0F5-865E-4C2C-911C-CDD7FC3C1C8C}"/>
-              </a:ext>
-            </a:extLst>
-          </p:cNvPr>
-          <p:cNvSpPr>
-            <a:spLocks noGrp="1"/>
-          </p:cNvSpPr>
-          <p:nvPr>
-            <p:ph type="title"/>
-          </p:nvPr>
-        </p:nvSpPr>
-        <p:spPr/>
-        <p:txBody>
-          <a:bodyPr/>
-          <a:lstStyle/>
-          <a:p>
-            <a:r>
-              <a:rPr lang="en-US" dirty="0"/>
-              <a:t>UART</a:t>
-            </a:r>
-            <a:br>
-              <a:rPr lang="en-US" dirty="0"/>
-            </a:br>
-            <a:r>
-              <a:rPr lang="en-US" sz="2000" dirty="0"/>
-              <a:t>Universal Asynchronous Receiver-Transmitter</a:t>
-            </a:r>
-            <a:endParaRPr lang="en-US" dirty="0"/>
-          </a:p>
-        </p:txBody>
-      </p:sp>
-      <p:sp>
-        <p:nvSpPr>
-          <p:cNvPr id="3" name="Content Placeholder 2">
-            <a:extLst>
-              <a:ext uri="{FF2B5EF4-FFF2-40B4-BE49-F238E27FC236}">
-                <a16:creationId xmlns:a16="http://schemas.microsoft.com/office/drawing/2014/main" id="{1503E593-EDE4-412E-B586-07D974ACE4C4}"/>
-              </a:ext>
-            </a:extLst>
-          </p:cNvPr>
-          <p:cNvSpPr>
-            <a:spLocks noGrp="1"/>
-          </p:cNvSpPr>
-          <p:nvPr>
-            <p:ph idx="1"/>
-          </p:nvPr>
-        </p:nvSpPr>
-        <p:spPr/>
-        <p:txBody>
-          <a:bodyPr/>
-          <a:lstStyle/>
-          <a:p>
-            <a:r>
-              <a:rPr lang="es-ES" dirty="0"/>
-              <a:t>Implementación de la interfaz propuesta por la cátedra</a:t>
-            </a:r>
-          </a:p>
-          <a:p>
-            <a:r>
-              <a:rPr lang="es-ES" dirty="0"/>
-              <a:t>No bloqueante</a:t>
-            </a:r>
-          </a:p>
-          <a:p>
-            <a:pPr lvl="1"/>
-            <a:r>
-              <a:rPr lang="es-ES" dirty="0"/>
-              <a:t>Llamadas externas guardan / leen datos de buffers</a:t>
-            </a:r>
-          </a:p>
-          <a:p>
-            <a:pPr lvl="1"/>
-            <a:r>
-              <a:rPr lang="en-US" dirty="0"/>
-              <a:t>RX y TX se </a:t>
-            </a:r>
-            <a:r>
-              <a:rPr lang="en-US" dirty="0" err="1"/>
-              <a:t>realizan</a:t>
-            </a:r>
-            <a:r>
-              <a:rPr lang="en-US" dirty="0"/>
-              <a:t> </a:t>
-            </a:r>
-            <a:r>
-              <a:rPr lang="en-US" dirty="0" err="1"/>
-              <a:t>en</a:t>
-            </a:r>
-            <a:r>
-              <a:rPr lang="en-US" dirty="0"/>
-              <a:t> </a:t>
-            </a:r>
-            <a:r>
-              <a:rPr lang="en-US" dirty="0" err="1"/>
-              <a:t>interrupciones</a:t>
-            </a:r>
-            <a:r>
-              <a:rPr lang="en-US" dirty="0"/>
-              <a:t> de </a:t>
-            </a:r>
-            <a:r>
-              <a:rPr lang="en-US" dirty="0" err="1"/>
-              <a:t>SysTick</a:t>
-            </a:r>
-            <a:r>
-              <a:rPr lang="en-US" dirty="0"/>
-              <a:t> </a:t>
-            </a:r>
-          </a:p>
-          <a:p>
-            <a:r>
-              <a:rPr lang="en-US" dirty="0" err="1"/>
-              <a:t>Implementación</a:t>
-            </a:r>
-            <a:r>
-              <a:rPr lang="en-US" dirty="0"/>
-              <a:t> de RX/TX</a:t>
-            </a:r>
-            <a:r>
-              <a:rPr lang="es-ES" dirty="0"/>
-              <a:t> bloqueantes (para </a:t>
-            </a:r>
-            <a:r>
-              <a:rPr lang="es-ES" dirty="0" err="1"/>
-              <a:t>debugueo</a:t>
-            </a:r>
-            <a:r>
-              <a:rPr lang="es-ES" dirty="0"/>
-              <a:t>)</a:t>
-            </a:r>
-          </a:p>
-          <a:p>
-            <a:r>
-              <a:rPr lang="en-US" dirty="0"/>
-              <a:t>El </a:t>
-            </a:r>
-            <a:r>
-              <a:rPr lang="en-US" dirty="0" err="1"/>
-              <a:t>programa</a:t>
-            </a:r>
-            <a:r>
-              <a:rPr lang="en-US" dirty="0"/>
-              <a:t> solo </a:t>
-            </a:r>
-            <a:r>
-              <a:rPr lang="en-US" dirty="0" err="1"/>
-              <a:t>utiliza</a:t>
-            </a:r>
-            <a:r>
-              <a:rPr lang="en-US" dirty="0"/>
-              <a:t> TX no </a:t>
-            </a:r>
-            <a:r>
-              <a:rPr lang="en-US" dirty="0" err="1"/>
-              <a:t>bloqueante</a:t>
-            </a:r>
-            <a:endParaRPr lang="en-US" dirty="0"/>
-          </a:p>
-          <a:p>
-            <a:pPr lvl="1"/>
-            <a:endParaRPr lang="en-US" dirty="0"/>
-          </a:p>
-        </p:txBody>
-      </p:sp>
-      <p:sp>
-        <p:nvSpPr>
-          <p:cNvPr id="4" name="Footer Placeholder 3">
-            <a:extLst>
-              <a:ext uri="{FF2B5EF4-FFF2-40B4-BE49-F238E27FC236}">
-                <a16:creationId xmlns:a16="http://schemas.microsoft.com/office/drawing/2014/main" id="{4673F2FB-ABFF-4F91-8231-9759574578C6}"/>
-              </a:ext>
-            </a:extLst>
-          </p:cNvPr>
-          <p:cNvSpPr>
-            <a:spLocks noGrp="1"/>
-          </p:cNvSpPr>
-          <p:nvPr>
-            <p:ph type="ftr" sz="quarter" idx="11"/>
-          </p:nvPr>
-        </p:nvSpPr>
-        <p:spPr/>
-        <p:txBody>
-          <a:bodyPr/>
-          <a:lstStyle/>
-          <a:p>
-            <a:r>
-              <a:rPr lang="pt-BR"/>
-              <a:t>Laboratorio de microprocesadores – TP2 - Grupo 1</a:t>
-            </a:r>
-            <a:endParaRPr lang="en-US" dirty="0"/>
-          </a:p>
-        </p:txBody>
-      </p:sp>
-      <p:sp>
-        <p:nvSpPr>
-          <p:cNvPr id="5" name="Slide Number Placeholder 4">
-            <a:extLst>
-              <a:ext uri="{FF2B5EF4-FFF2-40B4-BE49-F238E27FC236}">
-                <a16:creationId xmlns:a16="http://schemas.microsoft.com/office/drawing/2014/main" id="{517A688F-B16B-4AA1-A89E-C4CB66F24F06}"/>
-              </a:ext>
-            </a:extLst>
-          </p:cNvPr>
-          <p:cNvSpPr>
-            <a:spLocks noGrp="1"/>
-          </p:cNvSpPr>
-          <p:nvPr>
-            <p:ph type="sldNum" sz="quarter" idx="12"/>
-          </p:nvPr>
-        </p:nvSpPr>
-        <p:spPr/>
-        <p:txBody>
-          <a:bodyPr/>
-          <a:lstStyle/>
-          <a:p>
-            <a:fld id="{D57F1E4F-1CFF-5643-939E-217C01CDF565}" type="slidenum">
-              <a:rPr lang="en-US" smtClean="0"/>
-              <a:pPr/>
-              <a:t>6</a:t>
-            </a:fld>
-            <a:endParaRPr lang="en-US" dirty="0"/>
-          </a:p>
-        </p:txBody>
-      </p:sp>
-    </p:spTree>
-    <p:extLst>
-      <p:ext uri="{BB962C8B-B14F-4D97-AF65-F5344CB8AC3E}">
-        <p14:creationId xmlns:p14="http://schemas.microsoft.com/office/powerpoint/2010/main" val="1902067099"/>
-      </p:ext>
-    </p:extLst>
-  </p:cSld>
-  <p:clrMapOvr>
-    <a:masterClrMapping/>
-  </p:clrMapOvr>
-</p:sld>
-</file>
-
 <file path=ppt/slides/slide7.xml><?xml version="1.0" encoding="utf-8"?>
 <p:sld xmlns:a="http://schemas.openxmlformats.org/drawingml/2006/main" xmlns:r="http://schemas.openxmlformats.org/officeDocument/2006/relationships" xmlns:p="http://schemas.openxmlformats.org/presentationml/2006/main">
   <p:cSld>
@@ -15867,14 +19706,14 @@
           <a:p>
             <a:r>
               <a:rPr lang="en-US" dirty="0"/>
-              <a:t>SPI</a:t>
+              <a:t>UART</a:t>
             </a:r>
             <a:br>
               <a:rPr lang="en-US" dirty="0"/>
             </a:br>
             <a:r>
               <a:rPr lang="en-US" sz="2000" dirty="0"/>
-              <a:t>Serial Peripheral Interface</a:t>
+              <a:t>Universal Asynchronous Receiver-Transmitter</a:t>
             </a:r>
             <a:endParaRPr lang="en-US" dirty="0"/>
           </a:p>
@@ -15901,16 +19740,124 @@
           <a:bodyPr/>
           <a:lstStyle/>
           <a:p>
+            <a:r>
+              <a:rPr lang="es-ES" dirty="0"/>
+              <a:t>Implementación de la interfaz propuesta por la cátedra</a:t>
+            </a:r>
+          </a:p>
+          <a:p>
+            <a:r>
+              <a:rPr lang="es-ES" dirty="0"/>
+              <a:t>No bloqueante</a:t>
+            </a:r>
+          </a:p>
+          <a:p>
+            <a:pPr lvl="1"/>
+            <a:r>
+              <a:rPr lang="es-ES" dirty="0"/>
+              <a:t>Llamadas externas guardan / leen datos de buffers</a:t>
+            </a:r>
+          </a:p>
+          <a:p>
+            <a:pPr lvl="1"/>
+            <a:r>
+              <a:rPr lang="en-US" dirty="0"/>
+              <a:t>RX y TX se </a:t>
+            </a:r>
+            <a:r>
+              <a:rPr lang="en-US" dirty="0" err="1"/>
+              <a:t>realizan</a:t>
+            </a:r>
+            <a:r>
+              <a:rPr lang="en-US" dirty="0"/>
+              <a:t> </a:t>
+            </a:r>
+            <a:r>
+              <a:rPr lang="en-US" dirty="0" err="1"/>
+              <a:t>en</a:t>
+            </a:r>
+            <a:r>
+              <a:rPr lang="en-US" dirty="0"/>
+              <a:t> </a:t>
+            </a:r>
+            <a:r>
+              <a:rPr lang="en-US" dirty="0" err="1"/>
+              <a:t>interrupciones</a:t>
+            </a:r>
+            <a:r>
+              <a:rPr lang="en-US" dirty="0"/>
+              <a:t> de </a:t>
+            </a:r>
+            <a:r>
+              <a:rPr lang="en-US" dirty="0" err="1"/>
+              <a:t>SysTick</a:t>
+            </a:r>
+            <a:r>
+              <a:rPr lang="en-US" dirty="0"/>
+              <a:t> </a:t>
+            </a:r>
+          </a:p>
+          <a:p>
+            <a:r>
+              <a:rPr lang="en-US" dirty="0" err="1"/>
+              <a:t>Implementación</a:t>
+            </a:r>
+            <a:r>
+              <a:rPr lang="en-US" dirty="0"/>
+              <a:t> de RX/TX</a:t>
+            </a:r>
+            <a:r>
+              <a:rPr lang="es-ES" dirty="0"/>
+              <a:t> bloqueantes (para </a:t>
+            </a:r>
+            <a:r>
+              <a:rPr lang="es-ES" dirty="0" err="1"/>
+              <a:t>debugueo</a:t>
+            </a:r>
+            <a:r>
+              <a:rPr lang="es-ES" dirty="0"/>
+              <a:t>)</a:t>
+            </a:r>
+          </a:p>
+          <a:p>
+            <a:r>
+              <a:rPr lang="en-US" dirty="0"/>
+              <a:t>El </a:t>
+            </a:r>
+            <a:r>
+              <a:rPr lang="en-US" dirty="0" err="1"/>
+              <a:t>programa</a:t>
+            </a:r>
+            <a:r>
+              <a:rPr lang="en-US" dirty="0"/>
+              <a:t> solo </a:t>
+            </a:r>
+            <a:r>
+              <a:rPr lang="en-US" dirty="0" err="1"/>
+              <a:t>utiliza</a:t>
+            </a:r>
+            <a:r>
+              <a:rPr lang="en-US" dirty="0"/>
+              <a:t> TX no </a:t>
+            </a:r>
+            <a:r>
+              <a:rPr lang="en-US" dirty="0" err="1"/>
+              <a:t>bloqueante</a:t>
+            </a:r>
+            <a:endParaRPr lang="en-US" dirty="0"/>
+          </a:p>
+          <a:p>
+            <a:pPr lvl="1"/>
             <a:endParaRPr lang="en-US" dirty="0"/>
           </a:p>
         </p:txBody>
       </p:sp>
       <p:sp>
         <p:nvSpPr>
-          <p:cNvPr id="7" name="Footer Placeholder 6">
+          <p:cNvPr id="4" name="Footer Placeholder 3">
             <a:extLst>
               <a:ext uri="{FF2B5EF4-FFF2-40B4-BE49-F238E27FC236}">
-                <a16:creationId xmlns:a16="http://schemas.microsoft.com/office/drawing/2014/main" id="{6BCD6182-4086-441D-95E4-C95CF808EB6C}"/>
+                <a16:creationId xmlns:a16="http://schemas.microsoft.com/office/drawing/2014/main" id="{4673F2FB-ABFF-4F91-8231-9759574578C6}"/>
               </a:ext>
             </a:extLst>
           </p:cNvPr>
@@ -15936,10 +19883,10 @@
       </p:sp>
       <p:sp>
         <p:nvSpPr>
-          <p:cNvPr id="8" name="Slide Number Placeholder 7">
+          <p:cNvPr id="5" name="Slide Number Placeholder 4">
             <a:extLst>
               <a:ext uri="{FF2B5EF4-FFF2-40B4-BE49-F238E27FC236}">
-                <a16:creationId xmlns:a16="http://schemas.microsoft.com/office/drawing/2014/main" id="{6EA66EDE-DEA8-40E5-94F7-14113FE6C761}"/>
+                <a16:creationId xmlns:a16="http://schemas.microsoft.com/office/drawing/2014/main" id="{517A688F-B16B-4AA1-A89E-C4CB66F24F06}"/>
               </a:ext>
             </a:extLst>
           </p:cNvPr>
@@ -15967,7 +19914,7 @@
     </p:spTree>
     <p:extLst>
       <p:ext uri="{BB962C8B-B14F-4D97-AF65-F5344CB8AC3E}">
-        <p14:creationId xmlns:p14="http://schemas.microsoft.com/office/powerpoint/2010/main" val="3235533176"/>
+        <p14:creationId xmlns:p14="http://schemas.microsoft.com/office/powerpoint/2010/main" val="1902067099"/>
       </p:ext>
     </p:extLst>
   </p:cSld>
@@ -15980,6 +19927,14 @@
 <file path=ppt/slides/slide8.xml><?xml version="1.0" encoding="utf-8"?>
 <p:sld xmlns:a="http://schemas.openxmlformats.org/drawingml/2006/main" xmlns:r="http://schemas.openxmlformats.org/officeDocument/2006/relationships" xmlns:p="http://schemas.openxmlformats.org/presentationml/2006/main">
   <p:cSld>
+    <p:bg>
+      <p:bgPr>
+        <a:solidFill>
+          <a:schemeClr val="bg1"/>
+        </a:solidFill>
+        <a:effectLst/>
+      </p:bgPr>
+    </p:bg>
     <p:spTree>
       <p:nvGrpSpPr>
         <p:cNvPr id="1" name=""/>
@@ -16010,23 +19965,34 @@
             <p:ph type="title"/>
           </p:nvPr>
         </p:nvSpPr>
-        <p:spPr/>
+        <p:spPr>
+          <a:xfrm>
+            <a:off x="676746" y="609600"/>
+            <a:ext cx="4536082" cy="1320800"/>
+          </a:xfrm>
+        </p:spPr>
         <p:txBody>
-          <a:bodyPr/>
+          <a:bodyPr anchor="ctr">
+            <a:normAutofit/>
+          </a:bodyPr>
           <a:lstStyle/>
           <a:p>
+            <a:pPr>
+              <a:lnSpc>
+                <a:spcPct val="90000"/>
+              </a:lnSpc>
+            </a:pPr>
             <a:r>
               <a:rPr lang="en-US" dirty="0"/>
-              <a:t>CAN</a:t>
+              <a:t>SPI</a:t>
             </a:r>
             <a:br>
-              <a:rPr lang="en-US" dirty="0"/>
+              <a:rPr lang="en-US" sz="2800" dirty="0"/>
             </a:br>
             <a:r>
               <a:rPr lang="en-US" sz="2000" dirty="0"/>
-              <a:t>Controller Area Network</a:t>
-            </a:r>
-            <a:endParaRPr lang="en-US" dirty="0"/>
+              <a:t>Serial Peripheral Interface</a:t>
+            </a:r>
           </a:p>
         </p:txBody>
       </p:sp>
@@ -16046,304 +20012,125 @@
             <p:ph idx="1"/>
           </p:nvPr>
         </p:nvSpPr>
-        <p:spPr/>
+        <p:spPr>
+          <a:xfrm>
+            <a:off x="676746" y="2353793"/>
+            <a:ext cx="3971054" cy="3531575"/>
+          </a:xfrm>
+        </p:spPr>
         <p:txBody>
           <a:bodyPr>
-            <a:normAutofit fontScale="92500" lnSpcReduction="20000"/>
+            <a:normAutofit/>
           </a:bodyPr>
           <a:lstStyle/>
           <a:p>
-            <a:r>
-              <a:rPr lang="en-US" dirty="0"/>
-              <a:t>Driver de bajo </a:t>
-            </a:r>
-            <a:r>
-              <a:rPr lang="en-US" dirty="0" err="1"/>
-              <a:t>nivel</a:t>
-            </a:r>
-            <a:r>
-              <a:rPr lang="en-US" dirty="0"/>
-              <a:t> para MCP25625</a:t>
-            </a:r>
-          </a:p>
-          <a:p>
-            <a:pPr lvl="1"/>
-            <a:r>
-              <a:rPr lang="en-US" dirty="0" err="1"/>
-              <a:t>Modelado</a:t>
-            </a:r>
-            <a:r>
-              <a:rPr lang="en-US" dirty="0"/>
+            <a:endParaRPr lang="es-ES" dirty="0"/>
+          </a:p>
+          <a:p>
+            <a:pPr marL="0" indent="0">
+              <a:buNone/>
+            </a:pPr>
+            <a:endParaRPr lang="es-ES" dirty="0"/>
+          </a:p>
+          <a:p>
+            <a:r>
+              <a:rPr lang="es-ES" dirty="0"/>
+              <a:t>Implementación bloqueante</a:t>
+            </a:r>
+          </a:p>
+          <a:p>
+            <a:r>
+              <a:rPr lang="es-ES" dirty="0"/>
+              <a:t>Configuración versátil de </a:t>
+            </a:r>
+            <a:r>
+              <a:rPr lang="es-ES" dirty="0" err="1"/>
+              <a:t>clocks</a:t>
+            </a:r>
+            <a:r>
+              <a:rPr lang="es-ES" dirty="0"/>
               <a:t> </a:t>
             </a:r>
-            <a:r>
-              <a:rPr lang="en-US" dirty="0" err="1"/>
-              <a:t>completo</a:t>
-            </a:r>
-            <a:r>
-              <a:rPr lang="en-US" dirty="0"/>
-              <a:t> del </a:t>
-            </a:r>
-            <a:r>
-              <a:rPr lang="en-US" dirty="0" err="1"/>
-              <a:t>periférico</a:t>
-            </a:r>
-            <a:r>
-              <a:rPr lang="en-US" dirty="0"/>
-              <a:t> (</a:t>
-            </a:r>
-            <a:r>
-              <a:rPr lang="en-US" dirty="0" err="1"/>
-              <a:t>registros</a:t>
-            </a:r>
-            <a:r>
-              <a:rPr lang="en-US" dirty="0"/>
-              <a:t>, flags, mascaras, </a:t>
-            </a:r>
-            <a:r>
-              <a:rPr lang="en-US" dirty="0" err="1"/>
-              <a:t>etc</a:t>
-            </a:r>
-            <a:r>
-              <a:rPr lang="en-US" dirty="0"/>
-              <a:t>)</a:t>
-            </a:r>
-          </a:p>
-          <a:p>
-            <a:pPr lvl="1"/>
-            <a:r>
-              <a:rPr lang="en-US" dirty="0" err="1"/>
-              <a:t>Instrucciones</a:t>
-            </a:r>
-            <a:r>
-              <a:rPr lang="en-US" dirty="0"/>
-              <a:t> </a:t>
-            </a:r>
-            <a:r>
-              <a:rPr lang="en-US" dirty="0" err="1"/>
-              <a:t>implementadas</a:t>
-            </a:r>
-            <a:r>
-              <a:rPr lang="en-US" dirty="0"/>
-              <a:t> </a:t>
-            </a:r>
-            <a:r>
-              <a:rPr lang="en-US" dirty="0" err="1"/>
-              <a:t>en</a:t>
-            </a:r>
-            <a:r>
-              <a:rPr lang="en-US" dirty="0"/>
-              <a:t> </a:t>
-            </a:r>
-            <a:r>
-              <a:rPr lang="en-US" dirty="0" err="1"/>
-              <a:t>funciones</a:t>
-            </a:r>
-            <a:endParaRPr lang="en-US" dirty="0"/>
-          </a:p>
-          <a:p>
-            <a:pPr lvl="1"/>
-            <a:endParaRPr lang="en-US" dirty="0"/>
-          </a:p>
-          <a:p>
-            <a:pPr lvl="1"/>
-            <a:endParaRPr lang="en-US" dirty="0"/>
-          </a:p>
-          <a:p>
-            <a:pPr lvl="1"/>
-            <a:r>
-              <a:rPr lang="en-US" dirty="0" err="1"/>
-              <a:t>Implelentaci</a:t>
-            </a:r>
-            <a:r>
-              <a:rPr lang="es-AR" dirty="0"/>
-              <a:t>{</a:t>
-            </a:r>
-            <a:r>
-              <a:rPr lang="es-AR" dirty="0" err="1"/>
-              <a:t>on</a:t>
-            </a:r>
-            <a:r>
-              <a:rPr lang="es-AR" dirty="0"/>
-              <a:t> de interfaz </a:t>
-            </a:r>
-            <a:r>
-              <a:rPr lang="es-AR" dirty="0" err="1"/>
-              <a:t>can.h</a:t>
-            </a:r>
-            <a:r>
-              <a:rPr lang="es-AR" dirty="0"/>
-              <a:t> genérica</a:t>
-            </a:r>
-          </a:p>
-          <a:p>
-            <a:pPr lvl="1"/>
-            <a:r>
-              <a:rPr lang="es-AR" dirty="0"/>
-              <a:t>Software Buffers para complementar los buffers del MCP25625</a:t>
-            </a:r>
-          </a:p>
-          <a:p>
-            <a:pPr lvl="1"/>
-            <a:r>
-              <a:rPr lang="es-AR" dirty="0"/>
-              <a:t>Utilización de los tres buffers de transmisión del integrado, configurando la prioridad de los buffers para asegurar que los mensajes sean transmitidos en el orden en el que fueron ingresados</a:t>
-            </a:r>
-          </a:p>
-          <a:p>
-            <a:pPr lvl="1"/>
-            <a:r>
-              <a:rPr lang="es-AR" dirty="0"/>
-              <a:t>Utilización del modo Roll-</a:t>
-            </a:r>
-            <a:r>
-              <a:rPr lang="es-AR" dirty="0" err="1"/>
-              <a:t>Over</a:t>
-            </a:r>
-            <a:r>
-              <a:rPr lang="es-AR" dirty="0"/>
-              <a:t> del integrado para poder utilizar ambos buffers de recepción, y recepción de mensajes recibidos en ambos buffers en orden correcto</a:t>
-            </a:r>
-          </a:p>
-          <a:p>
-            <a:pPr lvl="1"/>
-            <a:r>
-              <a:rPr lang="es-AR" dirty="0"/>
-              <a:t>Utilización de interrupciones para indicar que se libera un buffer de </a:t>
-            </a:r>
-            <a:r>
-              <a:rPr lang="es-AR" dirty="0" err="1"/>
-              <a:t>transmisi</a:t>
-            </a:r>
-            <a:r>
-              <a:rPr lang="es-ES" dirty="0" err="1"/>
-              <a:t>ó</a:t>
-            </a:r>
-            <a:r>
-              <a:rPr lang="es-AR" dirty="0"/>
-              <a:t>n o que se recibe un mensaje</a:t>
-            </a:r>
+          </a:p>
+          <a:p>
+            <a:pPr marL="0" indent="0">
+              <a:buNone/>
+            </a:pPr>
+            <a:endParaRPr lang="es-ES" dirty="0"/>
+          </a:p>
+          <a:p>
+            <a:pPr marL="0" indent="0">
+              <a:buNone/>
+            </a:pPr>
+            <a:endParaRPr lang="es-ES" dirty="0"/>
+          </a:p>
+          <a:p>
+            <a:r>
+              <a:rPr lang="es-ES" dirty="0"/>
+              <a:t>Única función de transferencia</a:t>
+            </a:r>
+          </a:p>
+          <a:p>
+            <a:endParaRPr lang="es-ES" dirty="0"/>
+          </a:p>
+          <a:p>
+            <a:pPr marL="0" indent="0">
+              <a:buNone/>
+            </a:pPr>
             <a:endParaRPr lang="en-US" dirty="0"/>
           </a:p>
         </p:txBody>
       </p:sp>
-      <p:grpSp>
-        <p:nvGrpSpPr>
-          <p:cNvPr id="9" name="Group 8">
+      <p:pic>
+        <p:nvPicPr>
+          <p:cNvPr id="4" name="Picture 3">
             <a:extLst>
               <a:ext uri="{FF2B5EF4-FFF2-40B4-BE49-F238E27FC236}">
-                <a16:creationId xmlns:a16="http://schemas.microsoft.com/office/drawing/2014/main" id="{662FB7ED-4B2F-4608-805E-A05086E9A087}"/>
+                <a16:creationId xmlns:a16="http://schemas.microsoft.com/office/drawing/2014/main" id="{42A7E198-0791-489C-94A4-D0025654585A}"/>
               </a:ext>
             </a:extLst>
           </p:cNvPr>
-          <p:cNvGrpSpPr/>
+          <p:cNvPicPr>
+            <a:picLocks noChangeAspect="1"/>
+          </p:cNvPicPr>
           <p:nvPr/>
-        </p:nvGrpSpPr>
-        <p:grpSpPr>
+        </p:nvPicPr>
+        <p:blipFill>
+          <a:blip r:embed="rId2"/>
+          <a:stretch>
+            <a:fillRect/>
+          </a:stretch>
+        </p:blipFill>
+        <p:spPr>
           <a:xfrm>
-            <a:off x="495300" y="3324225"/>
-            <a:ext cx="11201400" cy="669928"/>
-            <a:chOff x="495300" y="3324225"/>
-            <a:chExt cx="11201400" cy="669928"/>
+            <a:off x="4812776" y="670687"/>
+            <a:ext cx="5978085" cy="3448894"/>
           </a:xfrm>
-        </p:grpSpPr>
-        <p:pic>
-          <p:nvPicPr>
-            <p:cNvPr id="4" name="Picture 3">
-              <a:extLst>
-                <a:ext uri="{FF2B5EF4-FFF2-40B4-BE49-F238E27FC236}">
-                  <a16:creationId xmlns:a16="http://schemas.microsoft.com/office/drawing/2014/main" id="{B281661E-0204-4BB7-9A2E-2DF566FC8C69}"/>
-                </a:ext>
-              </a:extLst>
-            </p:cNvPr>
-            <p:cNvPicPr>
-              <a:picLocks noChangeAspect="1"/>
-            </p:cNvPicPr>
-            <p:nvPr/>
-          </p:nvPicPr>
-          <p:blipFill>
-            <a:blip r:embed="rId2"/>
-            <a:stretch>
-              <a:fillRect/>
-            </a:stretch>
-          </p:blipFill>
-          <p:spPr>
-            <a:xfrm>
-              <a:off x="1951036" y="3324225"/>
-              <a:ext cx="8086725" cy="209550"/>
-            </a:xfrm>
-            <a:prstGeom prst="rect">
-              <a:avLst/>
-            </a:prstGeom>
-          </p:spPr>
-        </p:pic>
-        <p:pic>
-          <p:nvPicPr>
-            <p:cNvPr id="5" name="Picture 4">
-              <a:extLst>
-                <a:ext uri="{FF2B5EF4-FFF2-40B4-BE49-F238E27FC236}">
-                  <a16:creationId xmlns:a16="http://schemas.microsoft.com/office/drawing/2014/main" id="{87130E23-B0BB-438E-9414-426D762F505A}"/>
-                </a:ext>
-              </a:extLst>
-            </p:cNvPr>
-            <p:cNvPicPr>
-              <a:picLocks noChangeAspect="1"/>
-            </p:cNvPicPr>
-            <p:nvPr/>
-          </p:nvPicPr>
-          <p:blipFill>
-            <a:blip r:embed="rId3"/>
-            <a:stretch>
-              <a:fillRect/>
-            </a:stretch>
-          </p:blipFill>
-          <p:spPr>
-            <a:xfrm>
-              <a:off x="1656466" y="3544889"/>
-              <a:ext cx="7343775" cy="219075"/>
-            </a:xfrm>
-            <a:prstGeom prst="rect">
-              <a:avLst/>
-            </a:prstGeom>
-          </p:spPr>
-        </p:pic>
-        <p:pic>
-          <p:nvPicPr>
-            <p:cNvPr id="6" name="Picture 5">
-              <a:extLst>
-                <a:ext uri="{FF2B5EF4-FFF2-40B4-BE49-F238E27FC236}">
-                  <a16:creationId xmlns:a16="http://schemas.microsoft.com/office/drawing/2014/main" id="{AE8E45F8-BADD-459F-B43D-D8A5046DECD0}"/>
-                </a:ext>
-              </a:extLst>
-            </p:cNvPr>
-            <p:cNvPicPr>
-              <a:picLocks noChangeAspect="1"/>
-            </p:cNvPicPr>
-            <p:nvPr/>
-          </p:nvPicPr>
-          <p:blipFill>
-            <a:blip r:embed="rId4"/>
-            <a:stretch>
-              <a:fillRect/>
-            </a:stretch>
-          </p:blipFill>
-          <p:spPr>
-            <a:xfrm>
-              <a:off x="495300" y="3775078"/>
-              <a:ext cx="11201400" cy="219075"/>
-            </a:xfrm>
-            <a:prstGeom prst="rect">
-              <a:avLst/>
-            </a:prstGeom>
-          </p:spPr>
-        </p:pic>
-      </p:grpSp>
+          <a:prstGeom prst="rect">
+            <a:avLst/>
+          </a:prstGeom>
+          <a:ln w="38100" cap="sq">
+            <a:solidFill>
+              <a:srgbClr val="90C226"/>
+            </a:solidFill>
+            <a:prstDash val="solid"/>
+            <a:miter lim="800000"/>
+          </a:ln>
+          <a:effectLst>
+            <a:outerShdw blurRad="50800" dist="38100" dir="2700000" algn="tl" rotWithShape="0">
+              <a:srgbClr val="000000">
+                <a:alpha val="43000"/>
+              </a:srgbClr>
+            </a:outerShdw>
+          </a:effectLst>
+        </p:spPr>
+      </p:pic>
       <p:sp>
         <p:nvSpPr>
           <p:cNvPr id="7" name="Footer Placeholder 6">
             <a:extLst>
               <a:ext uri="{FF2B5EF4-FFF2-40B4-BE49-F238E27FC236}">
-                <a16:creationId xmlns:a16="http://schemas.microsoft.com/office/drawing/2014/main" id="{F5CACCA3-4316-4729-95E4-DF1E76496B52}"/>
+                <a16:creationId xmlns:a16="http://schemas.microsoft.com/office/drawing/2014/main" id="{6BCD6182-4086-441D-95E4-C95CF808EB6C}"/>
               </a:ext>
             </a:extLst>
           </p:cNvPr>
@@ -16354,16 +20141,28 @@
             <p:ph type="ftr" sz="quarter" idx="11"/>
           </p:nvPr>
         </p:nvSpPr>
-        <p:spPr/>
+        <p:spPr>
+          <a:xfrm>
+            <a:off x="677334" y="6041362"/>
+            <a:ext cx="5541032" cy="365125"/>
+          </a:xfrm>
+        </p:spPr>
         <p:txBody>
-          <a:bodyPr/>
+          <a:bodyPr>
+            <a:normAutofit/>
+          </a:bodyPr>
           <a:lstStyle/>
           <a:p>
+            <a:pPr>
+              <a:spcAft>
+                <a:spcPts val="600"/>
+              </a:spcAft>
+            </a:pPr>
             <a:r>
               <a:rPr lang="pt-BR"/>
               <a:t>Laboratorio de microprocesadores – TP2 - Grupo 1</a:t>
             </a:r>
-            <a:endParaRPr lang="en-US" dirty="0"/>
+            <a:endParaRPr lang="en-US"/>
           </a:p>
         </p:txBody>
       </p:sp>
@@ -16372,7 +20171,7 @@
           <p:cNvPr id="8" name="Slide Number Placeholder 7">
             <a:extLst>
               <a:ext uri="{FF2B5EF4-FFF2-40B4-BE49-F238E27FC236}">
-                <a16:creationId xmlns:a16="http://schemas.microsoft.com/office/drawing/2014/main" id="{426CFDC2-978B-4C15-941A-BD0D07C22E22}"/>
+                <a16:creationId xmlns:a16="http://schemas.microsoft.com/office/drawing/2014/main" id="{6EA66EDE-DEA8-40E5-94F7-14113FE6C761}"/>
               </a:ext>
             </a:extLst>
           </p:cNvPr>
@@ -16383,24 +20182,84 @@
             <p:ph type="sldNum" sz="quarter" idx="12"/>
           </p:nvPr>
         </p:nvSpPr>
-        <p:spPr/>
+        <p:spPr>
+          <a:xfrm>
+            <a:off x="8590663" y="6041362"/>
+            <a:ext cx="683339" cy="365125"/>
+          </a:xfrm>
+        </p:spPr>
         <p:txBody>
-          <a:bodyPr/>
+          <a:bodyPr>
+            <a:normAutofit/>
+          </a:bodyPr>
           <a:lstStyle/>
           <a:p>
+            <a:pPr>
+              <a:spcAft>
+                <a:spcPts val="600"/>
+              </a:spcAft>
+            </a:pPr>
             <a:fld id="{D57F1E4F-1CFF-5643-939E-217C01CDF565}" type="slidenum">
               <a:rPr lang="en-US" smtClean="0"/>
-              <a:pPr/>
+              <a:pPr>
+                <a:spcAft>
+                  <a:spcPts val="600"/>
+                </a:spcAft>
+              </a:pPr>
               <a:t>8</a:t>
             </a:fld>
-            <a:endParaRPr lang="en-US" dirty="0"/>
+            <a:endParaRPr lang="en-US"/>
           </a:p>
         </p:txBody>
       </p:sp>
+      <p:pic>
+        <p:nvPicPr>
+          <p:cNvPr id="30" name="Picture 29">
+            <a:extLst>
+              <a:ext uri="{FF2B5EF4-FFF2-40B4-BE49-F238E27FC236}">
+                <a16:creationId xmlns:a16="http://schemas.microsoft.com/office/drawing/2014/main" id="{4E700CAB-4A62-49D2-A0DF-B92B38DDC186}"/>
+              </a:ext>
+            </a:extLst>
+          </p:cNvPr>
+          <p:cNvPicPr>
+            <a:picLocks noChangeAspect="1"/>
+          </p:cNvPicPr>
+          <p:nvPr/>
+        </p:nvPicPr>
+        <p:blipFill>
+          <a:blip r:embed="rId3"/>
+          <a:stretch>
+            <a:fillRect/>
+          </a:stretch>
+        </p:blipFill>
+        <p:spPr>
+          <a:xfrm>
+            <a:off x="801830" y="5312344"/>
+            <a:ext cx="8472172" cy="259213"/>
+          </a:xfrm>
+          <a:prstGeom prst="rect">
+            <a:avLst/>
+          </a:prstGeom>
+          <a:ln w="38100" cap="sq">
+            <a:solidFill>
+              <a:srgbClr val="90C226"/>
+            </a:solidFill>
+            <a:prstDash val="solid"/>
+            <a:miter lim="800000"/>
+          </a:ln>
+          <a:effectLst>
+            <a:outerShdw blurRad="50800" dist="38100" dir="2700000" algn="tl" rotWithShape="0">
+              <a:srgbClr val="000000">
+                <a:alpha val="43000"/>
+              </a:srgbClr>
+            </a:outerShdw>
+          </a:effectLst>
+        </p:spPr>
+      </p:pic>
     </p:spTree>
     <p:extLst>
       <p:ext uri="{BB962C8B-B14F-4D97-AF65-F5344CB8AC3E}">
-        <p14:creationId xmlns:p14="http://schemas.microsoft.com/office/powerpoint/2010/main" val="2054973312"/>
+        <p14:creationId xmlns:p14="http://schemas.microsoft.com/office/powerpoint/2010/main" val="3235533176"/>
       </p:ext>
     </p:extLst>
   </p:cSld>
@@ -16450,22 +20309,14 @@
           <a:p>
             <a:r>
               <a:rPr lang="en-US" dirty="0"/>
-              <a:t>I</a:t>
-            </a:r>
-            <a:r>
-              <a:rPr lang="en-US" baseline="30000" dirty="0"/>
-              <a:t>2</a:t>
-            </a:r>
-            <a:r>
-              <a:rPr lang="en-US" dirty="0"/>
-              <a:t>C</a:t>
+              <a:t>CAN</a:t>
             </a:r>
             <a:br>
               <a:rPr lang="en-US" dirty="0"/>
             </a:br>
             <a:r>
               <a:rPr lang="en-US" sz="2000" dirty="0"/>
-              <a:t>Inter-Integrated Circuit</a:t>
+              <a:t>Controller Area Network</a:t>
             </a:r>
             <a:endParaRPr lang="en-US" dirty="0"/>
           </a:p>
@@ -16487,21 +20338,348 @@
             <p:ph idx="1"/>
           </p:nvPr>
         </p:nvSpPr>
-        <p:spPr/>
+        <p:spPr>
+          <a:xfrm>
+            <a:off x="677334" y="2142785"/>
+            <a:ext cx="8596668" cy="4110962"/>
+          </a:xfrm>
+        </p:spPr>
         <p:txBody>
-          <a:bodyPr/>
+          <a:bodyPr>
+            <a:normAutofit fontScale="85000" lnSpcReduction="20000"/>
+          </a:bodyPr>
           <a:lstStyle/>
           <a:p>
+            <a:r>
+              <a:rPr lang="en-US" dirty="0"/>
+              <a:t>Driver de bajo </a:t>
+            </a:r>
+            <a:r>
+              <a:rPr lang="en-US" dirty="0" err="1"/>
+              <a:t>nivel</a:t>
+            </a:r>
+            <a:r>
+              <a:rPr lang="en-US" dirty="0"/>
+              <a:t> para MCP25625</a:t>
+            </a:r>
+          </a:p>
+          <a:p>
+            <a:pPr lvl="1"/>
+            <a:r>
+              <a:rPr lang="en-US" dirty="0" err="1"/>
+              <a:t>Modelado</a:t>
+            </a:r>
+            <a:r>
+              <a:rPr lang="en-US" dirty="0"/>
+              <a:t> </a:t>
+            </a:r>
+            <a:r>
+              <a:rPr lang="en-US" dirty="0" err="1"/>
+              <a:t>completo</a:t>
+            </a:r>
+            <a:r>
+              <a:rPr lang="en-US" dirty="0"/>
+              <a:t> del </a:t>
+            </a:r>
+            <a:r>
+              <a:rPr lang="en-US" dirty="0" err="1"/>
+              <a:t>periférico</a:t>
+            </a:r>
+            <a:r>
+              <a:rPr lang="en-US" dirty="0"/>
+              <a:t> (</a:t>
+            </a:r>
+            <a:r>
+              <a:rPr lang="en-US" dirty="0" err="1"/>
+              <a:t>registros</a:t>
+            </a:r>
+            <a:r>
+              <a:rPr lang="en-US" dirty="0"/>
+              <a:t>, flags, </a:t>
+            </a:r>
+            <a:r>
+              <a:rPr lang="en-US" dirty="0" err="1"/>
+              <a:t>máscaras</a:t>
+            </a:r>
+            <a:r>
+              <a:rPr lang="en-US" dirty="0"/>
+              <a:t>, etc.)</a:t>
+            </a:r>
+          </a:p>
+          <a:p>
+            <a:pPr lvl="1"/>
+            <a:r>
+              <a:rPr lang="en-US" dirty="0" err="1"/>
+              <a:t>Instrucciones</a:t>
+            </a:r>
+            <a:r>
+              <a:rPr lang="en-US" dirty="0"/>
+              <a:t> </a:t>
+            </a:r>
+            <a:r>
+              <a:rPr lang="en-US" dirty="0" err="1"/>
+              <a:t>implementadas</a:t>
+            </a:r>
+            <a:r>
+              <a:rPr lang="en-US" dirty="0"/>
+              <a:t> </a:t>
+            </a:r>
+            <a:r>
+              <a:rPr lang="en-US" dirty="0" err="1"/>
+              <a:t>en</a:t>
+            </a:r>
+            <a:r>
+              <a:rPr lang="en-US" dirty="0"/>
+              <a:t> </a:t>
+            </a:r>
+            <a:r>
+              <a:rPr lang="en-US" dirty="0" err="1"/>
+              <a:t>funciones</a:t>
+            </a:r>
+            <a:endParaRPr lang="en-US" dirty="0"/>
+          </a:p>
+          <a:p>
+            <a:pPr lvl="1"/>
+            <a:endParaRPr lang="en-US" dirty="0"/>
+          </a:p>
+          <a:p>
+            <a:pPr lvl="1"/>
+            <a:endParaRPr lang="en-US" dirty="0"/>
+          </a:p>
+          <a:p>
+            <a:pPr lvl="1"/>
+            <a:endParaRPr lang="en-US" dirty="0"/>
+          </a:p>
+          <a:p>
+            <a:pPr lvl="1"/>
+            <a:r>
+              <a:rPr lang="en-US" dirty="0" err="1"/>
+              <a:t>Implementaci</a:t>
+            </a:r>
+            <a:r>
+              <a:rPr lang="es-AR" dirty="0" err="1"/>
+              <a:t>ón</a:t>
+            </a:r>
+            <a:r>
+              <a:rPr lang="es-AR" dirty="0"/>
+              <a:t> de interfaz </a:t>
+            </a:r>
+            <a:r>
+              <a:rPr lang="es-AR" dirty="0" err="1"/>
+              <a:t>can.h</a:t>
+            </a:r>
+            <a:r>
+              <a:rPr lang="es-AR" dirty="0"/>
+              <a:t> genérica</a:t>
+            </a:r>
+          </a:p>
+          <a:p>
+            <a:pPr lvl="1"/>
+            <a:r>
+              <a:rPr lang="es-AR" dirty="0"/>
+              <a:t>Software Buffers para complementar los buffers del MCP25625</a:t>
+            </a:r>
+          </a:p>
+          <a:p>
+            <a:pPr lvl="1"/>
+            <a:r>
+              <a:rPr lang="es-AR" dirty="0"/>
+              <a:t>Utilización de los tres buffers de transmisión del integrado, configurando la prioridad de los buffers para asegurar que los mensajes sean transmitidos en el orden en el que fueron ingresados</a:t>
+            </a:r>
+          </a:p>
+          <a:p>
+            <a:pPr lvl="1"/>
+            <a:r>
+              <a:rPr lang="es-AR" dirty="0"/>
+              <a:t>Utilización del modo Roll-</a:t>
+            </a:r>
+            <a:r>
+              <a:rPr lang="es-AR" dirty="0" err="1"/>
+              <a:t>Over</a:t>
+            </a:r>
+            <a:r>
+              <a:rPr lang="es-AR" dirty="0"/>
+              <a:t> del integrado para poder utilizar ambos buffers de recepción, y recepción de mensajes recibidos en ambos buffers en orden correcto</a:t>
+            </a:r>
+          </a:p>
+          <a:p>
+            <a:pPr lvl="1"/>
+            <a:r>
+              <a:rPr lang="es-AR" dirty="0"/>
+              <a:t>Utilización de interrupciones para indicar que se libera un buffer de </a:t>
+            </a:r>
+            <a:r>
+              <a:rPr lang="es-AR" dirty="0" err="1"/>
+              <a:t>transmisi</a:t>
+            </a:r>
+            <a:r>
+              <a:rPr lang="es-ES" dirty="0" err="1"/>
+              <a:t>ó</a:t>
+            </a:r>
+            <a:r>
+              <a:rPr lang="es-AR" dirty="0"/>
+              <a:t>n o que se recibe un mensaje</a:t>
+            </a:r>
             <a:endParaRPr lang="en-US" dirty="0"/>
           </a:p>
         </p:txBody>
       </p:sp>
+      <p:grpSp>
+        <p:nvGrpSpPr>
+          <p:cNvPr id="9" name="Group 8">
+            <a:extLst>
+              <a:ext uri="{FF2B5EF4-FFF2-40B4-BE49-F238E27FC236}">
+                <a16:creationId xmlns:a16="http://schemas.microsoft.com/office/drawing/2014/main" id="{662FB7ED-4B2F-4608-805E-A05086E9A087}"/>
+              </a:ext>
+            </a:extLst>
+          </p:cNvPr>
+          <p:cNvGrpSpPr/>
+          <p:nvPr/>
+        </p:nvGrpSpPr>
+        <p:grpSpPr>
+          <a:xfrm>
+            <a:off x="495300" y="3192337"/>
+            <a:ext cx="11201400" cy="669928"/>
+            <a:chOff x="495300" y="3324225"/>
+            <a:chExt cx="11201400" cy="669928"/>
+          </a:xfrm>
+        </p:grpSpPr>
+        <p:pic>
+          <p:nvPicPr>
+            <p:cNvPr id="4" name="Picture 3">
+              <a:extLst>
+                <a:ext uri="{FF2B5EF4-FFF2-40B4-BE49-F238E27FC236}">
+                  <a16:creationId xmlns:a16="http://schemas.microsoft.com/office/drawing/2014/main" id="{B281661E-0204-4BB7-9A2E-2DF566FC8C69}"/>
+                </a:ext>
+              </a:extLst>
+            </p:cNvPr>
+            <p:cNvPicPr>
+              <a:picLocks noChangeAspect="1"/>
+            </p:cNvPicPr>
+            <p:nvPr/>
+          </p:nvPicPr>
+          <p:blipFill>
+            <a:blip r:embed="rId2"/>
+            <a:stretch>
+              <a:fillRect/>
+            </a:stretch>
+          </p:blipFill>
+          <p:spPr>
+            <a:xfrm>
+              <a:off x="1951036" y="3324225"/>
+              <a:ext cx="8086725" cy="209550"/>
+            </a:xfrm>
+            <a:prstGeom prst="rect">
+              <a:avLst/>
+            </a:prstGeom>
+            <a:ln w="38100" cap="sq">
+              <a:solidFill>
+                <a:srgbClr val="90C226"/>
+              </a:solidFill>
+              <a:miter lim="800000"/>
+            </a:ln>
+            <a:effectLst>
+              <a:outerShdw blurRad="57150" dist="50800" dir="2700000" algn="tl" rotWithShape="0">
+                <a:srgbClr val="000000">
+                  <a:alpha val="40000"/>
+                </a:srgbClr>
+              </a:outerShdw>
+            </a:effectLst>
+          </p:spPr>
+        </p:pic>
+        <p:pic>
+          <p:nvPicPr>
+            <p:cNvPr id="5" name="Picture 4">
+              <a:extLst>
+                <a:ext uri="{FF2B5EF4-FFF2-40B4-BE49-F238E27FC236}">
+                  <a16:creationId xmlns:a16="http://schemas.microsoft.com/office/drawing/2014/main" id="{87130E23-B0BB-438E-9414-426D762F505A}"/>
+                </a:ext>
+              </a:extLst>
+            </p:cNvPr>
+            <p:cNvPicPr>
+              <a:picLocks noChangeAspect="1"/>
+            </p:cNvPicPr>
+            <p:nvPr/>
+          </p:nvPicPr>
+          <p:blipFill>
+            <a:blip r:embed="rId3"/>
+            <a:stretch>
+              <a:fillRect/>
+            </a:stretch>
+          </p:blipFill>
+          <p:spPr>
+            <a:xfrm>
+              <a:off x="1656466" y="3544889"/>
+              <a:ext cx="7343775" cy="219075"/>
+            </a:xfrm>
+            <a:prstGeom prst="rect">
+              <a:avLst/>
+            </a:prstGeom>
+            <a:ln w="38100" cap="sq">
+              <a:solidFill>
+                <a:srgbClr val="90C226"/>
+              </a:solidFill>
+              <a:miter lim="800000"/>
+            </a:ln>
+            <a:effectLst>
+              <a:outerShdw blurRad="57150" dist="50800" dir="2700000" algn="tl" rotWithShape="0">
+                <a:srgbClr val="000000">
+                  <a:alpha val="40000"/>
+                </a:srgbClr>
+              </a:outerShdw>
+            </a:effectLst>
+          </p:spPr>
+        </p:pic>
+        <p:pic>
+          <p:nvPicPr>
+            <p:cNvPr id="6" name="Picture 5">
+              <a:extLst>
+                <a:ext uri="{FF2B5EF4-FFF2-40B4-BE49-F238E27FC236}">
+                  <a16:creationId xmlns:a16="http://schemas.microsoft.com/office/drawing/2014/main" id="{AE8E45F8-BADD-459F-B43D-D8A5046DECD0}"/>
+                </a:ext>
+              </a:extLst>
+            </p:cNvPr>
+            <p:cNvPicPr>
+              <a:picLocks noChangeAspect="1"/>
+            </p:cNvPicPr>
+            <p:nvPr/>
+          </p:nvPicPr>
+          <p:blipFill>
+            <a:blip r:embed="rId4"/>
+            <a:stretch>
+              <a:fillRect/>
+            </a:stretch>
+          </p:blipFill>
+          <p:spPr>
+            <a:xfrm>
+              <a:off x="495300" y="3775078"/>
+              <a:ext cx="11201400" cy="219075"/>
+            </a:xfrm>
+            <a:prstGeom prst="rect">
+              <a:avLst/>
+            </a:prstGeom>
+            <a:ln w="38100" cap="sq">
+              <a:solidFill>
+                <a:srgbClr val="90C226"/>
+              </a:solidFill>
+              <a:miter lim="800000"/>
+            </a:ln>
+            <a:effectLst>
+              <a:outerShdw blurRad="57150" dist="50800" dir="2700000" algn="tl" rotWithShape="0">
+                <a:srgbClr val="000000">
+                  <a:alpha val="40000"/>
+                </a:srgbClr>
+              </a:outerShdw>
+            </a:effectLst>
+          </p:spPr>
+        </p:pic>
+      </p:grpSp>
       <p:sp>
         <p:nvSpPr>
-          <p:cNvPr id="4" name="Footer Placeholder 3">
+          <p:cNvPr id="7" name="Footer Placeholder 6">
             <a:extLst>
               <a:ext uri="{FF2B5EF4-FFF2-40B4-BE49-F238E27FC236}">
-                <a16:creationId xmlns:a16="http://schemas.microsoft.com/office/drawing/2014/main" id="{4CA5DDE4-E1A5-4A33-BE84-4C8C6DBF5B47}"/>
+                <a16:creationId xmlns:a16="http://schemas.microsoft.com/office/drawing/2014/main" id="{F5CACCA3-4316-4729-95E4-DF1E76496B52}"/>
               </a:ext>
             </a:extLst>
           </p:cNvPr>
@@ -16527,10 +20705,10 @@
       </p:sp>
       <p:sp>
         <p:nvSpPr>
-          <p:cNvPr id="5" name="Slide Number Placeholder 4">
+          <p:cNvPr id="8" name="Slide Number Placeholder 7">
             <a:extLst>
               <a:ext uri="{FF2B5EF4-FFF2-40B4-BE49-F238E27FC236}">
-                <a16:creationId xmlns:a16="http://schemas.microsoft.com/office/drawing/2014/main" id="{324E6700-3DB5-4C4F-959F-86C647E6FD7A}"/>
+                <a16:creationId xmlns:a16="http://schemas.microsoft.com/office/drawing/2014/main" id="{426CFDC2-978B-4C15-941A-BD0D07C22E22}"/>
               </a:ext>
             </a:extLst>
           </p:cNvPr>
@@ -16558,7 +20736,7 @@
     </p:spTree>
     <p:extLst>
       <p:ext uri="{BB962C8B-B14F-4D97-AF65-F5344CB8AC3E}">
-        <p14:creationId xmlns:p14="http://schemas.microsoft.com/office/powerpoint/2010/main" val="1869453064"/>
+        <p14:creationId xmlns:p14="http://schemas.microsoft.com/office/powerpoint/2010/main" val="2054973312"/>
       </p:ext>
     </p:extLst>
   </p:cSld>
@@ -17121,6 +21299,21 @@
 </file>
 
 <file path=customXml/item1.xml><?xml version="1.0" encoding="utf-8"?>
+<p:properties xmlns:p="http://schemas.microsoft.com/office/2006/metadata/properties" xmlns:xsi="http://www.w3.org/2001/XMLSchema-instance" xmlns:pc="http://schemas.microsoft.com/office/infopath/2007/PartnerControls">
+  <documentManagement/>
+</p:properties>
+</file>
+
+<file path=customXml/item2.xml><?xml version="1.0" encoding="utf-8"?>
+<?mso-contentType ?>
+<FormTemplates xmlns="http://schemas.microsoft.com/sharepoint/v3/contenttype/forms">
+  <Display>DocumentLibraryForm</Display>
+  <Edit>DocumentLibraryForm</Edit>
+  <New>DocumentLibraryForm</New>
+</FormTemplates>
+</file>
+
+<file path=customXml/item3.xml><?xml version="1.0" encoding="utf-8"?>
 <ct:contentTypeSchema xmlns:ct="http://schemas.microsoft.com/office/2006/metadata/contentType" xmlns:ma="http://schemas.microsoft.com/office/2006/metadata/properties/metaAttributes" ct:_="" ma:_="" ma:contentTypeName="Documento" ma:contentTypeID="0x010100D3ACF04A7F9B864F984482D74838982E" ma:contentTypeVersion="2" ma:contentTypeDescription="Crear nuevo documento." ma:contentTypeScope="" ma:versionID="46a6908ee1857d062a054b6f801a1a59">
   <xsd:schema xmlns:xsd="http://www.w3.org/2001/XMLSchema" xmlns:xs="http://www.w3.org/2001/XMLSchema" xmlns:p="http://schemas.microsoft.com/office/2006/metadata/properties" xmlns:ns3="eb33805b-88a9-40a3-8f3b-568156ed15a3" targetNamespace="http://schemas.microsoft.com/office/2006/metadata/properties" ma:root="true" ma:fieldsID="439506ca6a2c3ed63ca6ef35b0e219d5" ns3:_="">
     <xsd:import namespace="eb33805b-88a9-40a3-8f3b-568156ed15a3"/>
@@ -17252,22 +21445,31 @@
 </ct:contentTypeSchema>
 </file>
 
-<file path=customXml/item2.xml><?xml version="1.0" encoding="utf-8"?>
-<?mso-contentType ?>
-<FormTemplates xmlns="http://schemas.microsoft.com/sharepoint/v3/contenttype/forms">
-  <Display>DocumentLibraryForm</Display>
-  <Edit>DocumentLibraryForm</Edit>
-  <New>DocumentLibraryForm</New>
-</FormTemplates>
+<file path=customXml/itemProps1.xml><?xml version="1.0" encoding="utf-8"?>
+<ds:datastoreItem xmlns:ds="http://schemas.openxmlformats.org/officeDocument/2006/customXml" ds:itemID="{D9461C74-94E2-411A-89D9-B8158C81BB5E}">
+  <ds:schemaRefs>
+    <ds:schemaRef ds:uri="http://purl.org/dc/elements/1.1/"/>
+    <ds:schemaRef ds:uri="http://schemas.microsoft.com/office/2006/documentManagement/types"/>
+    <ds:schemaRef ds:uri="eb33805b-88a9-40a3-8f3b-568156ed15a3"/>
+    <ds:schemaRef ds:uri="http://purl.org/dc/dcmitype/"/>
+    <ds:schemaRef ds:uri="http://schemas.microsoft.com/office/2006/metadata/properties"/>
+    <ds:schemaRef ds:uri="http://schemas.microsoft.com/office/infopath/2007/PartnerControls"/>
+    <ds:schemaRef ds:uri="http://schemas.openxmlformats.org/package/2006/metadata/core-properties"/>
+    <ds:schemaRef ds:uri="http://www.w3.org/XML/1998/namespace"/>
+    <ds:schemaRef ds:uri="http://purl.org/dc/terms/"/>
+  </ds:schemaRefs>
+</ds:datastoreItem>
 </file>
 
-<file path=customXml/item3.xml><?xml version="1.0" encoding="utf-8"?>
-<p:properties xmlns:p="http://schemas.microsoft.com/office/2006/metadata/properties" xmlns:xsi="http://www.w3.org/2001/XMLSchema-instance" xmlns:pc="http://schemas.microsoft.com/office/infopath/2007/PartnerControls">
-  <documentManagement/>
-</p:properties>
+<file path=customXml/itemProps2.xml><?xml version="1.0" encoding="utf-8"?>
+<ds:datastoreItem xmlns:ds="http://schemas.openxmlformats.org/officeDocument/2006/customXml" ds:itemID="{E02D8953-537A-4FBD-B24D-DDF016785B1A}">
+  <ds:schemaRefs>
+    <ds:schemaRef ds:uri="http://schemas.microsoft.com/sharepoint/v3/contenttype/forms"/>
+  </ds:schemaRefs>
+</ds:datastoreItem>
 </file>
 
-<file path=customXml/itemProps1.xml><?xml version="1.0" encoding="utf-8"?>
+<file path=customXml/itemProps3.xml><?xml version="1.0" encoding="utf-8"?>
 <ds:datastoreItem xmlns:ds="http://schemas.openxmlformats.org/officeDocument/2006/customXml" ds:itemID="{432DD584-F378-4055-9B94-3829DB515B2E}">
   <ds:schemaRefs>
     <ds:schemaRef ds:uri="http://schemas.microsoft.com/office/2006/metadata/contentType"/>
@@ -17283,28 +21485,4 @@
     <ds:schemaRef ds:uri="http://schemas.microsoft.com/internal/obd"/>
   </ds:schemaRefs>
 </ds:datastoreItem>
-</file>
-
-<file path=customXml/itemProps2.xml><?xml version="1.0" encoding="utf-8"?>
-<ds:datastoreItem xmlns:ds="http://schemas.openxmlformats.org/officeDocument/2006/customXml" ds:itemID="{E02D8953-537A-4FBD-B24D-DDF016785B1A}">
-  <ds:schemaRefs>
-    <ds:schemaRef ds:uri="http://schemas.microsoft.com/sharepoint/v3/contenttype/forms"/>
-  </ds:schemaRefs>
-</ds:datastoreItem>
-</file>
-
-<file path=customXml/itemProps3.xml><?xml version="1.0" encoding="utf-8"?>
-<ds:datastoreItem xmlns:ds="http://schemas.openxmlformats.org/officeDocument/2006/customXml" ds:itemID="{D9461C74-94E2-411A-89D9-B8158C81BB5E}">
-  <ds:schemaRefs>
-    <ds:schemaRef ds:uri="http://purl.org/dc/terms/"/>
-    <ds:schemaRef ds:uri="http://schemas.openxmlformats.org/package/2006/metadata/core-properties"/>
-    <ds:schemaRef ds:uri="http://schemas.microsoft.com/office/2006/metadata/properties"/>
-    <ds:schemaRef ds:uri="eb33805b-88a9-40a3-8f3b-568156ed15a3"/>
-    <ds:schemaRef ds:uri="http://schemas.microsoft.com/office/2006/documentManagement/types"/>
-    <ds:schemaRef ds:uri="http://purl.org/dc/elements/1.1/"/>
-    <ds:schemaRef ds:uri="http://www.w3.org/XML/1998/namespace"/>
-    <ds:schemaRef ds:uri="http://schemas.microsoft.com/office/infopath/2007/PartnerControls"/>
-    <ds:schemaRef ds:uri="http://purl.org/dc/dcmitype/"/>
-  </ds:schemaRefs>
-</ds:datastoreItem>
 </file>
--- a/Entrega/22.99 TP2 G1.pptx
+++ b/Entrega/22.99 TP2 G1.pptx
@@ -16465,6 +16465,14 @@
 <file path=ppt/slides/slide13.xml><?xml version="1.0" encoding="utf-8"?>
 <p:sld xmlns:a="http://schemas.openxmlformats.org/drawingml/2006/main" xmlns:r="http://schemas.openxmlformats.org/officeDocument/2006/relationships" xmlns:p="http://schemas.openxmlformats.org/presentationml/2006/main">
   <p:cSld>
+    <p:bg>
+      <p:bgPr>
+        <a:solidFill>
+          <a:schemeClr val="bg1"/>
+        </a:solidFill>
+        <a:effectLst/>
+      </p:bgPr>
+    </p:bg>
     <p:spTree>
       <p:nvGrpSpPr>
         <p:cNvPr id="1" name=""/>
@@ -16497,80 +16505,16 @@
         </p:nvSpPr>
         <p:spPr/>
         <p:txBody>
-          <a:bodyPr/>
+          <a:bodyPr vert="horz" lIns="91440" tIns="45720" rIns="91440" bIns="45720" rtlCol="0" anchor="t">
+            <a:normAutofit/>
+          </a:bodyPr>
           <a:lstStyle/>
           <a:p>
             <a:r>
-              <a:rPr lang="es-ES" dirty="0"/>
-              <a:t>I</a:t>
-            </a:r>
-            <a:r>
-              <a:rPr lang="es-ES" baseline="30000" dirty="0"/>
-              <a:t>2</a:t>
-            </a:r>
-            <a:r>
-              <a:rPr lang="es-ES" dirty="0"/>
-              <a:t>C y </a:t>
-            </a:r>
-            <a:r>
-              <a:rPr lang="es-ES" dirty="0" err="1"/>
-              <a:t>SysTick</a:t>
+              <a:rPr lang="en-US" dirty="0" err="1"/>
+              <a:t>Interrupciones</a:t>
             </a:r>
             <a:endParaRPr lang="en-US" dirty="0"/>
-          </a:p>
-        </p:txBody>
-      </p:sp>
-      <p:pic>
-        <p:nvPicPr>
-          <p:cNvPr id="8" name="Content Placeholder 7" descr="A screenshot of a cell phone&#10;&#10;Description automatically generated">
-            <a:extLst>
-              <a:ext uri="{FF2B5EF4-FFF2-40B4-BE49-F238E27FC236}">
-                <a16:creationId xmlns:a16="http://schemas.microsoft.com/office/drawing/2014/main" id="{02383BE4-C7CE-47AB-85E7-2B8882D73173}"/>
-              </a:ext>
-            </a:extLst>
-          </p:cNvPr>
-          <p:cNvPicPr>
-            <a:picLocks noGrp="1" noChangeAspect="1"/>
-          </p:cNvPicPr>
-          <p:nvPr>
-            <p:ph sz="half" idx="1"/>
-          </p:nvPr>
-        </p:nvPicPr>
-        <p:blipFill>
-          <a:blip r:embed="rId2"/>
-          <a:stretch>
-            <a:fillRect/>
-          </a:stretch>
-        </p:blipFill>
-        <p:spPr>
-          <a:xfrm>
-            <a:off x="677863" y="3776225"/>
-            <a:ext cx="4183062" cy="650163"/>
-          </a:xfrm>
-        </p:spPr>
-      </p:pic>
-      <p:sp>
-        <p:nvSpPr>
-          <p:cNvPr id="4" name="Content Placeholder 3">
-            <a:extLst>
-              <a:ext uri="{FF2B5EF4-FFF2-40B4-BE49-F238E27FC236}">
-                <a16:creationId xmlns:a16="http://schemas.microsoft.com/office/drawing/2014/main" id="{8F516AD1-E2D8-4DDB-80A3-B8779D146336}"/>
-              </a:ext>
-            </a:extLst>
-          </p:cNvPr>
-          <p:cNvSpPr>
-            <a:spLocks noGrp="1"/>
-          </p:cNvSpPr>
-          <p:nvPr>
-            <p:ph sz="half" idx="2"/>
-          </p:nvPr>
-        </p:nvSpPr>
-        <p:spPr/>
-        <p:txBody>
-          <a:bodyPr/>
-          <a:lstStyle/>
-          <a:p>
-            <a:endParaRPr lang="en-US"/>
           </a:p>
         </p:txBody>
       </p:sp>
@@ -16592,14 +16536,29 @@
         </p:nvSpPr>
         <p:spPr/>
         <p:txBody>
-          <a:bodyPr/>
+          <a:bodyPr vert="horz" lIns="91440" tIns="45720" rIns="91440" bIns="45720" rtlCol="0" anchor="ctr">
+            <a:normAutofit/>
+          </a:bodyPr>
           <a:lstStyle/>
           <a:p>
-            <a:r>
-              <a:rPr lang="pt-BR"/>
+            <a:pPr defTabSz="914400">
+              <a:spcAft>
+                <a:spcPts val="600"/>
+              </a:spcAft>
+            </a:pPr>
+            <a:r>
+              <a:rPr lang="en-US" kern="1200">
+                <a:solidFill>
+                  <a:schemeClr val="tx1">
+                    <a:tint val="75000"/>
+                  </a:schemeClr>
+                </a:solidFill>
+                <a:latin typeface="+mn-lt"/>
+                <a:ea typeface="+mn-ea"/>
+                <a:cs typeface="+mn-cs"/>
+              </a:rPr>
               <a:t>Laboratorio de microprocesadores – TP2 - Grupo 1</a:t>
             </a:r>
-            <a:endParaRPr lang="en-US" dirty="0"/>
           </a:p>
         </p:txBody>
       </p:sp>
@@ -16621,14 +16580,214 @@
         </p:nvSpPr>
         <p:spPr/>
         <p:txBody>
-          <a:bodyPr/>
+          <a:bodyPr vert="horz" lIns="91440" tIns="45720" rIns="91440" bIns="45720" rtlCol="0" anchor="ctr">
+            <a:normAutofit/>
+          </a:bodyPr>
           <a:lstStyle/>
           <a:p>
+            <a:pPr defTabSz="914400">
+              <a:spcAft>
+                <a:spcPts val="600"/>
+              </a:spcAft>
+            </a:pPr>
             <a:fld id="{6FF9F0C5-380F-41C2-899A-BAC0F0927E16}" type="slidenum">
               <a:rPr lang="en-US" smtClean="0"/>
+              <a:pPr defTabSz="914400">
+                <a:spcAft>
+                  <a:spcPts val="600"/>
+                </a:spcAft>
+              </a:pPr>
               <a:t>13</a:t>
             </a:fld>
-            <a:endParaRPr lang="en-US" dirty="0"/>
+            <a:endParaRPr lang="en-US"/>
+          </a:p>
+        </p:txBody>
+      </p:sp>
+      <p:pic>
+        <p:nvPicPr>
+          <p:cNvPr id="45" name="Picture 44" descr="A picture containing screenshot, white, room&#10;&#10;Description automatically generated">
+            <a:extLst>
+              <a:ext uri="{FF2B5EF4-FFF2-40B4-BE49-F238E27FC236}">
+                <a16:creationId xmlns:a16="http://schemas.microsoft.com/office/drawing/2014/main" id="{5B63F05F-5C74-41A6-A6FD-1F67EA95FCE7}"/>
+              </a:ext>
+            </a:extLst>
+          </p:cNvPr>
+          <p:cNvPicPr>
+            <a:picLocks noChangeAspect="1"/>
+          </p:cNvPicPr>
+          <p:nvPr/>
+        </p:nvPicPr>
+        <p:blipFill>
+          <a:blip r:embed="rId2"/>
+          <a:stretch>
+            <a:fillRect/>
+          </a:stretch>
+        </p:blipFill>
+        <p:spPr>
+          <a:xfrm>
+            <a:off x="1205972" y="1930400"/>
+            <a:ext cx="9566804" cy="1932289"/>
+          </a:xfrm>
+          <a:prstGeom prst="rect">
+            <a:avLst/>
+          </a:prstGeom>
+          <a:ln>
+            <a:noFill/>
+          </a:ln>
+          <a:effectLst>
+            <a:outerShdw blurRad="292100" dist="139700" dir="2700000" algn="tl" rotWithShape="0">
+              <a:srgbClr val="333333">
+                <a:alpha val="65000"/>
+              </a:srgbClr>
+            </a:outerShdw>
+          </a:effectLst>
+        </p:spPr>
+      </p:pic>
+      <p:pic>
+        <p:nvPicPr>
+          <p:cNvPr id="47" name="Picture 46" descr="A screenshot of a cell phone&#10;&#10;Description automatically generated">
+            <a:extLst>
+              <a:ext uri="{FF2B5EF4-FFF2-40B4-BE49-F238E27FC236}">
+                <a16:creationId xmlns:a16="http://schemas.microsoft.com/office/drawing/2014/main" id="{2240FF95-99F3-4C89-BEA5-D783425CC37D}"/>
+              </a:ext>
+            </a:extLst>
+          </p:cNvPr>
+          <p:cNvPicPr>
+            <a:picLocks noChangeAspect="1"/>
+          </p:cNvPicPr>
+          <p:nvPr/>
+        </p:nvPicPr>
+        <p:blipFill>
+          <a:blip r:embed="rId3"/>
+          <a:stretch>
+            <a:fillRect/>
+          </a:stretch>
+        </p:blipFill>
+        <p:spPr>
+          <a:xfrm>
+            <a:off x="1205973" y="4075718"/>
+            <a:ext cx="9566804" cy="1944244"/>
+          </a:xfrm>
+          <a:prstGeom prst="rect">
+            <a:avLst/>
+          </a:prstGeom>
+          <a:ln>
+            <a:noFill/>
+          </a:ln>
+          <a:effectLst>
+            <a:outerShdw blurRad="292100" dist="139700" dir="2700000" algn="tl" rotWithShape="0">
+              <a:srgbClr val="333333">
+                <a:alpha val="65000"/>
+              </a:srgbClr>
+            </a:outerShdw>
+          </a:effectLst>
+        </p:spPr>
+      </p:pic>
+      <p:sp>
+        <p:nvSpPr>
+          <p:cNvPr id="48" name="TextBox 47">
+            <a:extLst>
+              <a:ext uri="{FF2B5EF4-FFF2-40B4-BE49-F238E27FC236}">
+                <a16:creationId xmlns:a16="http://schemas.microsoft.com/office/drawing/2014/main" id="{6F140761-F656-4687-9C2C-C8FEE1BE06E2}"/>
+              </a:ext>
+            </a:extLst>
+          </p:cNvPr>
+          <p:cNvSpPr txBox="1"/>
+          <p:nvPr/>
+        </p:nvSpPr>
+        <p:spPr>
+          <a:xfrm>
+            <a:off x="1025692" y="3616549"/>
+            <a:ext cx="1693445" cy="369332"/>
+          </a:xfrm>
+          <a:prstGeom prst="rect">
+            <a:avLst/>
+          </a:prstGeom>
+        </p:spPr>
+        <p:style>
+          <a:lnRef idx="3">
+            <a:schemeClr val="lt1"/>
+          </a:lnRef>
+          <a:fillRef idx="1">
+            <a:schemeClr val="accent2"/>
+          </a:fillRef>
+          <a:effectRef idx="1">
+            <a:schemeClr val="accent2"/>
+          </a:effectRef>
+          <a:fontRef idx="minor">
+            <a:schemeClr val="lt1"/>
+          </a:fontRef>
+        </p:style>
+        <p:txBody>
+          <a:bodyPr wrap="square" rtlCol="0">
+            <a:spAutoFit/>
+          </a:bodyPr>
+          <a:lstStyle/>
+          <a:p>
+            <a:r>
+              <a:rPr lang="en-US" dirty="0" err="1"/>
+              <a:t>SysTick</a:t>
+            </a:r>
+            <a:r>
+              <a:rPr lang="en-US" dirty="0"/>
+              <a:t>: 8.6us</a:t>
+            </a:r>
+          </a:p>
+        </p:txBody>
+      </p:sp>
+      <p:sp>
+        <p:nvSpPr>
+          <p:cNvPr id="49" name="TextBox 48">
+            <a:extLst>
+              <a:ext uri="{FF2B5EF4-FFF2-40B4-BE49-F238E27FC236}">
+                <a16:creationId xmlns:a16="http://schemas.microsoft.com/office/drawing/2014/main" id="{78F4DCDE-1756-48CD-9935-CB482F46963F}"/>
+              </a:ext>
+            </a:extLst>
+          </p:cNvPr>
+          <p:cNvSpPr txBox="1"/>
+          <p:nvPr/>
+        </p:nvSpPr>
+        <p:spPr>
+          <a:xfrm>
+            <a:off x="1025692" y="5672030"/>
+            <a:ext cx="1693445" cy="369332"/>
+          </a:xfrm>
+          <a:prstGeom prst="rect">
+            <a:avLst/>
+          </a:prstGeom>
+        </p:spPr>
+        <p:style>
+          <a:lnRef idx="3">
+            <a:schemeClr val="lt1"/>
+          </a:lnRef>
+          <a:fillRef idx="1">
+            <a:schemeClr val="accent2"/>
+          </a:fillRef>
+          <a:effectRef idx="1">
+            <a:schemeClr val="accent2"/>
+          </a:effectRef>
+          <a:fontRef idx="minor">
+            <a:schemeClr val="lt1"/>
+          </a:fontRef>
+        </p:style>
+        <p:txBody>
+          <a:bodyPr wrap="square" rtlCol="0">
+            <a:spAutoFit/>
+          </a:bodyPr>
+          <a:lstStyle/>
+          <a:p>
+            <a:r>
+              <a:rPr lang="en-US" dirty="0"/>
+              <a:t>I</a:t>
+            </a:r>
+            <a:r>
+              <a:rPr lang="en-US" baseline="30000" dirty="0"/>
+              <a:t>2</a:t>
+            </a:r>
+            <a:r>
+              <a:rPr lang="en-US" dirty="0"/>
+              <a:t>C: 9.0us</a:t>
+            </a:r>
           </a:p>
         </p:txBody>
       </p:sp>
@@ -16683,7 +16842,10 @@
           <a:bodyPr/>
           <a:lstStyle/>
           <a:p>
-            <a:endParaRPr lang="en-US"/>
+            <a:r>
+              <a:rPr lang="en-US" dirty="0"/>
+              <a:t>CAN</a:t>
+            </a:r>
           </a:p>
         </p:txBody>
       </p:sp>
@@ -16768,12 +16930,22 @@
         </p:blipFill>
         <p:spPr>
           <a:xfrm>
-            <a:off x="1235869" y="1905920"/>
+            <a:off x="1271964" y="1696119"/>
             <a:ext cx="8596312" cy="2289762"/>
           </a:xfrm>
           <a:prstGeom prst="rect">
             <a:avLst/>
           </a:prstGeom>
+          <a:ln>
+            <a:noFill/>
+          </a:ln>
+          <a:effectLst>
+            <a:outerShdw blurRad="292100" dist="139700" dir="2700000" algn="tl" rotWithShape="0">
+              <a:srgbClr val="333333">
+                <a:alpha val="65000"/>
+              </a:srgbClr>
+            </a:outerShdw>
+          </a:effectLst>
         </p:spPr>
       </p:pic>
       <p:pic>
@@ -16806,8 +16978,124 @@
           <a:prstGeom prst="rect">
             <a:avLst/>
           </a:prstGeom>
+          <a:ln>
+            <a:noFill/>
+          </a:ln>
+          <a:effectLst>
+            <a:outerShdw blurRad="292100" dist="139700" dir="2700000" algn="tl" rotWithShape="0">
+              <a:srgbClr val="333333">
+                <a:alpha val="65000"/>
+              </a:srgbClr>
+            </a:outerShdw>
+          </a:effectLst>
         </p:spPr>
       </p:pic>
+      <p:sp>
+        <p:nvSpPr>
+          <p:cNvPr id="8" name="TextBox 7">
+            <a:extLst>
+              <a:ext uri="{FF2B5EF4-FFF2-40B4-BE49-F238E27FC236}">
+                <a16:creationId xmlns:a16="http://schemas.microsoft.com/office/drawing/2014/main" id="{8DED4FCD-121B-4D1E-A5B4-A238781E4211}"/>
+              </a:ext>
+            </a:extLst>
+          </p:cNvPr>
+          <p:cNvSpPr txBox="1"/>
+          <p:nvPr/>
+        </p:nvSpPr>
+        <p:spPr>
+          <a:xfrm>
+            <a:off x="1025692" y="3616549"/>
+            <a:ext cx="4328361" cy="369332"/>
+          </a:xfrm>
+          <a:prstGeom prst="rect">
+            <a:avLst/>
+          </a:prstGeom>
+        </p:spPr>
+        <p:style>
+          <a:lnRef idx="3">
+            <a:schemeClr val="lt1"/>
+          </a:lnRef>
+          <a:fillRef idx="1">
+            <a:schemeClr val="accent2"/>
+          </a:fillRef>
+          <a:effectRef idx="1">
+            <a:schemeClr val="accent2"/>
+          </a:effectRef>
+          <a:fontRef idx="minor">
+            <a:schemeClr val="lt1"/>
+          </a:fontRef>
+        </p:style>
+        <p:txBody>
+          <a:bodyPr wrap="square" rtlCol="0">
+            <a:spAutoFit/>
+          </a:bodyPr>
+          <a:lstStyle/>
+          <a:p>
+            <a:r>
+              <a:rPr lang="es-ES" dirty="0"/>
+              <a:t>CAN: 101us</a:t>
+            </a:r>
+            <a:endParaRPr lang="en-US" dirty="0"/>
+          </a:p>
+        </p:txBody>
+      </p:sp>
+      <p:sp>
+        <p:nvSpPr>
+          <p:cNvPr id="9" name="TextBox 8">
+            <a:extLst>
+              <a:ext uri="{FF2B5EF4-FFF2-40B4-BE49-F238E27FC236}">
+                <a16:creationId xmlns:a16="http://schemas.microsoft.com/office/drawing/2014/main" id="{F0670AA2-51D5-4D88-9754-758DD5F0BAD6}"/>
+              </a:ext>
+            </a:extLst>
+          </p:cNvPr>
+          <p:cNvSpPr txBox="1"/>
+          <p:nvPr/>
+        </p:nvSpPr>
+        <p:spPr>
+          <a:xfrm>
+            <a:off x="1025692" y="5834370"/>
+            <a:ext cx="4328361" cy="369332"/>
+          </a:xfrm>
+          <a:prstGeom prst="rect">
+            <a:avLst/>
+          </a:prstGeom>
+        </p:spPr>
+        <p:style>
+          <a:lnRef idx="3">
+            <a:schemeClr val="lt1"/>
+          </a:lnRef>
+          <a:fillRef idx="1">
+            <a:schemeClr val="accent2"/>
+          </a:fillRef>
+          <a:effectRef idx="1">
+            <a:schemeClr val="accent2"/>
+          </a:effectRef>
+          <a:fontRef idx="minor">
+            <a:schemeClr val="lt1"/>
+          </a:fontRef>
+        </p:style>
+        <p:txBody>
+          <a:bodyPr wrap="square" rtlCol="0">
+            <a:spAutoFit/>
+          </a:bodyPr>
+          <a:lstStyle/>
+          <a:p>
+            <a:r>
+              <a:rPr lang="en-US" dirty="0" err="1"/>
+              <a:t>Interrupci</a:t>
+            </a:r>
+            <a:r>
+              <a:rPr lang="es-ES" dirty="0" err="1"/>
+              <a:t>ón</a:t>
+            </a:r>
+            <a:r>
+              <a:rPr lang="es-ES" dirty="0"/>
+              <a:t> admite más interrupciones</a:t>
+            </a:r>
+            <a:endParaRPr lang="en-US" dirty="0"/>
+          </a:p>
+        </p:txBody>
+      </p:sp>
     </p:spTree>
     <p:extLst>
       <p:ext uri="{BB962C8B-B14F-4D97-AF65-F5344CB8AC3E}">
@@ -21305,15 +21593,6 @@
 </file>
 
 <file path=customXml/item2.xml><?xml version="1.0" encoding="utf-8"?>
-<?mso-contentType ?>
-<FormTemplates xmlns="http://schemas.microsoft.com/sharepoint/v3/contenttype/forms">
-  <Display>DocumentLibraryForm</Display>
-  <Edit>DocumentLibraryForm</Edit>
-  <New>DocumentLibraryForm</New>
-</FormTemplates>
-</file>
-
-<file path=customXml/item3.xml><?xml version="1.0" encoding="utf-8"?>
 <ct:contentTypeSchema xmlns:ct="http://schemas.microsoft.com/office/2006/metadata/contentType" xmlns:ma="http://schemas.microsoft.com/office/2006/metadata/properties/metaAttributes" ct:_="" ma:_="" ma:contentTypeName="Documento" ma:contentTypeID="0x010100D3ACF04A7F9B864F984482D74838982E" ma:contentTypeVersion="2" ma:contentTypeDescription="Crear nuevo documento." ma:contentTypeScope="" ma:versionID="46a6908ee1857d062a054b6f801a1a59">
   <xsd:schema xmlns:xsd="http://www.w3.org/2001/XMLSchema" xmlns:xs="http://www.w3.org/2001/XMLSchema" xmlns:p="http://schemas.microsoft.com/office/2006/metadata/properties" xmlns:ns3="eb33805b-88a9-40a3-8f3b-568156ed15a3" targetNamespace="http://schemas.microsoft.com/office/2006/metadata/properties" ma:root="true" ma:fieldsID="439506ca6a2c3ed63ca6ef35b0e219d5" ns3:_="">
     <xsd:import namespace="eb33805b-88a9-40a3-8f3b-568156ed15a3"/>
@@ -21445,31 +21724,32 @@
 </ct:contentTypeSchema>
 </file>
 
+<file path=customXml/item3.xml><?xml version="1.0" encoding="utf-8"?>
+<?mso-contentType ?>
+<FormTemplates xmlns="http://schemas.microsoft.com/sharepoint/v3/contenttype/forms">
+  <Display>DocumentLibraryForm</Display>
+  <Edit>DocumentLibraryForm</Edit>
+  <New>DocumentLibraryForm</New>
+</FormTemplates>
+</file>
+
 <file path=customXml/itemProps1.xml><?xml version="1.0" encoding="utf-8"?>
 <ds:datastoreItem xmlns:ds="http://schemas.openxmlformats.org/officeDocument/2006/customXml" ds:itemID="{D9461C74-94E2-411A-89D9-B8158C81BB5E}">
   <ds:schemaRefs>
-    <ds:schemaRef ds:uri="http://purl.org/dc/elements/1.1/"/>
+    <ds:schemaRef ds:uri="http://schemas.microsoft.com/office/2006/metadata/properties"/>
     <ds:schemaRef ds:uri="http://schemas.microsoft.com/office/2006/documentManagement/types"/>
     <ds:schemaRef ds:uri="eb33805b-88a9-40a3-8f3b-568156ed15a3"/>
-    <ds:schemaRef ds:uri="http://purl.org/dc/dcmitype/"/>
-    <ds:schemaRef ds:uri="http://schemas.microsoft.com/office/2006/metadata/properties"/>
+    <ds:schemaRef ds:uri="http://www.w3.org/XML/1998/namespace"/>
+    <ds:schemaRef ds:uri="http://purl.org/dc/terms/"/>
+    <ds:schemaRef ds:uri="http://purl.org/dc/elements/1.1/"/>
     <ds:schemaRef ds:uri="http://schemas.microsoft.com/office/infopath/2007/PartnerControls"/>
     <ds:schemaRef ds:uri="http://schemas.openxmlformats.org/package/2006/metadata/core-properties"/>
-    <ds:schemaRef ds:uri="http://www.w3.org/XML/1998/namespace"/>
-    <ds:schemaRef ds:uri="http://purl.org/dc/terms/"/>
+    <ds:schemaRef ds:uri="http://purl.org/dc/dcmitype/"/>
   </ds:schemaRefs>
 </ds:datastoreItem>
 </file>
 
 <file path=customXml/itemProps2.xml><?xml version="1.0" encoding="utf-8"?>
-<ds:datastoreItem xmlns:ds="http://schemas.openxmlformats.org/officeDocument/2006/customXml" ds:itemID="{E02D8953-537A-4FBD-B24D-DDF016785B1A}">
-  <ds:schemaRefs>
-    <ds:schemaRef ds:uri="http://schemas.microsoft.com/sharepoint/v3/contenttype/forms"/>
-  </ds:schemaRefs>
-</ds:datastoreItem>
-</file>
-
-<file path=customXml/itemProps3.xml><?xml version="1.0" encoding="utf-8"?>
 <ds:datastoreItem xmlns:ds="http://schemas.openxmlformats.org/officeDocument/2006/customXml" ds:itemID="{432DD584-F378-4055-9B94-3829DB515B2E}">
   <ds:schemaRefs>
     <ds:schemaRef ds:uri="http://schemas.microsoft.com/office/2006/metadata/contentType"/>
@@ -21485,4 +21765,12 @@
     <ds:schemaRef ds:uri="http://schemas.microsoft.com/internal/obd"/>
   </ds:schemaRefs>
 </ds:datastoreItem>
+</file>
+
+<file path=customXml/itemProps3.xml><?xml version="1.0" encoding="utf-8"?>
+<ds:datastoreItem xmlns:ds="http://schemas.openxmlformats.org/officeDocument/2006/customXml" ds:itemID="{E02D8953-537A-4FBD-B24D-DDF016785B1A}">
+  <ds:schemaRefs>
+    <ds:schemaRef ds:uri="http://schemas.microsoft.com/sharepoint/v3/contenttype/forms"/>
+  </ds:schemaRefs>
+</ds:datastoreItem>
 </file>
--- a/Entrega/22.99 TP2 G1.pptx
+++ b/Entrega/22.99 TP2 G1.pptx
@@ -5,7 +5,7 @@
     <p:sldMasterId id="2147483648" r:id="rId4"/>
   </p:sldMasterIdLst>
   <p:notesMasterIdLst>
-    <p:notesMasterId r:id="rId20"/>
+    <p:notesMasterId r:id="rId21"/>
   </p:notesMasterIdLst>
   <p:sldIdLst>
     <p:sldId id="257" r:id="rId5"/>
@@ -18,11 +18,12 @@
     <p:sldId id="290" r:id="rId12"/>
     <p:sldId id="291" r:id="rId13"/>
     <p:sldId id="292" r:id="rId14"/>
-    <p:sldId id="298" r:id="rId15"/>
-    <p:sldId id="295" r:id="rId16"/>
-    <p:sldId id="299" r:id="rId17"/>
-    <p:sldId id="297" r:id="rId18"/>
-    <p:sldId id="281" r:id="rId19"/>
+    <p:sldId id="300" r:id="rId15"/>
+    <p:sldId id="298" r:id="rId16"/>
+    <p:sldId id="295" r:id="rId17"/>
+    <p:sldId id="299" r:id="rId18"/>
+    <p:sldId id="297" r:id="rId19"/>
+    <p:sldId id="281" r:id="rId20"/>
   </p:sldIdLst>
   <p:sldSz cx="12192000" cy="6858000"/>
   <p:notesSz cx="6858000" cy="9144000"/>
@@ -8109,7 +8110,7 @@
           <a:p>
             <a:fld id="{54F6A6B6-695C-4AD9-9239-2E6F4DB2D915}" type="slidenum">
               <a:rPr lang="en-US" smtClean="0"/>
-              <a:t>‹#›</a:t>
+              <a:t>‹Nº›</a:t>
             </a:fld>
             <a:endParaRPr lang="en-US"/>
           </a:p>
@@ -9151,7 +9152,7 @@
             <a:fld id="{D57F1E4F-1CFF-5643-939E-217C01CDF565}" type="slidenum">
               <a:rPr lang="en-US" dirty="0"/>
               <a:pPr/>
-              <a:t>‹#›</a:t>
+              <a:t>‹Nº›</a:t>
             </a:fld>
             <a:endParaRPr lang="en-US" dirty="0"/>
           </a:p>
@@ -9402,7 +9403,7 @@
             <a:fld id="{D57F1E4F-1CFF-5643-939E-217C01CDF565}" type="slidenum">
               <a:rPr lang="en-US" dirty="0"/>
               <a:pPr/>
-              <a:t>‹#›</a:t>
+              <a:t>‹Nº›</a:t>
             </a:fld>
             <a:endParaRPr lang="en-US" dirty="0"/>
           </a:p>
@@ -9716,7 +9717,7 @@
             <a:fld id="{D57F1E4F-1CFF-5643-939E-217C01CDF565}" type="slidenum">
               <a:rPr lang="en-US" dirty="0"/>
               <a:pPr/>
-              <a:t>‹#›</a:t>
+              <a:t>‹Nº›</a:t>
             </a:fld>
             <a:endParaRPr lang="en-US" dirty="0"/>
           </a:p>
@@ -10057,7 +10058,7 @@
             <a:fld id="{D57F1E4F-1CFF-5643-939E-217C01CDF565}" type="slidenum">
               <a:rPr lang="en-US" dirty="0"/>
               <a:pPr/>
-              <a:t>‹#›</a:t>
+              <a:t>‹Nº›</a:t>
             </a:fld>
             <a:endParaRPr lang="en-US" dirty="0"/>
           </a:p>
@@ -10371,7 +10372,7 @@
             <a:fld id="{D57F1E4F-1CFF-5643-939E-217C01CDF565}" type="slidenum">
               <a:rPr lang="en-US" dirty="0"/>
               <a:pPr/>
-              <a:t>‹#›</a:t>
+              <a:t>‹Nº›</a:t>
             </a:fld>
             <a:endParaRPr lang="en-US" dirty="0"/>
           </a:p>
@@ -10764,7 +10765,7 @@
             <a:fld id="{D57F1E4F-1CFF-5643-939E-217C01CDF565}" type="slidenum">
               <a:rPr lang="en-US" dirty="0"/>
               <a:pPr/>
-              <a:t>‹#›</a:t>
+              <a:t>‹Nº›</a:t>
             </a:fld>
             <a:endParaRPr lang="en-US" dirty="0"/>
           </a:p>
@@ -10933,7 +10934,7 @@
           <a:p>
             <a:fld id="{89333C77-0158-454C-844F-B7AB9BD7DAD4}" type="slidenum">
               <a:rPr lang="en-US" dirty="0"/>
-              <a:t>‹#›</a:t>
+              <a:t>‹Nº›</a:t>
             </a:fld>
             <a:endParaRPr lang="en-US" dirty="0"/>
           </a:p>
@@ -11113,7 +11114,7 @@
             <a:fld id="{D57F1E4F-1CFF-5643-939E-217C01CDF565}" type="slidenum">
               <a:rPr lang="en-US" dirty="0"/>
               <a:pPr/>
-              <a:t>‹#›</a:t>
+              <a:t>‹Nº›</a:t>
             </a:fld>
             <a:endParaRPr lang="en-US" dirty="0"/>
           </a:p>
@@ -11289,7 +11290,7 @@
             <a:fld id="{D57F1E4F-1CFF-5643-939E-217C01CDF565}" type="slidenum">
               <a:rPr lang="en-US" dirty="0"/>
               <a:pPr/>
-              <a:t>‹#›</a:t>
+              <a:t>‹Nº›</a:t>
             </a:fld>
             <a:endParaRPr lang="en-US" dirty="0"/>
           </a:p>
@@ -11536,7 +11537,7 @@
             <a:fld id="{D57F1E4F-1CFF-5643-939E-217C01CDF565}" type="slidenum">
               <a:rPr lang="en-US" dirty="0"/>
               <a:pPr/>
-              <a:t>‹#›</a:t>
+              <a:t>‹Nº›</a:t>
             </a:fld>
             <a:endParaRPr lang="en-US" dirty="0"/>
           </a:p>
@@ -11767,7 +11768,7 @@
           <a:p>
             <a:fld id="{6FF9F0C5-380F-41C2-899A-BAC0F0927E16}" type="slidenum">
               <a:rPr lang="en-US" dirty="0"/>
-              <a:t>‹#›</a:t>
+              <a:t>‹Nº›</a:t>
             </a:fld>
             <a:endParaRPr lang="en-US" dirty="0"/>
           </a:p>
@@ -12141,7 +12142,7 @@
             <a:fld id="{D57F1E4F-1CFF-5643-939E-217C01CDF565}" type="slidenum">
               <a:rPr lang="en-US" dirty="0"/>
               <a:pPr/>
-              <a:t>‹#›</a:t>
+              <a:t>‹Nº›</a:t>
             </a:fld>
             <a:endParaRPr lang="en-US" dirty="0"/>
           </a:p>
@@ -12264,7 +12265,7 @@
             <a:fld id="{D57F1E4F-1CFF-5643-939E-217C01CDF565}" type="slidenum">
               <a:rPr lang="en-US" dirty="0"/>
               <a:pPr/>
-              <a:t>‹#›</a:t>
+              <a:t>‹Nº›</a:t>
             </a:fld>
             <a:endParaRPr lang="en-US" dirty="0"/>
           </a:p>
@@ -12359,7 +12360,7 @@
             <a:fld id="{D57F1E4F-1CFF-5643-939E-217C01CDF565}" type="slidenum">
               <a:rPr lang="en-US" dirty="0"/>
               <a:pPr/>
-              <a:t>‹#›</a:t>
+              <a:t>‹Nº›</a:t>
             </a:fld>
             <a:endParaRPr lang="en-US" dirty="0"/>
           </a:p>
@@ -12613,7 +12614,7 @@
           <a:p>
             <a:fld id="{519954A3-9DFD-4C44-94BA-B95130A3BA1C}" type="slidenum">
               <a:rPr lang="en-US" dirty="0"/>
-              <a:t>‹#›</a:t>
+              <a:t>‹Nº›</a:t>
             </a:fld>
             <a:endParaRPr lang="en-US" dirty="0"/>
           </a:p>
@@ -12876,7 +12877,7 @@
             <a:fld id="{D57F1E4F-1CFF-5643-939E-217C01CDF565}" type="slidenum">
               <a:rPr lang="en-US" dirty="0"/>
               <a:pPr/>
-              <a:t>‹#›</a:t>
+              <a:t>‹Nº›</a:t>
             </a:fld>
             <a:endParaRPr lang="en-US" dirty="0"/>
           </a:p>
@@ -13653,7 +13654,7 @@
             <a:fld id="{D57F1E4F-1CFF-5643-939E-217C01CDF565}" type="slidenum">
               <a:rPr lang="en-US" dirty="0"/>
               <a:pPr/>
-              <a:t>‹#›</a:t>
+              <a:t>‹Nº›</a:t>
             </a:fld>
             <a:endParaRPr lang="en-US" dirty="0"/>
           </a:p>
@@ -14451,7 +14452,36 @@
           <a:bodyPr/>
           <a:lstStyle/>
           <a:p>
-            <a:endParaRPr lang="en-US" dirty="0"/>
+            <a:r>
+              <a:rPr lang="en-US" dirty="0" err="1"/>
+              <a:t>Implementaci</a:t>
+            </a:r>
+            <a:r>
+              <a:rPr lang="es-AR" dirty="0" err="1"/>
+              <a:t>ón</a:t>
+            </a:r>
+            <a:r>
+              <a:rPr lang="es-AR" dirty="0"/>
+              <a:t> de una interfaz I2C no bloqueante para varios módulos en simultáneo.</a:t>
+            </a:r>
+          </a:p>
+          <a:p>
+            <a:r>
+              <a:rPr lang="es-AR" dirty="0"/>
+              <a:t>Archivo para el control directo del hardware.</a:t>
+            </a:r>
+          </a:p>
+          <a:p>
+            <a:r>
+              <a:rPr lang="es-AR" dirty="0"/>
+              <a:t>Archivo para para la interacción lógica con el periférico</a:t>
+            </a:r>
+          </a:p>
+          <a:p>
+            <a:r>
+              <a:rPr lang="es-AR" dirty="0"/>
+              <a:t>Interrupciones de 8 micro segundos para el envío de paquetes</a:t>
+            </a:r>
           </a:p>
         </p:txBody>
       </p:sp>
@@ -14528,6 +14558,186 @@
 </file>
 
 <file path=ppt/slides/slide11.xml><?xml version="1.0" encoding="utf-8"?>
+<p:sld xmlns:a="http://schemas.openxmlformats.org/drawingml/2006/main" xmlns:r="http://schemas.openxmlformats.org/officeDocument/2006/relationships" xmlns:p="http://schemas.openxmlformats.org/presentationml/2006/main">
+  <p:cSld>
+    <p:spTree>
+      <p:nvGrpSpPr>
+        <p:cNvPr id="1" name=""/>
+        <p:cNvGrpSpPr/>
+        <p:nvPr/>
+      </p:nvGrpSpPr>
+      <p:grpSpPr>
+        <a:xfrm>
+          <a:off x="0" y="0"/>
+          <a:ext cx="0" cy="0"/>
+          <a:chOff x="0" y="0"/>
+          <a:chExt cx="0" cy="0"/>
+        </a:xfrm>
+      </p:grpSpPr>
+      <p:sp>
+        <p:nvSpPr>
+          <p:cNvPr id="2" name="Título 1">
+            <a:extLst>
+              <a:ext uri="{FF2B5EF4-FFF2-40B4-BE49-F238E27FC236}">
+                <a16:creationId xmlns:a16="http://schemas.microsoft.com/office/drawing/2014/main" id="{3925294D-703D-48C8-83BE-FE1B8A1461E2}"/>
+              </a:ext>
+            </a:extLst>
+          </p:cNvPr>
+          <p:cNvSpPr>
+            <a:spLocks noGrp="1"/>
+          </p:cNvSpPr>
+          <p:nvPr>
+            <p:ph type="title"/>
+          </p:nvPr>
+        </p:nvSpPr>
+        <p:spPr/>
+        <p:txBody>
+          <a:bodyPr/>
+          <a:lstStyle/>
+          <a:p>
+            <a:r>
+              <a:rPr lang="es-AR" u="sng" dirty="0"/>
+              <a:t>Acelerómetro y magnetómetro</a:t>
+            </a:r>
+          </a:p>
+        </p:txBody>
+      </p:sp>
+      <p:sp>
+        <p:nvSpPr>
+          <p:cNvPr id="3" name="Marcador de contenido 2">
+            <a:extLst>
+              <a:ext uri="{FF2B5EF4-FFF2-40B4-BE49-F238E27FC236}">
+                <a16:creationId xmlns:a16="http://schemas.microsoft.com/office/drawing/2014/main" id="{FDC5C526-19A2-400D-8068-02182B36DD1E}"/>
+              </a:ext>
+            </a:extLst>
+          </p:cNvPr>
+          <p:cNvSpPr>
+            <a:spLocks noGrp="1"/>
+          </p:cNvSpPr>
+          <p:nvPr>
+            <p:ph idx="1"/>
+          </p:nvPr>
+        </p:nvSpPr>
+        <p:spPr>
+          <a:xfrm>
+            <a:off x="677334" y="2002544"/>
+            <a:ext cx="8596668" cy="3880773"/>
+          </a:xfrm>
+        </p:spPr>
+        <p:txBody>
+          <a:bodyPr/>
+          <a:lstStyle/>
+          <a:p>
+            <a:r>
+              <a:rPr lang="es-AR" dirty="0"/>
+              <a:t>Implementación de una interfaz no bloqueante</a:t>
+            </a:r>
+          </a:p>
+          <a:p>
+            <a:r>
+              <a:rPr lang="es-AR" dirty="0"/>
+              <a:t>Tasa de refresco fija	</a:t>
+            </a:r>
+          </a:p>
+          <a:p>
+            <a:r>
+              <a:rPr lang="es-AR" dirty="0"/>
+              <a:t>El usuario puede pedir en cualquier momento el último dato adquirido</a:t>
+            </a:r>
+          </a:p>
+          <a:p>
+            <a:r>
+              <a:rPr lang="es-AR" dirty="0"/>
+              <a:t>Inicialización bloqueante</a:t>
+            </a:r>
+          </a:p>
+          <a:p>
+            <a:pPr marL="0" indent="0">
+              <a:buNone/>
+            </a:pPr>
+            <a:endParaRPr lang="es-AR" dirty="0"/>
+          </a:p>
+          <a:p>
+            <a:endParaRPr lang="es-AR" dirty="0"/>
+          </a:p>
+          <a:p>
+            <a:endParaRPr lang="es-AR" dirty="0"/>
+          </a:p>
+        </p:txBody>
+      </p:sp>
+      <p:sp>
+        <p:nvSpPr>
+          <p:cNvPr id="4" name="Marcador de pie de página 3">
+            <a:extLst>
+              <a:ext uri="{FF2B5EF4-FFF2-40B4-BE49-F238E27FC236}">
+                <a16:creationId xmlns:a16="http://schemas.microsoft.com/office/drawing/2014/main" id="{EDA84A85-83CE-4D69-A3CF-911F3514E5A3}"/>
+              </a:ext>
+            </a:extLst>
+          </p:cNvPr>
+          <p:cNvSpPr>
+            <a:spLocks noGrp="1"/>
+          </p:cNvSpPr>
+          <p:nvPr>
+            <p:ph type="ftr" sz="quarter" idx="11"/>
+          </p:nvPr>
+        </p:nvSpPr>
+        <p:spPr/>
+        <p:txBody>
+          <a:bodyPr/>
+          <a:lstStyle/>
+          <a:p>
+            <a:r>
+              <a:rPr lang="pt-BR"/>
+              <a:t>Laboratorio de microprocesadores – TP2 - Grupo 1</a:t>
+            </a:r>
+            <a:endParaRPr lang="en-US" dirty="0"/>
+          </a:p>
+        </p:txBody>
+      </p:sp>
+      <p:sp>
+        <p:nvSpPr>
+          <p:cNvPr id="5" name="Marcador de número de diapositiva 4">
+            <a:extLst>
+              <a:ext uri="{FF2B5EF4-FFF2-40B4-BE49-F238E27FC236}">
+                <a16:creationId xmlns:a16="http://schemas.microsoft.com/office/drawing/2014/main" id="{6BAFF555-FD72-45EE-96BF-DF5D1BCA3F3B}"/>
+              </a:ext>
+            </a:extLst>
+          </p:cNvPr>
+          <p:cNvSpPr>
+            <a:spLocks noGrp="1"/>
+          </p:cNvSpPr>
+          <p:nvPr>
+            <p:ph type="sldNum" sz="quarter" idx="12"/>
+          </p:nvPr>
+        </p:nvSpPr>
+        <p:spPr/>
+        <p:txBody>
+          <a:bodyPr/>
+          <a:lstStyle/>
+          <a:p>
+            <a:fld id="{D57F1E4F-1CFF-5643-939E-217C01CDF565}" type="slidenum">
+              <a:rPr lang="en-US" smtClean="0"/>
+              <a:pPr/>
+              <a:t>11</a:t>
+            </a:fld>
+            <a:endParaRPr lang="en-US" dirty="0"/>
+          </a:p>
+        </p:txBody>
+      </p:sp>
+    </p:spTree>
+    <p:extLst>
+      <p:ext uri="{BB962C8B-B14F-4D97-AF65-F5344CB8AC3E}">
+        <p14:creationId xmlns:p14="http://schemas.microsoft.com/office/powerpoint/2010/main" val="2286966671"/>
+      </p:ext>
+    </p:extLst>
+  </p:cSld>
+  <p:clrMapOvr>
+    <a:masterClrMapping/>
+  </p:clrMapOvr>
+</p:sld>
+</file>
+
+<file path=ppt/slides/slide12.xml><?xml version="1.0" encoding="utf-8"?>
 <p:sld xmlns:a="http://schemas.openxmlformats.org/drawingml/2006/main" xmlns:r="http://schemas.openxmlformats.org/officeDocument/2006/relationships" xmlns:p="http://schemas.openxmlformats.org/presentationml/2006/main">
   <p:cSld>
     <p:bg>
@@ -15526,7 +15736,7 @@
                   <a:spcPts val="600"/>
                 </a:spcAft>
               </a:pPr>
-              <a:t>11</a:t>
+              <a:t>12</a:t>
             </a:fld>
             <a:endParaRPr lang="en-US"/>
           </a:p>
@@ -15545,7 +15755,7 @@
 </p:sld>
 </file>
 
-<file path=ppt/slides/slide12.xml><?xml version="1.0" encoding="utf-8"?>
+<file path=ppt/slides/slide13.xml><?xml version="1.0" encoding="utf-8"?>
 <p:sld xmlns:a="http://schemas.openxmlformats.org/drawingml/2006/main" xmlns:r="http://schemas.openxmlformats.org/officeDocument/2006/relationships" xmlns:p="http://schemas.openxmlformats.org/presentationml/2006/main">
   <p:cSld>
     <p:bg>
@@ -16443,7 +16653,7 @@
                   <a:spcPts val="600"/>
                 </a:spcAft>
               </a:pPr>
-              <a:t>12</a:t>
+              <a:t>13</a:t>
             </a:fld>
             <a:endParaRPr lang="en-US"/>
           </a:p>
@@ -16462,7 +16672,7 @@
 </p:sld>
 </file>
 
-<file path=ppt/slides/slide13.xml><?xml version="1.0" encoding="utf-8"?>
+<file path=ppt/slides/slide14.xml><?xml version="1.0" encoding="utf-8"?>
 <p:sld xmlns:a="http://schemas.openxmlformats.org/drawingml/2006/main" xmlns:r="http://schemas.openxmlformats.org/officeDocument/2006/relationships" xmlns:p="http://schemas.openxmlformats.org/presentationml/2006/main">
   <p:cSld>
     <p:bg>
@@ -16597,7 +16807,7 @@
                   <a:spcPts val="600"/>
                 </a:spcAft>
               </a:pPr>
-              <a:t>13</a:t>
+              <a:t>14</a:t>
             </a:fld>
             <a:endParaRPr lang="en-US"/>
           </a:p>
@@ -16804,7 +17014,7 @@
 </p:sld>
 </file>
 
-<file path=ppt/slides/slide14.xml><?xml version="1.0" encoding="utf-8"?>
+<file path=ppt/slides/slide15.xml><?xml version="1.0" encoding="utf-8"?>
 <p:sld xmlns:a="http://schemas.openxmlformats.org/drawingml/2006/main" xmlns:r="http://schemas.openxmlformats.org/officeDocument/2006/relationships" xmlns:p="http://schemas.openxmlformats.org/presentationml/2006/main">
   <p:cSld>
     <p:spTree>
@@ -16902,7 +17112,7 @@
             <a:fld id="{D57F1E4F-1CFF-5643-939E-217C01CDF565}" type="slidenum">
               <a:rPr lang="en-US" smtClean="0"/>
               <a:pPr/>
-              <a:t>14</a:t>
+              <a:t>15</a:t>
             </a:fld>
             <a:endParaRPr lang="en-US" dirty="0"/>
           </a:p>
@@ -17109,7 +17319,7 @@
 </p:sld>
 </file>
 
-<file path=ppt/slides/slide15.xml><?xml version="1.0" encoding="utf-8"?>
+<file path=ppt/slides/slide16.xml><?xml version="1.0" encoding="utf-8"?>
 <p:sld xmlns:a="http://schemas.openxmlformats.org/drawingml/2006/main" xmlns:r="http://schemas.openxmlformats.org/officeDocument/2006/relationships" xmlns:p="http://schemas.openxmlformats.org/presentationml/2006/main">
   <p:cSld>
     <p:spTree>
@@ -17257,7 +17467,7 @@
                   <a:spcPts val="600"/>
                 </a:spcAft>
               </a:pPr>
-              <a:t>15</a:t>
+              <a:t>16</a:t>
             </a:fld>
             <a:endParaRPr lang="en-US"/>
           </a:p>
@@ -21587,9 +21797,12 @@
 </file>
 
 <file path=customXml/item1.xml><?xml version="1.0" encoding="utf-8"?>
-<p:properties xmlns:p="http://schemas.microsoft.com/office/2006/metadata/properties" xmlns:xsi="http://www.w3.org/2001/XMLSchema-instance" xmlns:pc="http://schemas.microsoft.com/office/infopath/2007/PartnerControls">
-  <documentManagement/>
-</p:properties>
+<?mso-contentType ?>
+<FormTemplates xmlns="http://schemas.microsoft.com/sharepoint/v3/contenttype/forms">
+  <Display>DocumentLibraryForm</Display>
+  <Edit>DocumentLibraryForm</Edit>
+  <New>DocumentLibraryForm</New>
+</FormTemplates>
 </file>
 
 <file path=customXml/item2.xml><?xml version="1.0" encoding="utf-8"?>
@@ -21725,26 +21938,15 @@
 </file>
 
 <file path=customXml/item3.xml><?xml version="1.0" encoding="utf-8"?>
-<?mso-contentType ?>
-<FormTemplates xmlns="http://schemas.microsoft.com/sharepoint/v3/contenttype/forms">
-  <Display>DocumentLibraryForm</Display>
-  <Edit>DocumentLibraryForm</Edit>
-  <New>DocumentLibraryForm</New>
-</FormTemplates>
+<p:properties xmlns:p="http://schemas.microsoft.com/office/2006/metadata/properties" xmlns:xsi="http://www.w3.org/2001/XMLSchema-instance" xmlns:pc="http://schemas.microsoft.com/office/infopath/2007/PartnerControls">
+  <documentManagement/>
+</p:properties>
 </file>
 
 <file path=customXml/itemProps1.xml><?xml version="1.0" encoding="utf-8"?>
-<ds:datastoreItem xmlns:ds="http://schemas.openxmlformats.org/officeDocument/2006/customXml" ds:itemID="{D9461C74-94E2-411A-89D9-B8158C81BB5E}">
+<ds:datastoreItem xmlns:ds="http://schemas.openxmlformats.org/officeDocument/2006/customXml" ds:itemID="{E02D8953-537A-4FBD-B24D-DDF016785B1A}">
   <ds:schemaRefs>
-    <ds:schemaRef ds:uri="http://schemas.microsoft.com/office/2006/metadata/properties"/>
-    <ds:schemaRef ds:uri="http://schemas.microsoft.com/office/2006/documentManagement/types"/>
-    <ds:schemaRef ds:uri="eb33805b-88a9-40a3-8f3b-568156ed15a3"/>
-    <ds:schemaRef ds:uri="http://www.w3.org/XML/1998/namespace"/>
-    <ds:schemaRef ds:uri="http://purl.org/dc/terms/"/>
-    <ds:schemaRef ds:uri="http://purl.org/dc/elements/1.1/"/>
-    <ds:schemaRef ds:uri="http://schemas.microsoft.com/office/infopath/2007/PartnerControls"/>
-    <ds:schemaRef ds:uri="http://schemas.openxmlformats.org/package/2006/metadata/core-properties"/>
-    <ds:schemaRef ds:uri="http://purl.org/dc/dcmitype/"/>
+    <ds:schemaRef ds:uri="http://schemas.microsoft.com/sharepoint/v3/contenttype/forms"/>
   </ds:schemaRefs>
 </ds:datastoreItem>
 </file>
@@ -21768,9 +21970,17 @@
 </file>
 
 <file path=customXml/itemProps3.xml><?xml version="1.0" encoding="utf-8"?>
-<ds:datastoreItem xmlns:ds="http://schemas.openxmlformats.org/officeDocument/2006/customXml" ds:itemID="{E02D8953-537A-4FBD-B24D-DDF016785B1A}">
+<ds:datastoreItem xmlns:ds="http://schemas.openxmlformats.org/officeDocument/2006/customXml" ds:itemID="{D9461C74-94E2-411A-89D9-B8158C81BB5E}">
   <ds:schemaRefs>
-    <ds:schemaRef ds:uri="http://schemas.microsoft.com/sharepoint/v3/contenttype/forms"/>
+    <ds:schemaRef ds:uri="http://schemas.microsoft.com/office/2006/metadata/properties"/>
+    <ds:schemaRef ds:uri="http://schemas.microsoft.com/office/2006/documentManagement/types"/>
+    <ds:schemaRef ds:uri="eb33805b-88a9-40a3-8f3b-568156ed15a3"/>
+    <ds:schemaRef ds:uri="http://www.w3.org/XML/1998/namespace"/>
+    <ds:schemaRef ds:uri="http://purl.org/dc/terms/"/>
+    <ds:schemaRef ds:uri="http://purl.org/dc/elements/1.1/"/>
+    <ds:schemaRef ds:uri="http://schemas.microsoft.com/office/infopath/2007/PartnerControls"/>
+    <ds:schemaRef ds:uri="http://schemas.openxmlformats.org/package/2006/metadata/core-properties"/>
+    <ds:schemaRef ds:uri="http://purl.org/dc/dcmitype/"/>
   </ds:schemaRefs>
 </ds:datastoreItem>
 </file>
--- a/Entrega/22.99 TP2 G1.pptx
+++ b/Entrega/22.99 TP2 G1.pptx
@@ -7952,7 +7952,7 @@
           <a:p>
             <a:fld id="{E5956B94-45C6-419C-9E8A-979F25A2BFD5}" type="datetimeFigureOut">
               <a:rPr lang="en-US" smtClean="0"/>
-              <a:t>10/7/2019</a:t>
+              <a:t>10/8/2019</a:t>
             </a:fld>
             <a:endParaRPr lang="en-US"/>
           </a:p>
@@ -8110,7 +8110,7 @@
           <a:p>
             <a:fld id="{54F6A6B6-695C-4AD9-9239-2E6F4DB2D915}" type="slidenum">
               <a:rPr lang="en-US" smtClean="0"/>
-              <a:t>‹Nº›</a:t>
+              <a:t>‹#›</a:t>
             </a:fld>
             <a:endParaRPr lang="en-US"/>
           </a:p>
@@ -9105,7 +9105,7 @@
           <a:p>
             <a:fld id="{102523D0-3AB4-4C46-8025-DC90901F504C}" type="datetime1">
               <a:rPr lang="en-US" smtClean="0"/>
-              <a:t>10/7/2019</a:t>
+              <a:t>10/8/2019</a:t>
             </a:fld>
             <a:endParaRPr lang="en-US" dirty="0"/>
           </a:p>
@@ -9152,7 +9152,7 @@
             <a:fld id="{D57F1E4F-1CFF-5643-939E-217C01CDF565}" type="slidenum">
               <a:rPr lang="en-US" dirty="0"/>
               <a:pPr/>
-              <a:t>‹Nº›</a:t>
+              <a:t>‹#›</a:t>
             </a:fld>
             <a:endParaRPr lang="en-US" dirty="0"/>
           </a:p>
@@ -9356,7 +9356,7 @@
           <a:p>
             <a:fld id="{A835BDD9-9BA7-4560-9237-FCC6BF65C009}" type="datetime1">
               <a:rPr lang="en-US" smtClean="0"/>
-              <a:t>10/7/2019</a:t>
+              <a:t>10/8/2019</a:t>
             </a:fld>
             <a:endParaRPr lang="en-US" dirty="0"/>
           </a:p>
@@ -9403,7 +9403,7 @@
             <a:fld id="{D57F1E4F-1CFF-5643-939E-217C01CDF565}" type="slidenum">
               <a:rPr lang="en-US" dirty="0"/>
               <a:pPr/>
-              <a:t>‹Nº›</a:t>
+              <a:t>‹#›</a:t>
             </a:fld>
             <a:endParaRPr lang="en-US" dirty="0"/>
           </a:p>
@@ -9670,7 +9670,7 @@
           <a:p>
             <a:fld id="{4906174E-EAA0-4F4F-8949-58E1BC944C34}" type="datetime1">
               <a:rPr lang="en-US" smtClean="0"/>
-              <a:t>10/7/2019</a:t>
+              <a:t>10/8/2019</a:t>
             </a:fld>
             <a:endParaRPr lang="en-US" dirty="0"/>
           </a:p>
@@ -9717,7 +9717,7 @@
             <a:fld id="{D57F1E4F-1CFF-5643-939E-217C01CDF565}" type="slidenum">
               <a:rPr lang="en-US" dirty="0"/>
               <a:pPr/>
-              <a:t>‹Nº›</a:t>
+              <a:t>‹#›</a:t>
             </a:fld>
             <a:endParaRPr lang="en-US" dirty="0"/>
           </a:p>
@@ -10011,7 +10011,7 @@
           <a:p>
             <a:fld id="{46B25936-E693-44B8-A41B-2DC986E78A15}" type="datetime1">
               <a:rPr lang="en-US" smtClean="0"/>
-              <a:t>10/7/2019</a:t>
+              <a:t>10/8/2019</a:t>
             </a:fld>
             <a:endParaRPr lang="en-US" dirty="0"/>
           </a:p>
@@ -10058,7 +10058,7 @@
             <a:fld id="{D57F1E4F-1CFF-5643-939E-217C01CDF565}" type="slidenum">
               <a:rPr lang="en-US" dirty="0"/>
               <a:pPr/>
-              <a:t>‹Nº›</a:t>
+              <a:t>‹#›</a:t>
             </a:fld>
             <a:endParaRPr lang="en-US" dirty="0"/>
           </a:p>
@@ -10325,7 +10325,7 @@
           <a:p>
             <a:fld id="{0C890E50-A108-4708-B623-9C3358B35316}" type="datetime1">
               <a:rPr lang="en-US" smtClean="0"/>
-              <a:t>10/7/2019</a:t>
+              <a:t>10/8/2019</a:t>
             </a:fld>
             <a:endParaRPr lang="en-US" dirty="0"/>
           </a:p>
@@ -10372,7 +10372,7 @@
             <a:fld id="{D57F1E4F-1CFF-5643-939E-217C01CDF565}" type="slidenum">
               <a:rPr lang="en-US" dirty="0"/>
               <a:pPr/>
-              <a:t>‹Nº›</a:t>
+              <a:t>‹#›</a:t>
             </a:fld>
             <a:endParaRPr lang="en-US" dirty="0"/>
           </a:p>
@@ -10718,7 +10718,7 @@
           <a:p>
             <a:fld id="{E748598C-17A7-4441-A074-5D2327CE6C99}" type="datetime1">
               <a:rPr lang="en-US" smtClean="0"/>
-              <a:t>10/7/2019</a:t>
+              <a:t>10/8/2019</a:t>
             </a:fld>
             <a:endParaRPr lang="en-US" dirty="0"/>
           </a:p>
@@ -10765,7 +10765,7 @@
             <a:fld id="{D57F1E4F-1CFF-5643-939E-217C01CDF565}" type="slidenum">
               <a:rPr lang="en-US" dirty="0"/>
               <a:pPr/>
-              <a:t>‹Nº›</a:t>
+              <a:t>‹#›</a:t>
             </a:fld>
             <a:endParaRPr lang="en-US" dirty="0"/>
           </a:p>
@@ -10888,7 +10888,7 @@
           <a:p>
             <a:fld id="{17211D2C-AB80-440A-802E-966286C7B542}" type="datetime1">
               <a:rPr lang="en-US" smtClean="0"/>
-              <a:t>10/7/2019</a:t>
+              <a:t>10/8/2019</a:t>
             </a:fld>
             <a:endParaRPr lang="en-US" dirty="0"/>
           </a:p>
@@ -10934,7 +10934,7 @@
           <a:p>
             <a:fld id="{89333C77-0158-454C-844F-B7AB9BD7DAD4}" type="slidenum">
               <a:rPr lang="en-US" dirty="0"/>
-              <a:t>‹Nº›</a:t>
+              <a:t>‹#›</a:t>
             </a:fld>
             <a:endParaRPr lang="en-US" dirty="0"/>
           </a:p>
@@ -11067,7 +11067,7 @@
           <a:p>
             <a:fld id="{A5BEE06D-9F7D-4F41-A7C8-76525212AB2F}" type="datetime1">
               <a:rPr lang="en-US" smtClean="0"/>
-              <a:t>10/7/2019</a:t>
+              <a:t>10/8/2019</a:t>
             </a:fld>
             <a:endParaRPr lang="en-US" dirty="0"/>
           </a:p>
@@ -11114,7 +11114,7 @@
             <a:fld id="{D57F1E4F-1CFF-5643-939E-217C01CDF565}" type="slidenum">
               <a:rPr lang="en-US" dirty="0"/>
               <a:pPr/>
-              <a:t>‹Nº›</a:t>
+              <a:t>‹#›</a:t>
             </a:fld>
             <a:endParaRPr lang="en-US" dirty="0"/>
           </a:p>
@@ -11243,7 +11243,7 @@
           <a:p>
             <a:fld id="{400E902C-1122-4DD1-ADFB-9B6C6DC03A26}" type="datetime1">
               <a:rPr lang="en-US" smtClean="0"/>
-              <a:t>10/7/2019</a:t>
+              <a:t>10/8/2019</a:t>
             </a:fld>
             <a:endParaRPr lang="en-US" dirty="0"/>
           </a:p>
@@ -11290,7 +11290,7 @@
             <a:fld id="{D57F1E4F-1CFF-5643-939E-217C01CDF565}" type="slidenum">
               <a:rPr lang="en-US" dirty="0"/>
               <a:pPr/>
-              <a:t>‹Nº›</a:t>
+              <a:t>‹#›</a:t>
             </a:fld>
             <a:endParaRPr lang="en-US" dirty="0"/>
           </a:p>
@@ -11490,7 +11490,7 @@
           <a:p>
             <a:fld id="{CAC6E649-6D61-405B-A8A3-B45FC590019C}" type="datetime1">
               <a:rPr lang="en-US" smtClean="0"/>
-              <a:t>10/7/2019</a:t>
+              <a:t>10/8/2019</a:t>
             </a:fld>
             <a:endParaRPr lang="en-US" dirty="0"/>
           </a:p>
@@ -11537,7 +11537,7 @@
             <a:fld id="{D57F1E4F-1CFF-5643-939E-217C01CDF565}" type="slidenum">
               <a:rPr lang="en-US" dirty="0"/>
               <a:pPr/>
-              <a:t>‹Nº›</a:t>
+              <a:t>‹#›</a:t>
             </a:fld>
             <a:endParaRPr lang="en-US" dirty="0"/>
           </a:p>
@@ -11722,7 +11722,7 @@
           <a:p>
             <a:fld id="{80641BB7-16AA-42E5-9CB8-5498C587B28B}" type="datetime1">
               <a:rPr lang="en-US" smtClean="0"/>
-              <a:t>10/7/2019</a:t>
+              <a:t>10/8/2019</a:t>
             </a:fld>
             <a:endParaRPr lang="en-US" dirty="0"/>
           </a:p>
@@ -11768,7 +11768,7 @@
           <a:p>
             <a:fld id="{6FF9F0C5-380F-41C2-899A-BAC0F0927E16}" type="slidenum">
               <a:rPr lang="en-US" dirty="0"/>
-              <a:t>‹Nº›</a:t>
+              <a:t>‹#›</a:t>
             </a:fld>
             <a:endParaRPr lang="en-US" dirty="0"/>
           </a:p>
@@ -12095,7 +12095,7 @@
           <a:p>
             <a:fld id="{5AFCC8FF-11B3-4E5C-9900-2DEF703E6D04}" type="datetime1">
               <a:rPr lang="en-US" smtClean="0"/>
-              <a:t>10/7/2019</a:t>
+              <a:t>10/8/2019</a:t>
             </a:fld>
             <a:endParaRPr lang="en-US" dirty="0"/>
           </a:p>
@@ -12142,7 +12142,7 @@
             <a:fld id="{D57F1E4F-1CFF-5643-939E-217C01CDF565}" type="slidenum">
               <a:rPr lang="en-US" dirty="0"/>
               <a:pPr/>
-              <a:t>‹Nº›</a:t>
+              <a:t>‹#›</a:t>
             </a:fld>
             <a:endParaRPr lang="en-US" dirty="0"/>
           </a:p>
@@ -12218,7 +12218,7 @@
           <a:p>
             <a:fld id="{4379B6B2-3BFB-4828-A2D7-4B69E16DFCFE}" type="datetime1">
               <a:rPr lang="en-US" smtClean="0"/>
-              <a:t>10/7/2019</a:t>
+              <a:t>10/8/2019</a:t>
             </a:fld>
             <a:endParaRPr lang="en-US" dirty="0"/>
           </a:p>
@@ -12265,7 +12265,7 @@
             <a:fld id="{D57F1E4F-1CFF-5643-939E-217C01CDF565}" type="slidenum">
               <a:rPr lang="en-US" dirty="0"/>
               <a:pPr/>
-              <a:t>‹Nº›</a:t>
+              <a:t>‹#›</a:t>
             </a:fld>
             <a:endParaRPr lang="en-US" dirty="0"/>
           </a:p>
@@ -12313,7 +12313,7 @@
           <a:p>
             <a:fld id="{17D04AE5-A958-4DFA-96AF-D206406211C7}" type="datetime1">
               <a:rPr lang="en-US" smtClean="0"/>
-              <a:t>10/7/2019</a:t>
+              <a:t>10/8/2019</a:t>
             </a:fld>
             <a:endParaRPr lang="en-US" dirty="0"/>
           </a:p>
@@ -12360,7 +12360,7 @@
             <a:fld id="{D57F1E4F-1CFF-5643-939E-217C01CDF565}" type="slidenum">
               <a:rPr lang="en-US" dirty="0"/>
               <a:pPr/>
-              <a:t>‹Nº›</a:t>
+              <a:t>‹#›</a:t>
             </a:fld>
             <a:endParaRPr lang="en-US" dirty="0"/>
           </a:p>
@@ -12568,7 +12568,7 @@
           <a:p>
             <a:fld id="{64ED1968-989D-45E6-9CA5-6E6672183300}" type="datetime1">
               <a:rPr lang="en-US" smtClean="0"/>
-              <a:t>10/7/2019</a:t>
+              <a:t>10/8/2019</a:t>
             </a:fld>
             <a:endParaRPr lang="en-US" dirty="0"/>
           </a:p>
@@ -12614,7 +12614,7 @@
           <a:p>
             <a:fld id="{519954A3-9DFD-4C44-94BA-B95130A3BA1C}" type="slidenum">
               <a:rPr lang="en-US" dirty="0"/>
-              <a:t>‹Nº›</a:t>
+              <a:t>‹#›</a:t>
             </a:fld>
             <a:endParaRPr lang="en-US" dirty="0"/>
           </a:p>
@@ -12830,7 +12830,7 @@
           <a:p>
             <a:fld id="{180EC195-9614-4346-BB5F-04E67E5347C3}" type="datetime1">
               <a:rPr lang="en-US" smtClean="0"/>
-              <a:t>10/7/2019</a:t>
+              <a:t>10/8/2019</a:t>
             </a:fld>
             <a:endParaRPr lang="en-US" dirty="0"/>
           </a:p>
@@ -12877,7 +12877,7 @@
             <a:fld id="{D57F1E4F-1CFF-5643-939E-217C01CDF565}" type="slidenum">
               <a:rPr lang="en-US" dirty="0"/>
               <a:pPr/>
-              <a:t>‹Nº›</a:t>
+              <a:t>‹#›</a:t>
             </a:fld>
             <a:endParaRPr lang="en-US" dirty="0"/>
           </a:p>
@@ -13573,7 +13573,7 @@
           <a:p>
             <a:fld id="{219A5152-92EC-4711-94B5-882620B93F9E}" type="datetime1">
               <a:rPr lang="en-US" smtClean="0"/>
-              <a:t>10/7/2019</a:t>
+              <a:t>10/8/2019</a:t>
             </a:fld>
             <a:endParaRPr lang="en-US" dirty="0"/>
           </a:p>
@@ -13654,7 +13654,7 @@
             <a:fld id="{D57F1E4F-1CFF-5643-939E-217C01CDF565}" type="slidenum">
               <a:rPr lang="en-US" dirty="0"/>
               <a:pPr/>
-              <a:t>‹Nº›</a:t>
+              <a:t>‹#›</a:t>
             </a:fld>
             <a:endParaRPr lang="en-US" dirty="0"/>
           </a:p>
@@ -14596,7 +14596,7 @@
           <a:lstStyle/>
           <a:p>
             <a:r>
-              <a:rPr lang="es-AR" u="sng" dirty="0"/>
+              <a:rPr lang="es-AR" dirty="0"/>
               <a:t>Acelerómetro y magnetómetro</a:t>
             </a:r>
           </a:p>
@@ -21806,6 +21806,12 @@
 </file>
 
 <file path=customXml/item2.xml><?xml version="1.0" encoding="utf-8"?>
+<p:properties xmlns:p="http://schemas.microsoft.com/office/2006/metadata/properties" xmlns:xsi="http://www.w3.org/2001/XMLSchema-instance" xmlns:pc="http://schemas.microsoft.com/office/infopath/2007/PartnerControls">
+  <documentManagement/>
+</p:properties>
+</file>
+
+<file path=customXml/item3.xml><?xml version="1.0" encoding="utf-8"?>
 <ct:contentTypeSchema xmlns:ct="http://schemas.microsoft.com/office/2006/metadata/contentType" xmlns:ma="http://schemas.microsoft.com/office/2006/metadata/properties/metaAttributes" ct:_="" ma:_="" ma:contentTypeName="Documento" ma:contentTypeID="0x010100D3ACF04A7F9B864F984482D74838982E" ma:contentTypeVersion="2" ma:contentTypeDescription="Crear nuevo documento." ma:contentTypeScope="" ma:versionID="46a6908ee1857d062a054b6f801a1a59">
   <xsd:schema xmlns:xsd="http://www.w3.org/2001/XMLSchema" xmlns:xs="http://www.w3.org/2001/XMLSchema" xmlns:p="http://schemas.microsoft.com/office/2006/metadata/properties" xmlns:ns3="eb33805b-88a9-40a3-8f3b-568156ed15a3" targetNamespace="http://schemas.microsoft.com/office/2006/metadata/properties" ma:root="true" ma:fieldsID="439506ca6a2c3ed63ca6ef35b0e219d5" ns3:_="">
     <xsd:import namespace="eb33805b-88a9-40a3-8f3b-568156ed15a3"/>
@@ -21937,12 +21943,6 @@
 </ct:contentTypeSchema>
 </file>
 
-<file path=customXml/item3.xml><?xml version="1.0" encoding="utf-8"?>
-<p:properties xmlns:p="http://schemas.microsoft.com/office/2006/metadata/properties" xmlns:xsi="http://www.w3.org/2001/XMLSchema-instance" xmlns:pc="http://schemas.microsoft.com/office/infopath/2007/PartnerControls">
-  <documentManagement/>
-</p:properties>
-</file>
-
 <file path=customXml/itemProps1.xml><?xml version="1.0" encoding="utf-8"?>
 <ds:datastoreItem xmlns:ds="http://schemas.openxmlformats.org/officeDocument/2006/customXml" ds:itemID="{E02D8953-537A-4FBD-B24D-DDF016785B1A}">
   <ds:schemaRefs>
@@ -21952,6 +21952,22 @@
 </file>
 
 <file path=customXml/itemProps2.xml><?xml version="1.0" encoding="utf-8"?>
+<ds:datastoreItem xmlns:ds="http://schemas.openxmlformats.org/officeDocument/2006/customXml" ds:itemID="{D9461C74-94E2-411A-89D9-B8158C81BB5E}">
+  <ds:schemaRefs>
+    <ds:schemaRef ds:uri="http://schemas.microsoft.com/office/2006/metadata/properties"/>
+    <ds:schemaRef ds:uri="http://schemas.microsoft.com/office/2006/documentManagement/types"/>
+    <ds:schemaRef ds:uri="eb33805b-88a9-40a3-8f3b-568156ed15a3"/>
+    <ds:schemaRef ds:uri="http://www.w3.org/XML/1998/namespace"/>
+    <ds:schemaRef ds:uri="http://purl.org/dc/terms/"/>
+    <ds:schemaRef ds:uri="http://purl.org/dc/elements/1.1/"/>
+    <ds:schemaRef ds:uri="http://schemas.microsoft.com/office/infopath/2007/PartnerControls"/>
+    <ds:schemaRef ds:uri="http://schemas.openxmlformats.org/package/2006/metadata/core-properties"/>
+    <ds:schemaRef ds:uri="http://purl.org/dc/dcmitype/"/>
+  </ds:schemaRefs>
+</ds:datastoreItem>
+</file>
+
+<file path=customXml/itemProps3.xml><?xml version="1.0" encoding="utf-8"?>
 <ds:datastoreItem xmlns:ds="http://schemas.openxmlformats.org/officeDocument/2006/customXml" ds:itemID="{432DD584-F378-4055-9B94-3829DB515B2E}">
   <ds:schemaRefs>
     <ds:schemaRef ds:uri="http://schemas.microsoft.com/office/2006/metadata/contentType"/>
@@ -21967,20 +21983,4 @@
     <ds:schemaRef ds:uri="http://schemas.microsoft.com/internal/obd"/>
   </ds:schemaRefs>
 </ds:datastoreItem>
-</file>
-
-<file path=customXml/itemProps3.xml><?xml version="1.0" encoding="utf-8"?>
-<ds:datastoreItem xmlns:ds="http://schemas.openxmlformats.org/officeDocument/2006/customXml" ds:itemID="{D9461C74-94E2-411A-89D9-B8158C81BB5E}">
-  <ds:schemaRefs>
-    <ds:schemaRef ds:uri="http://schemas.microsoft.com/office/2006/metadata/properties"/>
-    <ds:schemaRef ds:uri="http://schemas.microsoft.com/office/2006/documentManagement/types"/>
-    <ds:schemaRef ds:uri="eb33805b-88a9-40a3-8f3b-568156ed15a3"/>
-    <ds:schemaRef ds:uri="http://www.w3.org/XML/1998/namespace"/>
-    <ds:schemaRef ds:uri="http://purl.org/dc/terms/"/>
-    <ds:schemaRef ds:uri="http://purl.org/dc/elements/1.1/"/>
-    <ds:schemaRef ds:uri="http://schemas.microsoft.com/office/infopath/2007/PartnerControls"/>
-    <ds:schemaRef ds:uri="http://schemas.openxmlformats.org/package/2006/metadata/core-properties"/>
-    <ds:schemaRef ds:uri="http://purl.org/dc/dcmitype/"/>
-  </ds:schemaRefs>
-</ds:datastoreItem>
 </file>